--- a/How to decouple your code.pptx
+++ b/How to decouple your code.pptx
@@ -4,18 +4,26 @@
   <p:sldMasterIdLst>
     <p:sldMasterId id="2147483712" r:id="rId4"/>
   </p:sldMasterIdLst>
+  <p:notesMasterIdLst>
+    <p:notesMasterId r:id="rId21"/>
+  </p:notesMasterIdLst>
   <p:sldIdLst>
     <p:sldId id="257" r:id="rId5"/>
-    <p:sldId id="263" r:id="rId6"/>
-    <p:sldId id="261" r:id="rId7"/>
+    <p:sldId id="261" r:id="rId6"/>
+    <p:sldId id="263" r:id="rId7"/>
     <p:sldId id="259" r:id="rId8"/>
-    <p:sldId id="265" r:id="rId9"/>
-    <p:sldId id="266" r:id="rId10"/>
-    <p:sldId id="258" r:id="rId11"/>
-    <p:sldId id="272" r:id="rId12"/>
-    <p:sldId id="271" r:id="rId13"/>
-    <p:sldId id="262" r:id="rId14"/>
-    <p:sldId id="270" r:id="rId15"/>
+    <p:sldId id="274" r:id="rId9"/>
+    <p:sldId id="273" r:id="rId10"/>
+    <p:sldId id="265" r:id="rId11"/>
+    <p:sldId id="275" r:id="rId12"/>
+    <p:sldId id="266" r:id="rId13"/>
+    <p:sldId id="258" r:id="rId14"/>
+    <p:sldId id="272" r:id="rId15"/>
+    <p:sldId id="271" r:id="rId16"/>
+    <p:sldId id="262" r:id="rId17"/>
+    <p:sldId id="276" r:id="rId18"/>
+    <p:sldId id="277" r:id="rId19"/>
+    <p:sldId id="270" r:id="rId20"/>
   </p:sldIdLst>
   <p:sldSz cx="12192000" cy="6858000"/>
   <p:notesSz cx="6858000" cy="9144000"/>
@@ -392,6 +400,1698 @@
 </pc:chgInfo>
 </file>
 
+<file path=ppt/notesMasters/notesMaster1.xml><?xml version="1.0" encoding="utf-8"?>
+<p:notesMaster xmlns:a="http://schemas.openxmlformats.org/drawingml/2006/main" xmlns:r="http://schemas.openxmlformats.org/officeDocument/2006/relationships" xmlns:p="http://schemas.openxmlformats.org/presentationml/2006/main">
+  <p:cSld>
+    <p:bg>
+      <p:bgRef idx="1001">
+        <a:schemeClr val="bg1"/>
+      </p:bgRef>
+    </p:bg>
+    <p:spTree>
+      <p:nvGrpSpPr>
+        <p:cNvPr id="1" name=""/>
+        <p:cNvGrpSpPr/>
+        <p:nvPr/>
+      </p:nvGrpSpPr>
+      <p:grpSpPr>
+        <a:xfrm>
+          <a:off x="0" y="0"/>
+          <a:ext cx="0" cy="0"/>
+          <a:chOff x="0" y="0"/>
+          <a:chExt cx="0" cy="0"/>
+        </a:xfrm>
+      </p:grpSpPr>
+      <p:sp>
+        <p:nvSpPr>
+          <p:cNvPr id="2" name="Header Placeholder 1"/>
+          <p:cNvSpPr>
+            <a:spLocks noGrp="1"/>
+          </p:cNvSpPr>
+          <p:nvPr>
+            <p:ph type="hdr" sz="quarter"/>
+          </p:nvPr>
+        </p:nvSpPr>
+        <p:spPr>
+          <a:xfrm>
+            <a:off x="0" y="0"/>
+            <a:ext cx="2971800" cy="458788"/>
+          </a:xfrm>
+          <a:prstGeom prst="rect">
+            <a:avLst/>
+          </a:prstGeom>
+        </p:spPr>
+        <p:txBody>
+          <a:bodyPr vert="horz" lIns="91440" tIns="45720" rIns="91440" bIns="45720" rtlCol="0"/>
+          <a:lstStyle>
+            <a:lvl1pPr algn="l">
+              <a:defRPr sz="1200"/>
+            </a:lvl1pPr>
+          </a:lstStyle>
+          <a:p>
+            <a:endParaRPr lang="en-US"/>
+          </a:p>
+        </p:txBody>
+      </p:sp>
+      <p:sp>
+        <p:nvSpPr>
+          <p:cNvPr id="3" name="Date Placeholder 2"/>
+          <p:cNvSpPr>
+            <a:spLocks noGrp="1"/>
+          </p:cNvSpPr>
+          <p:nvPr>
+            <p:ph type="dt" idx="1"/>
+          </p:nvPr>
+        </p:nvSpPr>
+        <p:spPr>
+          <a:xfrm>
+            <a:off x="3884613" y="0"/>
+            <a:ext cx="2971800" cy="458788"/>
+          </a:xfrm>
+          <a:prstGeom prst="rect">
+            <a:avLst/>
+          </a:prstGeom>
+        </p:spPr>
+        <p:txBody>
+          <a:bodyPr vert="horz" lIns="91440" tIns="45720" rIns="91440" bIns="45720" rtlCol="0"/>
+          <a:lstStyle>
+            <a:lvl1pPr algn="r">
+              <a:defRPr sz="1200"/>
+            </a:lvl1pPr>
+          </a:lstStyle>
+          <a:p>
+            <a:fld id="{5092873D-3F98-7244-B4CF-9FA71F58EC87}" type="datetimeFigureOut">
+              <a:rPr lang="en-US" smtClean="0"/>
+              <a:t>8/28/23</a:t>
+            </a:fld>
+            <a:endParaRPr lang="en-US"/>
+          </a:p>
+        </p:txBody>
+      </p:sp>
+      <p:sp>
+        <p:nvSpPr>
+          <p:cNvPr id="4" name="Slide Image Placeholder 3"/>
+          <p:cNvSpPr>
+            <a:spLocks noGrp="1" noRot="1" noChangeAspect="1"/>
+          </p:cNvSpPr>
+          <p:nvPr>
+            <p:ph type="sldImg" idx="2"/>
+          </p:nvPr>
+        </p:nvSpPr>
+        <p:spPr>
+          <a:xfrm>
+            <a:off x="685800" y="1143000"/>
+            <a:ext cx="5486400" cy="3086100"/>
+          </a:xfrm>
+          <a:prstGeom prst="rect">
+            <a:avLst/>
+          </a:prstGeom>
+          <a:noFill/>
+          <a:ln w="12700">
+            <a:solidFill>
+              <a:prstClr val="black"/>
+            </a:solidFill>
+          </a:ln>
+        </p:spPr>
+        <p:txBody>
+          <a:bodyPr vert="horz" lIns="91440" tIns="45720" rIns="91440" bIns="45720" rtlCol="0" anchor="ctr"/>
+          <a:lstStyle/>
+          <a:p>
+            <a:endParaRPr lang="en-US"/>
+          </a:p>
+        </p:txBody>
+      </p:sp>
+      <p:sp>
+        <p:nvSpPr>
+          <p:cNvPr id="5" name="Notes Placeholder 4"/>
+          <p:cNvSpPr>
+            <a:spLocks noGrp="1"/>
+          </p:cNvSpPr>
+          <p:nvPr>
+            <p:ph type="body" sz="quarter" idx="3"/>
+          </p:nvPr>
+        </p:nvSpPr>
+        <p:spPr>
+          <a:xfrm>
+            <a:off x="685800" y="4400550"/>
+            <a:ext cx="5486400" cy="3600450"/>
+          </a:xfrm>
+          <a:prstGeom prst="rect">
+            <a:avLst/>
+          </a:prstGeom>
+        </p:spPr>
+        <p:txBody>
+          <a:bodyPr vert="horz" lIns="91440" tIns="45720" rIns="91440" bIns="45720" rtlCol="0"/>
+          <a:lstStyle/>
+          <a:p>
+            <a:pPr lvl="0"/>
+            <a:r>
+              <a:rPr lang="en-GB"/>
+              <a:t>Click to edit Master text styles</a:t>
+            </a:r>
+          </a:p>
+          <a:p>
+            <a:pPr lvl="1"/>
+            <a:r>
+              <a:rPr lang="en-GB"/>
+              <a:t>Second level</a:t>
+            </a:r>
+          </a:p>
+          <a:p>
+            <a:pPr lvl="2"/>
+            <a:r>
+              <a:rPr lang="en-GB"/>
+              <a:t>Third level</a:t>
+            </a:r>
+          </a:p>
+          <a:p>
+            <a:pPr lvl="3"/>
+            <a:r>
+              <a:rPr lang="en-GB"/>
+              <a:t>Fourth level</a:t>
+            </a:r>
+          </a:p>
+          <a:p>
+            <a:pPr lvl="4"/>
+            <a:r>
+              <a:rPr lang="en-GB"/>
+              <a:t>Fifth level</a:t>
+            </a:r>
+            <a:endParaRPr lang="en-US"/>
+          </a:p>
+        </p:txBody>
+      </p:sp>
+      <p:sp>
+        <p:nvSpPr>
+          <p:cNvPr id="6" name="Footer Placeholder 5"/>
+          <p:cNvSpPr>
+            <a:spLocks noGrp="1"/>
+          </p:cNvSpPr>
+          <p:nvPr>
+            <p:ph type="ftr" sz="quarter" idx="4"/>
+          </p:nvPr>
+        </p:nvSpPr>
+        <p:spPr>
+          <a:xfrm>
+            <a:off x="0" y="8685213"/>
+            <a:ext cx="2971800" cy="458787"/>
+          </a:xfrm>
+          <a:prstGeom prst="rect">
+            <a:avLst/>
+          </a:prstGeom>
+        </p:spPr>
+        <p:txBody>
+          <a:bodyPr vert="horz" lIns="91440" tIns="45720" rIns="91440" bIns="45720" rtlCol="0" anchor="b"/>
+          <a:lstStyle>
+            <a:lvl1pPr algn="l">
+              <a:defRPr sz="1200"/>
+            </a:lvl1pPr>
+          </a:lstStyle>
+          <a:p>
+            <a:endParaRPr lang="en-US"/>
+          </a:p>
+        </p:txBody>
+      </p:sp>
+      <p:sp>
+        <p:nvSpPr>
+          <p:cNvPr id="7" name="Slide Number Placeholder 6"/>
+          <p:cNvSpPr>
+            <a:spLocks noGrp="1"/>
+          </p:cNvSpPr>
+          <p:nvPr>
+            <p:ph type="sldNum" sz="quarter" idx="5"/>
+          </p:nvPr>
+        </p:nvSpPr>
+        <p:spPr>
+          <a:xfrm>
+            <a:off x="3884613" y="8685213"/>
+            <a:ext cx="2971800" cy="458787"/>
+          </a:xfrm>
+          <a:prstGeom prst="rect">
+            <a:avLst/>
+          </a:prstGeom>
+        </p:spPr>
+        <p:txBody>
+          <a:bodyPr vert="horz" lIns="91440" tIns="45720" rIns="91440" bIns="45720" rtlCol="0" anchor="b"/>
+          <a:lstStyle>
+            <a:lvl1pPr algn="r">
+              <a:defRPr sz="1200"/>
+            </a:lvl1pPr>
+          </a:lstStyle>
+          <a:p>
+            <a:fld id="{50B2E8CF-7912-5344-9B14-D40B44999E4E}" type="slidenum">
+              <a:rPr lang="en-US" smtClean="0"/>
+              <a:t>‹#›</a:t>
+            </a:fld>
+            <a:endParaRPr lang="en-US"/>
+          </a:p>
+        </p:txBody>
+      </p:sp>
+    </p:spTree>
+    <p:extLst>
+      <p:ext uri="{BB962C8B-B14F-4D97-AF65-F5344CB8AC3E}">
+        <p14:creationId xmlns:p14="http://schemas.microsoft.com/office/powerpoint/2010/main" val="1943797256"/>
+      </p:ext>
+    </p:extLst>
+  </p:cSld>
+  <p:clrMap bg1="lt1" tx1="dk1" bg2="lt2" tx2="dk2" accent1="accent1" accent2="accent2" accent3="accent3" accent4="accent4" accent5="accent5" accent6="accent6" hlink="hlink" folHlink="folHlink"/>
+  <p:notesStyle>
+    <a:lvl1pPr marL="0" algn="l" defTabSz="914400" rtl="0" eaLnBrk="1" latinLnBrk="0" hangingPunct="1">
+      <a:defRPr sz="1200" kern="1200">
+        <a:solidFill>
+          <a:schemeClr val="tx1"/>
+        </a:solidFill>
+        <a:latin typeface="+mn-lt"/>
+        <a:ea typeface="+mn-ea"/>
+        <a:cs typeface="+mn-cs"/>
+      </a:defRPr>
+    </a:lvl1pPr>
+    <a:lvl2pPr marL="457200" algn="l" defTabSz="914400" rtl="0" eaLnBrk="1" latinLnBrk="0" hangingPunct="1">
+      <a:defRPr sz="1200" kern="1200">
+        <a:solidFill>
+          <a:schemeClr val="tx1"/>
+        </a:solidFill>
+        <a:latin typeface="+mn-lt"/>
+        <a:ea typeface="+mn-ea"/>
+        <a:cs typeface="+mn-cs"/>
+      </a:defRPr>
+    </a:lvl2pPr>
+    <a:lvl3pPr marL="914400" algn="l" defTabSz="914400" rtl="0" eaLnBrk="1" latinLnBrk="0" hangingPunct="1">
+      <a:defRPr sz="1200" kern="1200">
+        <a:solidFill>
+          <a:schemeClr val="tx1"/>
+        </a:solidFill>
+        <a:latin typeface="+mn-lt"/>
+        <a:ea typeface="+mn-ea"/>
+        <a:cs typeface="+mn-cs"/>
+      </a:defRPr>
+    </a:lvl3pPr>
+    <a:lvl4pPr marL="1371600" algn="l" defTabSz="914400" rtl="0" eaLnBrk="1" latinLnBrk="0" hangingPunct="1">
+      <a:defRPr sz="1200" kern="1200">
+        <a:solidFill>
+          <a:schemeClr val="tx1"/>
+        </a:solidFill>
+        <a:latin typeface="+mn-lt"/>
+        <a:ea typeface="+mn-ea"/>
+        <a:cs typeface="+mn-cs"/>
+      </a:defRPr>
+    </a:lvl4pPr>
+    <a:lvl5pPr marL="1828800" algn="l" defTabSz="914400" rtl="0" eaLnBrk="1" latinLnBrk="0" hangingPunct="1">
+      <a:defRPr sz="1200" kern="1200">
+        <a:solidFill>
+          <a:schemeClr val="tx1"/>
+        </a:solidFill>
+        <a:latin typeface="+mn-lt"/>
+        <a:ea typeface="+mn-ea"/>
+        <a:cs typeface="+mn-cs"/>
+      </a:defRPr>
+    </a:lvl5pPr>
+    <a:lvl6pPr marL="2286000" algn="l" defTabSz="914400" rtl="0" eaLnBrk="1" latinLnBrk="0" hangingPunct="1">
+      <a:defRPr sz="1200" kern="1200">
+        <a:solidFill>
+          <a:schemeClr val="tx1"/>
+        </a:solidFill>
+        <a:latin typeface="+mn-lt"/>
+        <a:ea typeface="+mn-ea"/>
+        <a:cs typeface="+mn-cs"/>
+      </a:defRPr>
+    </a:lvl6pPr>
+    <a:lvl7pPr marL="2743200" algn="l" defTabSz="914400" rtl="0" eaLnBrk="1" latinLnBrk="0" hangingPunct="1">
+      <a:defRPr sz="1200" kern="1200">
+        <a:solidFill>
+          <a:schemeClr val="tx1"/>
+        </a:solidFill>
+        <a:latin typeface="+mn-lt"/>
+        <a:ea typeface="+mn-ea"/>
+        <a:cs typeface="+mn-cs"/>
+      </a:defRPr>
+    </a:lvl7pPr>
+    <a:lvl8pPr marL="3200400" algn="l" defTabSz="914400" rtl="0" eaLnBrk="1" latinLnBrk="0" hangingPunct="1">
+      <a:defRPr sz="1200" kern="1200">
+        <a:solidFill>
+          <a:schemeClr val="tx1"/>
+        </a:solidFill>
+        <a:latin typeface="+mn-lt"/>
+        <a:ea typeface="+mn-ea"/>
+        <a:cs typeface="+mn-cs"/>
+      </a:defRPr>
+    </a:lvl8pPr>
+    <a:lvl9pPr marL="3657600" algn="l" defTabSz="914400" rtl="0" eaLnBrk="1" latinLnBrk="0" hangingPunct="1">
+      <a:defRPr sz="1200" kern="1200">
+        <a:solidFill>
+          <a:schemeClr val="tx1"/>
+        </a:solidFill>
+        <a:latin typeface="+mn-lt"/>
+        <a:ea typeface="+mn-ea"/>
+        <a:cs typeface="+mn-cs"/>
+      </a:defRPr>
+    </a:lvl9pPr>
+  </p:notesStyle>
+</p:notesMaster>
+</file>
+
+<file path=ppt/notesSlides/notesSlide1.xml><?xml version="1.0" encoding="utf-8"?>
+<p:notes xmlns:a="http://schemas.openxmlformats.org/drawingml/2006/main" xmlns:r="http://schemas.openxmlformats.org/officeDocument/2006/relationships" xmlns:p="http://schemas.openxmlformats.org/presentationml/2006/main">
+  <p:cSld>
+    <p:spTree>
+      <p:nvGrpSpPr>
+        <p:cNvPr id="1" name=""/>
+        <p:cNvGrpSpPr/>
+        <p:nvPr/>
+      </p:nvGrpSpPr>
+      <p:grpSpPr>
+        <a:xfrm>
+          <a:off x="0" y="0"/>
+          <a:ext cx="0" cy="0"/>
+          <a:chOff x="0" y="0"/>
+          <a:chExt cx="0" cy="0"/>
+        </a:xfrm>
+      </p:grpSpPr>
+      <p:sp>
+        <p:nvSpPr>
+          <p:cNvPr id="2" name="Slide Image Placeholder 1"/>
+          <p:cNvSpPr>
+            <a:spLocks noGrp="1" noRot="1" noChangeAspect="1"/>
+          </p:cNvSpPr>
+          <p:nvPr>
+            <p:ph type="sldImg"/>
+          </p:nvPr>
+        </p:nvSpPr>
+        <p:spPr/>
+      </p:sp>
+      <p:sp>
+        <p:nvSpPr>
+          <p:cNvPr id="3" name="Notes Placeholder 2"/>
+          <p:cNvSpPr>
+            <a:spLocks noGrp="1"/>
+          </p:cNvSpPr>
+          <p:nvPr>
+            <p:ph type="body" idx="1"/>
+          </p:nvPr>
+        </p:nvSpPr>
+        <p:spPr/>
+        <p:txBody>
+          <a:bodyPr/>
+          <a:lstStyle/>
+          <a:p>
+            <a:r>
+              <a:rPr lang="en-US" dirty="0"/>
+              <a:t>- strongly suggest to follow some of those YouTube channels as it's a really good place to get the latest info from</a:t>
+            </a:r>
+          </a:p>
+        </p:txBody>
+      </p:sp>
+      <p:sp>
+        <p:nvSpPr>
+          <p:cNvPr id="4" name="Slide Number Placeholder 3"/>
+          <p:cNvSpPr>
+            <a:spLocks noGrp="1"/>
+          </p:cNvSpPr>
+          <p:nvPr>
+            <p:ph type="sldNum" sz="quarter" idx="5"/>
+          </p:nvPr>
+        </p:nvSpPr>
+        <p:spPr/>
+        <p:txBody>
+          <a:bodyPr/>
+          <a:lstStyle/>
+          <a:p>
+            <a:fld id="{50B2E8CF-7912-5344-9B14-D40B44999E4E}" type="slidenum">
+              <a:rPr lang="en-US" smtClean="0"/>
+              <a:t>2</a:t>
+            </a:fld>
+            <a:endParaRPr lang="en-US"/>
+          </a:p>
+        </p:txBody>
+      </p:sp>
+    </p:spTree>
+    <p:extLst>
+      <p:ext uri="{BB962C8B-B14F-4D97-AF65-F5344CB8AC3E}">
+        <p14:creationId xmlns:p14="http://schemas.microsoft.com/office/powerpoint/2010/main" val="1327974411"/>
+      </p:ext>
+    </p:extLst>
+  </p:cSld>
+  <p:clrMapOvr>
+    <a:masterClrMapping/>
+  </p:clrMapOvr>
+</p:notes>
+</file>
+
+<file path=ppt/notesSlides/notesSlide10.xml><?xml version="1.0" encoding="utf-8"?>
+<p:notes xmlns:a="http://schemas.openxmlformats.org/drawingml/2006/main" xmlns:r="http://schemas.openxmlformats.org/officeDocument/2006/relationships" xmlns:p="http://schemas.openxmlformats.org/presentationml/2006/main">
+  <p:cSld>
+    <p:spTree>
+      <p:nvGrpSpPr>
+        <p:cNvPr id="1" name=""/>
+        <p:cNvGrpSpPr/>
+        <p:nvPr/>
+      </p:nvGrpSpPr>
+      <p:grpSpPr>
+        <a:xfrm>
+          <a:off x="0" y="0"/>
+          <a:ext cx="0" cy="0"/>
+          <a:chOff x="0" y="0"/>
+          <a:chExt cx="0" cy="0"/>
+        </a:xfrm>
+      </p:grpSpPr>
+      <p:sp>
+        <p:nvSpPr>
+          <p:cNvPr id="2" name="Slide Image Placeholder 1"/>
+          <p:cNvSpPr>
+            <a:spLocks noGrp="1" noRot="1" noChangeAspect="1"/>
+          </p:cNvSpPr>
+          <p:nvPr>
+            <p:ph type="sldImg"/>
+          </p:nvPr>
+        </p:nvSpPr>
+        <p:spPr/>
+      </p:sp>
+      <p:sp>
+        <p:nvSpPr>
+          <p:cNvPr id="3" name="Notes Placeholder 2"/>
+          <p:cNvSpPr>
+            <a:spLocks noGrp="1"/>
+          </p:cNvSpPr>
+          <p:nvPr>
+            <p:ph type="body" idx="1"/>
+          </p:nvPr>
+        </p:nvSpPr>
+        <p:spPr/>
+        <p:txBody>
+          <a:bodyPr/>
+          <a:lstStyle/>
+          <a:p>
+            <a:r>
+              <a:rPr lang="en-US" dirty="0"/>
+              <a:t>- the speed impact is negligible in most of the cases when looking at a real world API</a:t>
+            </a:r>
+          </a:p>
+          <a:p>
+            <a:r>
+              <a:rPr lang="en-US" dirty="0"/>
+              <a:t>- the higher memory consumption is more impactful in a highly memory restricted scenario as it causes more often GC</a:t>
+            </a:r>
+          </a:p>
+          <a:p>
+            <a:r>
+              <a:rPr lang="en-US" dirty="0"/>
+              <a:t> – like inside a Kubernetes pod, but still negligible in my opinion</a:t>
+            </a:r>
+          </a:p>
+        </p:txBody>
+      </p:sp>
+      <p:sp>
+        <p:nvSpPr>
+          <p:cNvPr id="4" name="Slide Number Placeholder 3"/>
+          <p:cNvSpPr>
+            <a:spLocks noGrp="1"/>
+          </p:cNvSpPr>
+          <p:nvPr>
+            <p:ph type="sldNum" sz="quarter" idx="5"/>
+          </p:nvPr>
+        </p:nvSpPr>
+        <p:spPr/>
+        <p:txBody>
+          <a:bodyPr/>
+          <a:lstStyle/>
+          <a:p>
+            <a:fld id="{50B2E8CF-7912-5344-9B14-D40B44999E4E}" type="slidenum">
+              <a:rPr lang="en-US" smtClean="0"/>
+              <a:t>14</a:t>
+            </a:fld>
+            <a:endParaRPr lang="en-US"/>
+          </a:p>
+        </p:txBody>
+      </p:sp>
+    </p:spTree>
+    <p:extLst>
+      <p:ext uri="{BB962C8B-B14F-4D97-AF65-F5344CB8AC3E}">
+        <p14:creationId xmlns:p14="http://schemas.microsoft.com/office/powerpoint/2010/main" val="4006947244"/>
+      </p:ext>
+    </p:extLst>
+  </p:cSld>
+  <p:clrMapOvr>
+    <a:masterClrMapping/>
+  </p:clrMapOvr>
+</p:notes>
+</file>
+
+<file path=ppt/notesSlides/notesSlide11.xml><?xml version="1.0" encoding="utf-8"?>
+<p:notes xmlns:a="http://schemas.openxmlformats.org/drawingml/2006/main" xmlns:r="http://schemas.openxmlformats.org/officeDocument/2006/relationships" xmlns:p="http://schemas.openxmlformats.org/presentationml/2006/main">
+  <p:cSld>
+    <p:spTree>
+      <p:nvGrpSpPr>
+        <p:cNvPr id="1" name=""/>
+        <p:cNvGrpSpPr/>
+        <p:nvPr/>
+      </p:nvGrpSpPr>
+      <p:grpSpPr>
+        <a:xfrm>
+          <a:off x="0" y="0"/>
+          <a:ext cx="0" cy="0"/>
+          <a:chOff x="0" y="0"/>
+          <a:chExt cx="0" cy="0"/>
+        </a:xfrm>
+      </p:grpSpPr>
+      <p:sp>
+        <p:nvSpPr>
+          <p:cNvPr id="2" name="Slide Image Placeholder 1"/>
+          <p:cNvSpPr>
+            <a:spLocks noGrp="1" noRot="1" noChangeAspect="1"/>
+          </p:cNvSpPr>
+          <p:nvPr>
+            <p:ph type="sldImg"/>
+          </p:nvPr>
+        </p:nvSpPr>
+        <p:spPr/>
+      </p:sp>
+      <p:sp>
+        <p:nvSpPr>
+          <p:cNvPr id="3" name="Notes Placeholder 2"/>
+          <p:cNvSpPr>
+            <a:spLocks noGrp="1"/>
+          </p:cNvSpPr>
+          <p:nvPr>
+            <p:ph type="body" idx="1"/>
+          </p:nvPr>
+        </p:nvSpPr>
+        <p:spPr/>
+        <p:txBody>
+          <a:bodyPr/>
+          <a:lstStyle/>
+          <a:p>
+            <a:r>
+              <a:rPr lang="en-US" dirty="0"/>
+              <a:t>- did you ever had to add a common functionality between a set of endpoints?</a:t>
+            </a:r>
+          </a:p>
+          <a:p>
+            <a:r>
+              <a:rPr lang="en-US" dirty="0"/>
+              <a:t>- </a:t>
+            </a:r>
+            <a:r>
+              <a:rPr lang="en-US" dirty="0" err="1"/>
+              <a:t>.net</a:t>
+            </a:r>
+            <a:r>
+              <a:rPr lang="en-US" dirty="0"/>
+              <a:t> </a:t>
+            </a:r>
+            <a:r>
+              <a:rPr lang="en-US" dirty="0" err="1"/>
+              <a:t>middlewares</a:t>
+            </a:r>
+            <a:r>
+              <a:rPr lang="en-US" dirty="0"/>
+              <a:t> </a:t>
+            </a:r>
+          </a:p>
+          <a:p>
+            <a:r>
+              <a:rPr lang="en-US" dirty="0"/>
+              <a:t>- or decorator design pattern </a:t>
+            </a:r>
+          </a:p>
+          <a:p>
+            <a:r>
+              <a:rPr lang="en-US" dirty="0"/>
+              <a:t>- logging, gathering metrics, validation, </a:t>
+            </a:r>
+            <a:r>
+              <a:rPr lang="en-US" dirty="0" err="1"/>
+              <a:t>cacheing</a:t>
+            </a:r>
+            <a:r>
+              <a:rPr lang="en-US" dirty="0"/>
+              <a:t>?</a:t>
+            </a:r>
+          </a:p>
+        </p:txBody>
+      </p:sp>
+      <p:sp>
+        <p:nvSpPr>
+          <p:cNvPr id="4" name="Slide Number Placeholder 3"/>
+          <p:cNvSpPr>
+            <a:spLocks noGrp="1"/>
+          </p:cNvSpPr>
+          <p:nvPr>
+            <p:ph type="sldNum" sz="quarter" idx="5"/>
+          </p:nvPr>
+        </p:nvSpPr>
+        <p:spPr/>
+        <p:txBody>
+          <a:bodyPr/>
+          <a:lstStyle/>
+          <a:p>
+            <a:fld id="{50B2E8CF-7912-5344-9B14-D40B44999E4E}" type="slidenum">
+              <a:rPr lang="en-US" smtClean="0"/>
+              <a:t>15</a:t>
+            </a:fld>
+            <a:endParaRPr lang="en-US"/>
+          </a:p>
+        </p:txBody>
+      </p:sp>
+    </p:spTree>
+    <p:extLst>
+      <p:ext uri="{BB962C8B-B14F-4D97-AF65-F5344CB8AC3E}">
+        <p14:creationId xmlns:p14="http://schemas.microsoft.com/office/powerpoint/2010/main" val="3755971235"/>
+      </p:ext>
+    </p:extLst>
+  </p:cSld>
+  <p:clrMapOvr>
+    <a:masterClrMapping/>
+  </p:clrMapOvr>
+</p:notes>
+</file>
+
+<file path=ppt/notesSlides/notesSlide2.xml><?xml version="1.0" encoding="utf-8"?>
+<p:notes xmlns:a="http://schemas.openxmlformats.org/drawingml/2006/main" xmlns:r="http://schemas.openxmlformats.org/officeDocument/2006/relationships" xmlns:p="http://schemas.openxmlformats.org/presentationml/2006/main">
+  <p:cSld>
+    <p:spTree>
+      <p:nvGrpSpPr>
+        <p:cNvPr id="1" name=""/>
+        <p:cNvGrpSpPr/>
+        <p:nvPr/>
+      </p:nvGrpSpPr>
+      <p:grpSpPr>
+        <a:xfrm>
+          <a:off x="0" y="0"/>
+          <a:ext cx="0" cy="0"/>
+          <a:chOff x="0" y="0"/>
+          <a:chExt cx="0" cy="0"/>
+        </a:xfrm>
+      </p:grpSpPr>
+      <p:sp>
+        <p:nvSpPr>
+          <p:cNvPr id="2" name="Slide Image Placeholder 1"/>
+          <p:cNvSpPr>
+            <a:spLocks noGrp="1" noRot="1" noChangeAspect="1"/>
+          </p:cNvSpPr>
+          <p:nvPr>
+            <p:ph type="sldImg"/>
+          </p:nvPr>
+        </p:nvSpPr>
+        <p:spPr/>
+      </p:sp>
+      <p:sp>
+        <p:nvSpPr>
+          <p:cNvPr id="3" name="Notes Placeholder 2"/>
+          <p:cNvSpPr>
+            <a:spLocks noGrp="1"/>
+          </p:cNvSpPr>
+          <p:nvPr>
+            <p:ph type="body" idx="1"/>
+          </p:nvPr>
+        </p:nvSpPr>
+        <p:spPr/>
+        <p:txBody>
+          <a:bodyPr/>
+          <a:lstStyle/>
+          <a:p>
+            <a:r>
+              <a:rPr lang="en-US" dirty="0"/>
+              <a:t>- CQRS - mediator supports it by convention (Query and Command being added into the Request Names) and even encourages it but does not enforce it</a:t>
+            </a:r>
+          </a:p>
+          <a:p>
+            <a:r>
+              <a:rPr lang="en-US" dirty="0"/>
+              <a:t>- Vertical Slices – similarly it is fully supported</a:t>
+            </a:r>
+          </a:p>
+          <a:p>
+            <a:r>
+              <a:rPr lang="en-US" dirty="0"/>
+              <a:t>- Pub/Sub – done in processes so probably shouldn’t be used for </a:t>
+            </a:r>
+            <a:r>
+              <a:rPr lang="en-US" dirty="0" err="1"/>
+              <a:t>EventMessaging</a:t>
+            </a:r>
+            <a:r>
+              <a:rPr lang="en-US" dirty="0"/>
+              <a:t> between services so maybe just for Internal Events</a:t>
+            </a:r>
+          </a:p>
+          <a:p>
+            <a:r>
+              <a:rPr lang="en-US" dirty="0"/>
+              <a:t>- Streaming – really good but not part of this talk</a:t>
+            </a:r>
+          </a:p>
+        </p:txBody>
+      </p:sp>
+      <p:sp>
+        <p:nvSpPr>
+          <p:cNvPr id="4" name="Slide Number Placeholder 3"/>
+          <p:cNvSpPr>
+            <a:spLocks noGrp="1"/>
+          </p:cNvSpPr>
+          <p:nvPr>
+            <p:ph type="sldNum" sz="quarter" idx="5"/>
+          </p:nvPr>
+        </p:nvSpPr>
+        <p:spPr/>
+        <p:txBody>
+          <a:bodyPr/>
+          <a:lstStyle/>
+          <a:p>
+            <a:fld id="{50B2E8CF-7912-5344-9B14-D40B44999E4E}" type="slidenum">
+              <a:rPr lang="en-US" smtClean="0"/>
+              <a:t>4</a:t>
+            </a:fld>
+            <a:endParaRPr lang="en-US"/>
+          </a:p>
+        </p:txBody>
+      </p:sp>
+    </p:spTree>
+    <p:extLst>
+      <p:ext uri="{BB962C8B-B14F-4D97-AF65-F5344CB8AC3E}">
+        <p14:creationId xmlns:p14="http://schemas.microsoft.com/office/powerpoint/2010/main" val="2618587149"/>
+      </p:ext>
+    </p:extLst>
+  </p:cSld>
+  <p:clrMapOvr>
+    <a:masterClrMapping/>
+  </p:clrMapOvr>
+</p:notes>
+</file>
+
+<file path=ppt/notesSlides/notesSlide3.xml><?xml version="1.0" encoding="utf-8"?>
+<p:notes xmlns:a="http://schemas.openxmlformats.org/drawingml/2006/main" xmlns:r="http://schemas.openxmlformats.org/officeDocument/2006/relationships" xmlns:p="http://schemas.openxmlformats.org/presentationml/2006/main">
+  <p:cSld>
+    <p:spTree>
+      <p:nvGrpSpPr>
+        <p:cNvPr id="1" name=""/>
+        <p:cNvGrpSpPr/>
+        <p:nvPr/>
+      </p:nvGrpSpPr>
+      <p:grpSpPr>
+        <a:xfrm>
+          <a:off x="0" y="0"/>
+          <a:ext cx="0" cy="0"/>
+          <a:chOff x="0" y="0"/>
+          <a:chExt cx="0" cy="0"/>
+        </a:xfrm>
+      </p:grpSpPr>
+      <p:sp>
+        <p:nvSpPr>
+          <p:cNvPr id="2" name="Slide Image Placeholder 1"/>
+          <p:cNvSpPr>
+            <a:spLocks noGrp="1" noRot="1" noChangeAspect="1"/>
+          </p:cNvSpPr>
+          <p:nvPr>
+            <p:ph type="sldImg"/>
+          </p:nvPr>
+        </p:nvSpPr>
+        <p:spPr/>
+      </p:sp>
+      <p:sp>
+        <p:nvSpPr>
+          <p:cNvPr id="3" name="Notes Placeholder 2"/>
+          <p:cNvSpPr>
+            <a:spLocks noGrp="1"/>
+          </p:cNvSpPr>
+          <p:nvPr>
+            <p:ph type="body" idx="1"/>
+          </p:nvPr>
+        </p:nvSpPr>
+        <p:spPr/>
+        <p:txBody>
+          <a:bodyPr/>
+          <a:lstStyle/>
+          <a:p>
+            <a:r>
+              <a:rPr lang="en-US" dirty="0"/>
+              <a:t>A simple one to one mapping between request-handler-response </a:t>
+            </a:r>
+          </a:p>
+        </p:txBody>
+      </p:sp>
+      <p:sp>
+        <p:nvSpPr>
+          <p:cNvPr id="4" name="Slide Number Placeholder 3"/>
+          <p:cNvSpPr>
+            <a:spLocks noGrp="1"/>
+          </p:cNvSpPr>
+          <p:nvPr>
+            <p:ph type="sldNum" sz="quarter" idx="5"/>
+          </p:nvPr>
+        </p:nvSpPr>
+        <p:spPr/>
+        <p:txBody>
+          <a:bodyPr/>
+          <a:lstStyle/>
+          <a:p>
+            <a:fld id="{50B2E8CF-7912-5344-9B14-D40B44999E4E}" type="slidenum">
+              <a:rPr lang="en-US" smtClean="0"/>
+              <a:t>5</a:t>
+            </a:fld>
+            <a:endParaRPr lang="en-US"/>
+          </a:p>
+        </p:txBody>
+      </p:sp>
+    </p:spTree>
+    <p:extLst>
+      <p:ext uri="{BB962C8B-B14F-4D97-AF65-F5344CB8AC3E}">
+        <p14:creationId xmlns:p14="http://schemas.microsoft.com/office/powerpoint/2010/main" val="1815050106"/>
+      </p:ext>
+    </p:extLst>
+  </p:cSld>
+  <p:clrMapOvr>
+    <a:masterClrMapping/>
+  </p:clrMapOvr>
+</p:notes>
+</file>
+
+<file path=ppt/notesSlides/notesSlide4.xml><?xml version="1.0" encoding="utf-8"?>
+<p:notes xmlns:a="http://schemas.openxmlformats.org/drawingml/2006/main" xmlns:r="http://schemas.openxmlformats.org/officeDocument/2006/relationships" xmlns:p="http://schemas.openxmlformats.org/presentationml/2006/main">
+  <p:cSld>
+    <p:spTree>
+      <p:nvGrpSpPr>
+        <p:cNvPr id="1" name=""/>
+        <p:cNvGrpSpPr/>
+        <p:nvPr/>
+      </p:nvGrpSpPr>
+      <p:grpSpPr>
+        <a:xfrm>
+          <a:off x="0" y="0"/>
+          <a:ext cx="0" cy="0"/>
+          <a:chOff x="0" y="0"/>
+          <a:chExt cx="0" cy="0"/>
+        </a:xfrm>
+      </p:grpSpPr>
+      <p:sp>
+        <p:nvSpPr>
+          <p:cNvPr id="2" name="Slide Image Placeholder 1"/>
+          <p:cNvSpPr>
+            <a:spLocks noGrp="1" noRot="1" noChangeAspect="1"/>
+          </p:cNvSpPr>
+          <p:nvPr>
+            <p:ph type="sldImg"/>
+          </p:nvPr>
+        </p:nvSpPr>
+        <p:spPr/>
+      </p:sp>
+      <p:sp>
+        <p:nvSpPr>
+          <p:cNvPr id="3" name="Notes Placeholder 2"/>
+          <p:cNvSpPr>
+            <a:spLocks noGrp="1"/>
+          </p:cNvSpPr>
+          <p:nvPr>
+            <p:ph type="body" idx="1"/>
+          </p:nvPr>
+        </p:nvSpPr>
+        <p:spPr/>
+        <p:txBody>
+          <a:bodyPr/>
+          <a:lstStyle/>
+          <a:p>
+            <a:r>
+              <a:rPr lang="en-GB" dirty="0"/>
+              <a:t>- depending on how good you are designing your domain objects sometimes this may lead to a single controller that has to have access to multiple repositories, services or managers</a:t>
+            </a:r>
+          </a:p>
+          <a:p>
+            <a:r>
+              <a:rPr lang="en-GB" dirty="0"/>
+              <a:t>- it’s a big file of mostly unrelated methods – most of them don’t need to know about the dependencies of other methods</a:t>
+            </a:r>
+          </a:p>
+        </p:txBody>
+      </p:sp>
+      <p:sp>
+        <p:nvSpPr>
+          <p:cNvPr id="4" name="Slide Number Placeholder 3"/>
+          <p:cNvSpPr>
+            <a:spLocks noGrp="1"/>
+          </p:cNvSpPr>
+          <p:nvPr>
+            <p:ph type="sldNum" sz="quarter" idx="5"/>
+          </p:nvPr>
+        </p:nvSpPr>
+        <p:spPr/>
+        <p:txBody>
+          <a:bodyPr/>
+          <a:lstStyle/>
+          <a:p>
+            <a:fld id="{50B2E8CF-7912-5344-9B14-D40B44999E4E}" type="slidenum">
+              <a:rPr lang="en-US" smtClean="0"/>
+              <a:t>6</a:t>
+            </a:fld>
+            <a:endParaRPr lang="en-US"/>
+          </a:p>
+        </p:txBody>
+      </p:sp>
+    </p:spTree>
+    <p:extLst>
+      <p:ext uri="{BB962C8B-B14F-4D97-AF65-F5344CB8AC3E}">
+        <p14:creationId xmlns:p14="http://schemas.microsoft.com/office/powerpoint/2010/main" val="327775336"/>
+      </p:ext>
+    </p:extLst>
+  </p:cSld>
+  <p:clrMapOvr>
+    <a:masterClrMapping/>
+  </p:clrMapOvr>
+</p:notes>
+</file>
+
+<file path=ppt/notesSlides/notesSlide5.xml><?xml version="1.0" encoding="utf-8"?>
+<p:notes xmlns:a="http://schemas.openxmlformats.org/drawingml/2006/main" xmlns:r="http://schemas.openxmlformats.org/officeDocument/2006/relationships" xmlns:p="http://schemas.openxmlformats.org/presentationml/2006/main">
+  <p:cSld>
+    <p:spTree>
+      <p:nvGrpSpPr>
+        <p:cNvPr id="1" name=""/>
+        <p:cNvGrpSpPr/>
+        <p:nvPr/>
+      </p:nvGrpSpPr>
+      <p:grpSpPr>
+        <a:xfrm>
+          <a:off x="0" y="0"/>
+          <a:ext cx="0" cy="0"/>
+          <a:chOff x="0" y="0"/>
+          <a:chExt cx="0" cy="0"/>
+        </a:xfrm>
+      </p:grpSpPr>
+      <p:sp>
+        <p:nvSpPr>
+          <p:cNvPr id="2" name="Slide Image Placeholder 1"/>
+          <p:cNvSpPr>
+            <a:spLocks noGrp="1" noRot="1" noChangeAspect="1"/>
+          </p:cNvSpPr>
+          <p:nvPr>
+            <p:ph type="sldImg"/>
+          </p:nvPr>
+        </p:nvSpPr>
+        <p:spPr/>
+      </p:sp>
+      <p:sp>
+        <p:nvSpPr>
+          <p:cNvPr id="3" name="Notes Placeholder 2"/>
+          <p:cNvSpPr>
+            <a:spLocks noGrp="1"/>
+          </p:cNvSpPr>
+          <p:nvPr>
+            <p:ph type="body" idx="1"/>
+          </p:nvPr>
+        </p:nvSpPr>
+        <p:spPr/>
+        <p:txBody>
+          <a:bodyPr/>
+          <a:lstStyle/>
+          <a:p>
+            <a:pPr marL="0" marR="0" lvl="0" indent="0" algn="l" defTabSz="914400" rtl="0" eaLnBrk="1" fontAlgn="auto" latinLnBrk="0" hangingPunct="1">
+              <a:lnSpc>
+                <a:spcPct val="100000"/>
+              </a:lnSpc>
+              <a:spcBef>
+                <a:spcPts val="0"/>
+              </a:spcBef>
+              <a:spcAft>
+                <a:spcPts val="0"/>
+              </a:spcAft>
+              <a:buClrTx/>
+              <a:buSzTx/>
+              <a:buFontTx/>
+              <a:buNone/>
+              <a:tabLst/>
+              <a:defRPr/>
+            </a:pPr>
+            <a:r>
+              <a:rPr lang="en-GB" dirty="0"/>
+              <a:t>- open/close principle – adding new route may force you to add a new dependency or maybe even add a new strategy that will require you to change other endpoint to continue on working</a:t>
+            </a:r>
+          </a:p>
+          <a:p>
+            <a:pPr marL="0" marR="0" lvl="0" indent="0" algn="l" defTabSz="914400" rtl="0" eaLnBrk="1" fontAlgn="auto" latinLnBrk="0" hangingPunct="1">
+              <a:lnSpc>
+                <a:spcPct val="100000"/>
+              </a:lnSpc>
+              <a:spcBef>
+                <a:spcPts val="0"/>
+              </a:spcBef>
+              <a:spcAft>
+                <a:spcPts val="0"/>
+              </a:spcAft>
+              <a:buClrTx/>
+              <a:buSzTx/>
+              <a:buFontTx/>
+              <a:buNone/>
+              <a:tabLst/>
+              <a:defRPr/>
+            </a:pPr>
+            <a:r>
+              <a:rPr lang="en-GB" dirty="0"/>
+              <a:t>- Interface Segregation Principle – even though there is no interface on this you can see how it forces you into bundling together multiple unrelated methods</a:t>
+            </a:r>
+          </a:p>
+          <a:p>
+            <a:pPr marL="0" marR="0" lvl="0" indent="0" algn="l" defTabSz="914400" rtl="0" eaLnBrk="1" fontAlgn="auto" latinLnBrk="0" hangingPunct="1">
+              <a:lnSpc>
+                <a:spcPct val="100000"/>
+              </a:lnSpc>
+              <a:spcBef>
+                <a:spcPts val="0"/>
+              </a:spcBef>
+              <a:spcAft>
+                <a:spcPts val="0"/>
+              </a:spcAft>
+              <a:buClrTx/>
+              <a:buSzTx/>
+              <a:buFontTx/>
+              <a:buNone/>
+              <a:tabLst/>
+              <a:defRPr/>
+            </a:pPr>
+            <a:r>
+              <a:rPr lang="en-GB" dirty="0"/>
+              <a:t>- single responsibility? – manage HTTP Context for a particular root route</a:t>
+            </a:r>
+            <a:endParaRPr lang="en-US" dirty="0"/>
+          </a:p>
+          <a:p>
+            <a:endParaRPr lang="en-US" dirty="0"/>
+          </a:p>
+        </p:txBody>
+      </p:sp>
+      <p:sp>
+        <p:nvSpPr>
+          <p:cNvPr id="4" name="Slide Number Placeholder 3"/>
+          <p:cNvSpPr>
+            <a:spLocks noGrp="1"/>
+          </p:cNvSpPr>
+          <p:nvPr>
+            <p:ph type="sldNum" sz="quarter" idx="5"/>
+          </p:nvPr>
+        </p:nvSpPr>
+        <p:spPr/>
+        <p:txBody>
+          <a:bodyPr/>
+          <a:lstStyle/>
+          <a:p>
+            <a:fld id="{50B2E8CF-7912-5344-9B14-D40B44999E4E}" type="slidenum">
+              <a:rPr lang="en-US" smtClean="0"/>
+              <a:t>7</a:t>
+            </a:fld>
+            <a:endParaRPr lang="en-US"/>
+          </a:p>
+        </p:txBody>
+      </p:sp>
+    </p:spTree>
+    <p:extLst>
+      <p:ext uri="{BB962C8B-B14F-4D97-AF65-F5344CB8AC3E}">
+        <p14:creationId xmlns:p14="http://schemas.microsoft.com/office/powerpoint/2010/main" val="1334591470"/>
+      </p:ext>
+    </p:extLst>
+  </p:cSld>
+  <p:clrMapOvr>
+    <a:masterClrMapping/>
+  </p:clrMapOvr>
+</p:notes>
+</file>
+
+<file path=ppt/notesSlides/notesSlide6.xml><?xml version="1.0" encoding="utf-8"?>
+<p:notes xmlns:a="http://schemas.openxmlformats.org/drawingml/2006/main" xmlns:r="http://schemas.openxmlformats.org/officeDocument/2006/relationships" xmlns:p="http://schemas.openxmlformats.org/presentationml/2006/main">
+  <p:cSld>
+    <p:spTree>
+      <p:nvGrpSpPr>
+        <p:cNvPr id="1" name=""/>
+        <p:cNvGrpSpPr/>
+        <p:nvPr/>
+      </p:nvGrpSpPr>
+      <p:grpSpPr>
+        <a:xfrm>
+          <a:off x="0" y="0"/>
+          <a:ext cx="0" cy="0"/>
+          <a:chOff x="0" y="0"/>
+          <a:chExt cx="0" cy="0"/>
+        </a:xfrm>
+      </p:grpSpPr>
+      <p:sp>
+        <p:nvSpPr>
+          <p:cNvPr id="2" name="Slide Image Placeholder 1"/>
+          <p:cNvSpPr>
+            <a:spLocks noGrp="1" noRot="1" noChangeAspect="1"/>
+          </p:cNvSpPr>
+          <p:nvPr>
+            <p:ph type="sldImg"/>
+          </p:nvPr>
+        </p:nvSpPr>
+        <p:spPr/>
+      </p:sp>
+      <p:sp>
+        <p:nvSpPr>
+          <p:cNvPr id="3" name="Notes Placeholder 2"/>
+          <p:cNvSpPr>
+            <a:spLocks noGrp="1"/>
+          </p:cNvSpPr>
+          <p:nvPr>
+            <p:ph type="body" idx="1"/>
+          </p:nvPr>
+        </p:nvSpPr>
+        <p:spPr/>
+        <p:txBody>
+          <a:bodyPr/>
+          <a:lstStyle/>
+          <a:p>
+            <a:pPr marL="0" marR="0" lvl="0" indent="0" algn="l" defTabSz="914400" rtl="0" eaLnBrk="1" fontAlgn="auto" latinLnBrk="0" hangingPunct="1">
+              <a:lnSpc>
+                <a:spcPct val="100000"/>
+              </a:lnSpc>
+              <a:spcBef>
+                <a:spcPts val="0"/>
+              </a:spcBef>
+              <a:spcAft>
+                <a:spcPts val="0"/>
+              </a:spcAft>
+              <a:buClrTx/>
+              <a:buSzTx/>
+              <a:buFontTx/>
+              <a:buNone/>
+              <a:tabLst/>
+              <a:defRPr/>
+            </a:pPr>
+            <a:r>
+              <a:rPr lang="en-GB" dirty="0"/>
+              <a:t>- Minimal API's</a:t>
+            </a:r>
+          </a:p>
+          <a:p>
+            <a:pPr marL="0" marR="0" lvl="0" indent="0" algn="l" defTabSz="914400" rtl="0" eaLnBrk="1" fontAlgn="auto" latinLnBrk="0" hangingPunct="1">
+              <a:lnSpc>
+                <a:spcPct val="100000"/>
+              </a:lnSpc>
+              <a:spcBef>
+                <a:spcPts val="0"/>
+              </a:spcBef>
+              <a:spcAft>
+                <a:spcPts val="0"/>
+              </a:spcAft>
+              <a:buClrTx/>
+              <a:buSzTx/>
+              <a:buFontTx/>
+              <a:buNone/>
+              <a:tabLst/>
+              <a:defRPr/>
+            </a:pPr>
+            <a:r>
+              <a:rPr lang="en-GB" dirty="0"/>
+              <a:t>- single file - not suitable for any larger developments - good for POC or prototyping</a:t>
+            </a:r>
+          </a:p>
+          <a:p>
+            <a:pPr marL="0" marR="0" lvl="0" indent="0" algn="l" defTabSz="914400" rtl="0" eaLnBrk="1" fontAlgn="auto" latinLnBrk="0" hangingPunct="1">
+              <a:lnSpc>
+                <a:spcPct val="100000"/>
+              </a:lnSpc>
+              <a:spcBef>
+                <a:spcPts val="0"/>
+              </a:spcBef>
+              <a:spcAft>
+                <a:spcPts val="0"/>
+              </a:spcAft>
+              <a:buClrTx/>
+              <a:buSzTx/>
+              <a:buFontTx/>
+              <a:buNone/>
+              <a:tabLst/>
+              <a:defRPr/>
+            </a:pPr>
+            <a:r>
+              <a:rPr lang="en-GB" dirty="0"/>
+              <a:t>- multiple files with extension methods - better but has it's own limitations </a:t>
+            </a:r>
+          </a:p>
+          <a:p>
+            <a:pPr marL="0" marR="0" lvl="0" indent="0" algn="l" defTabSz="914400" rtl="0" eaLnBrk="1" fontAlgn="auto" latinLnBrk="0" hangingPunct="1">
+              <a:lnSpc>
+                <a:spcPct val="100000"/>
+              </a:lnSpc>
+              <a:spcBef>
+                <a:spcPts val="0"/>
+              </a:spcBef>
+              <a:spcAft>
+                <a:spcPts val="0"/>
+              </a:spcAft>
+              <a:buClrTx/>
+              <a:buSzTx/>
+              <a:buFontTx/>
+              <a:buNone/>
+              <a:tabLst/>
+              <a:defRPr/>
+            </a:pPr>
+            <a:r>
+              <a:rPr lang="en-GB" dirty="0"/>
+              <a:t>-- needs to create many extension methods </a:t>
+            </a:r>
+          </a:p>
+          <a:p>
+            <a:pPr marL="0" marR="0" lvl="0" indent="0" algn="l" defTabSz="914400" rtl="0" eaLnBrk="1" fontAlgn="auto" latinLnBrk="0" hangingPunct="1">
+              <a:lnSpc>
+                <a:spcPct val="100000"/>
+              </a:lnSpc>
+              <a:spcBef>
+                <a:spcPts val="0"/>
+              </a:spcBef>
+              <a:spcAft>
+                <a:spcPts val="0"/>
+              </a:spcAft>
+              <a:buClrTx/>
+              <a:buSzTx/>
+              <a:buFontTx/>
+              <a:buNone/>
+              <a:tabLst/>
+              <a:defRPr/>
+            </a:pPr>
+            <a:r>
+              <a:rPr lang="en-GB" dirty="0"/>
+              <a:t>-- or reflection</a:t>
+            </a:r>
+            <a:endParaRPr lang="en-US" dirty="0"/>
+          </a:p>
+          <a:p>
+            <a:endParaRPr lang="en-US" dirty="0"/>
+          </a:p>
+        </p:txBody>
+      </p:sp>
+      <p:sp>
+        <p:nvSpPr>
+          <p:cNvPr id="4" name="Slide Number Placeholder 3"/>
+          <p:cNvSpPr>
+            <a:spLocks noGrp="1"/>
+          </p:cNvSpPr>
+          <p:nvPr>
+            <p:ph type="sldNum" sz="quarter" idx="5"/>
+          </p:nvPr>
+        </p:nvSpPr>
+        <p:spPr/>
+        <p:txBody>
+          <a:bodyPr/>
+          <a:lstStyle/>
+          <a:p>
+            <a:fld id="{50B2E8CF-7912-5344-9B14-D40B44999E4E}" type="slidenum">
+              <a:rPr lang="en-US" smtClean="0"/>
+              <a:t>8</a:t>
+            </a:fld>
+            <a:endParaRPr lang="en-US"/>
+          </a:p>
+        </p:txBody>
+      </p:sp>
+    </p:spTree>
+    <p:extLst>
+      <p:ext uri="{BB962C8B-B14F-4D97-AF65-F5344CB8AC3E}">
+        <p14:creationId xmlns:p14="http://schemas.microsoft.com/office/powerpoint/2010/main" val="947796836"/>
+      </p:ext>
+    </p:extLst>
+  </p:cSld>
+  <p:clrMapOvr>
+    <a:masterClrMapping/>
+  </p:clrMapOvr>
+</p:notes>
+</file>
+
+<file path=ppt/notesSlides/notesSlide7.xml><?xml version="1.0" encoding="utf-8"?>
+<p:notes xmlns:a="http://schemas.openxmlformats.org/drawingml/2006/main" xmlns:r="http://schemas.openxmlformats.org/officeDocument/2006/relationships" xmlns:p="http://schemas.openxmlformats.org/presentationml/2006/main">
+  <p:cSld>
+    <p:spTree>
+      <p:nvGrpSpPr>
+        <p:cNvPr id="1" name=""/>
+        <p:cNvGrpSpPr/>
+        <p:nvPr/>
+      </p:nvGrpSpPr>
+      <p:grpSpPr>
+        <a:xfrm>
+          <a:off x="0" y="0"/>
+          <a:ext cx="0" cy="0"/>
+          <a:chOff x="0" y="0"/>
+          <a:chExt cx="0" cy="0"/>
+        </a:xfrm>
+      </p:grpSpPr>
+      <p:sp>
+        <p:nvSpPr>
+          <p:cNvPr id="2" name="Slide Image Placeholder 1"/>
+          <p:cNvSpPr>
+            <a:spLocks noGrp="1" noRot="1" noChangeAspect="1"/>
+          </p:cNvSpPr>
+          <p:nvPr>
+            <p:ph type="sldImg"/>
+          </p:nvPr>
+        </p:nvSpPr>
+        <p:spPr/>
+      </p:sp>
+      <p:sp>
+        <p:nvSpPr>
+          <p:cNvPr id="3" name="Notes Placeholder 2"/>
+          <p:cNvSpPr>
+            <a:spLocks noGrp="1"/>
+          </p:cNvSpPr>
+          <p:nvPr>
+            <p:ph type="body" idx="1"/>
+          </p:nvPr>
+        </p:nvSpPr>
+        <p:spPr/>
+        <p:txBody>
+          <a:bodyPr/>
+          <a:lstStyle/>
+          <a:p>
+            <a:r>
+              <a:rPr lang="en-US" dirty="0"/>
+              <a:t>- kind of a big dictionary that maps the request to a selected handler</a:t>
+            </a:r>
+          </a:p>
+        </p:txBody>
+      </p:sp>
+      <p:sp>
+        <p:nvSpPr>
+          <p:cNvPr id="4" name="Slide Number Placeholder 3"/>
+          <p:cNvSpPr>
+            <a:spLocks noGrp="1"/>
+          </p:cNvSpPr>
+          <p:nvPr>
+            <p:ph type="sldNum" sz="quarter" idx="5"/>
+          </p:nvPr>
+        </p:nvSpPr>
+        <p:spPr/>
+        <p:txBody>
+          <a:bodyPr/>
+          <a:lstStyle/>
+          <a:p>
+            <a:fld id="{50B2E8CF-7912-5344-9B14-D40B44999E4E}" type="slidenum">
+              <a:rPr lang="en-US" smtClean="0"/>
+              <a:t>10</a:t>
+            </a:fld>
+            <a:endParaRPr lang="en-US"/>
+          </a:p>
+        </p:txBody>
+      </p:sp>
+    </p:spTree>
+    <p:extLst>
+      <p:ext uri="{BB962C8B-B14F-4D97-AF65-F5344CB8AC3E}">
+        <p14:creationId xmlns:p14="http://schemas.microsoft.com/office/powerpoint/2010/main" val="2513516978"/>
+      </p:ext>
+    </p:extLst>
+  </p:cSld>
+  <p:clrMapOvr>
+    <a:masterClrMapping/>
+  </p:clrMapOvr>
+</p:notes>
+</file>
+
+<file path=ppt/notesSlides/notesSlide8.xml><?xml version="1.0" encoding="utf-8"?>
+<p:notes xmlns:a="http://schemas.openxmlformats.org/drawingml/2006/main" xmlns:r="http://schemas.openxmlformats.org/officeDocument/2006/relationships" xmlns:p="http://schemas.openxmlformats.org/presentationml/2006/main">
+  <p:cSld>
+    <p:spTree>
+      <p:nvGrpSpPr>
+        <p:cNvPr id="1" name=""/>
+        <p:cNvGrpSpPr/>
+        <p:nvPr/>
+      </p:nvGrpSpPr>
+      <p:grpSpPr>
+        <a:xfrm>
+          <a:off x="0" y="0"/>
+          <a:ext cx="0" cy="0"/>
+          <a:chOff x="0" y="0"/>
+          <a:chExt cx="0" cy="0"/>
+        </a:xfrm>
+      </p:grpSpPr>
+      <p:sp>
+        <p:nvSpPr>
+          <p:cNvPr id="2" name="Slide Image Placeholder 1"/>
+          <p:cNvSpPr>
+            <a:spLocks noGrp="1" noRot="1" noChangeAspect="1"/>
+          </p:cNvSpPr>
+          <p:nvPr>
+            <p:ph type="sldImg"/>
+          </p:nvPr>
+        </p:nvSpPr>
+        <p:spPr/>
+      </p:sp>
+      <p:sp>
+        <p:nvSpPr>
+          <p:cNvPr id="3" name="Notes Placeholder 2"/>
+          <p:cNvSpPr>
+            <a:spLocks noGrp="1"/>
+          </p:cNvSpPr>
+          <p:nvPr>
+            <p:ph type="body" idx="1"/>
+          </p:nvPr>
+        </p:nvSpPr>
+        <p:spPr/>
+        <p:txBody>
+          <a:bodyPr/>
+          <a:lstStyle/>
+          <a:p>
+            <a:pPr>
+              <a:buFont typeface="Arial" panose="020B0604020202020204" pitchFamily="34" charset="0"/>
+              <a:buChar char="•"/>
+            </a:pPr>
+            <a:r>
+              <a:rPr lang="en-GB" dirty="0"/>
+              <a:t>replace service/manager logic with a specific Handler</a:t>
+            </a:r>
+          </a:p>
+          <a:p>
+            <a:pPr>
+              <a:buFont typeface="Arial" panose="020B0604020202020204" pitchFamily="34" charset="0"/>
+              <a:buChar char="•"/>
+            </a:pPr>
+            <a:r>
+              <a:rPr lang="en-GB" dirty="0"/>
+              <a:t>drawbacks </a:t>
+            </a:r>
+          </a:p>
+          <a:p>
+            <a:pPr marL="742950" lvl="1" indent="-285750">
+              <a:buFont typeface="Arial" panose="020B0604020202020204" pitchFamily="34" charset="0"/>
+              <a:buChar char="•"/>
+            </a:pPr>
+            <a:r>
+              <a:rPr lang="en-GB" dirty="0"/>
+              <a:t>more files</a:t>
+            </a:r>
+          </a:p>
+          <a:p>
+            <a:pPr marL="742950" lvl="1" indent="-285750">
+              <a:buFont typeface="Arial" panose="020B0604020202020204" pitchFamily="34" charset="0"/>
+              <a:buChar char="•"/>
+            </a:pPr>
+            <a:r>
+              <a:rPr lang="en-GB" dirty="0"/>
+              <a:t>finding correct handler from the caller (controller) - discoverability </a:t>
+            </a:r>
+          </a:p>
+          <a:p>
+            <a:pPr marL="1143000" lvl="2" indent="-228600">
+              <a:buFont typeface="Arial" panose="020B0604020202020204" pitchFamily="34" charset="0"/>
+              <a:buChar char="•"/>
+            </a:pPr>
+            <a:r>
+              <a:rPr lang="en-GB" dirty="0"/>
+              <a:t>fixing the problem with finding handler - refactor request into the same file</a:t>
+            </a:r>
+          </a:p>
+          <a:p>
+            <a:pPr>
+              <a:buFont typeface="Arial" panose="020B0604020202020204" pitchFamily="34" charset="0"/>
+              <a:buChar char="•"/>
+            </a:pPr>
+            <a:r>
+              <a:rPr lang="en-GB" dirty="0"/>
+              <a:t>benefits </a:t>
+            </a:r>
+          </a:p>
+          <a:p>
+            <a:pPr marL="742950" lvl="1" indent="-285750">
+              <a:buFont typeface="Arial" panose="020B0604020202020204" pitchFamily="34" charset="0"/>
+              <a:buChar char="•"/>
+            </a:pPr>
+            <a:r>
+              <a:rPr lang="en-GB" dirty="0"/>
+              <a:t>only required service registrations</a:t>
+            </a:r>
+          </a:p>
+          <a:p>
+            <a:pPr marL="742950" lvl="1" indent="-285750">
+              <a:buFont typeface="Arial" panose="020B0604020202020204" pitchFamily="34" charset="0"/>
+              <a:buChar char="•"/>
+            </a:pPr>
+            <a:r>
+              <a:rPr lang="en-GB" dirty="0"/>
+              <a:t>much smaller file focused on a single behaviour/action</a:t>
+            </a:r>
+          </a:p>
+          <a:p>
+            <a:endParaRPr lang="en-US" dirty="0"/>
+          </a:p>
+        </p:txBody>
+      </p:sp>
+      <p:sp>
+        <p:nvSpPr>
+          <p:cNvPr id="4" name="Slide Number Placeholder 3"/>
+          <p:cNvSpPr>
+            <a:spLocks noGrp="1"/>
+          </p:cNvSpPr>
+          <p:nvPr>
+            <p:ph type="sldNum" sz="quarter" idx="5"/>
+          </p:nvPr>
+        </p:nvSpPr>
+        <p:spPr/>
+        <p:txBody>
+          <a:bodyPr/>
+          <a:lstStyle/>
+          <a:p>
+            <a:fld id="{50B2E8CF-7912-5344-9B14-D40B44999E4E}" type="slidenum">
+              <a:rPr lang="en-US" smtClean="0"/>
+              <a:t>11</a:t>
+            </a:fld>
+            <a:endParaRPr lang="en-US"/>
+          </a:p>
+        </p:txBody>
+      </p:sp>
+    </p:spTree>
+    <p:extLst>
+      <p:ext uri="{BB962C8B-B14F-4D97-AF65-F5344CB8AC3E}">
+        <p14:creationId xmlns:p14="http://schemas.microsoft.com/office/powerpoint/2010/main" val="3104074023"/>
+      </p:ext>
+    </p:extLst>
+  </p:cSld>
+  <p:clrMapOvr>
+    <a:masterClrMapping/>
+  </p:clrMapOvr>
+</p:notes>
+</file>
+
+<file path=ppt/notesSlides/notesSlide9.xml><?xml version="1.0" encoding="utf-8"?>
+<p:notes xmlns:a="http://schemas.openxmlformats.org/drawingml/2006/main" xmlns:r="http://schemas.openxmlformats.org/officeDocument/2006/relationships" xmlns:p="http://schemas.openxmlformats.org/presentationml/2006/main">
+  <p:cSld>
+    <p:spTree>
+      <p:nvGrpSpPr>
+        <p:cNvPr id="1" name=""/>
+        <p:cNvGrpSpPr/>
+        <p:nvPr/>
+      </p:nvGrpSpPr>
+      <p:grpSpPr>
+        <a:xfrm>
+          <a:off x="0" y="0"/>
+          <a:ext cx="0" cy="0"/>
+          <a:chOff x="0" y="0"/>
+          <a:chExt cx="0" cy="0"/>
+        </a:xfrm>
+      </p:grpSpPr>
+      <p:sp>
+        <p:nvSpPr>
+          <p:cNvPr id="2" name="Slide Image Placeholder 1"/>
+          <p:cNvSpPr>
+            <a:spLocks noGrp="1" noRot="1" noChangeAspect="1"/>
+          </p:cNvSpPr>
+          <p:nvPr>
+            <p:ph type="sldImg"/>
+          </p:nvPr>
+        </p:nvSpPr>
+        <p:spPr/>
+      </p:sp>
+      <p:sp>
+        <p:nvSpPr>
+          <p:cNvPr id="3" name="Notes Placeholder 2"/>
+          <p:cNvSpPr>
+            <a:spLocks noGrp="1"/>
+          </p:cNvSpPr>
+          <p:nvPr>
+            <p:ph type="body" idx="1"/>
+          </p:nvPr>
+        </p:nvSpPr>
+        <p:spPr/>
+        <p:txBody>
+          <a:bodyPr/>
+          <a:lstStyle/>
+          <a:p>
+            <a:r>
+              <a:rPr lang="en-US" dirty="0"/>
+              <a:t>- did you ever had to add a common functionality between a set of endpoints?</a:t>
+            </a:r>
+          </a:p>
+          <a:p>
+            <a:r>
+              <a:rPr lang="en-US" dirty="0"/>
+              <a:t>- </a:t>
+            </a:r>
+            <a:r>
+              <a:rPr lang="en-US" dirty="0" err="1"/>
+              <a:t>.net</a:t>
+            </a:r>
+            <a:r>
+              <a:rPr lang="en-US" dirty="0"/>
+              <a:t> </a:t>
+            </a:r>
+            <a:r>
+              <a:rPr lang="en-US" dirty="0" err="1"/>
+              <a:t>middlewares</a:t>
+            </a:r>
+            <a:r>
+              <a:rPr lang="en-US" dirty="0"/>
+              <a:t> </a:t>
+            </a:r>
+          </a:p>
+          <a:p>
+            <a:r>
+              <a:rPr lang="en-US" dirty="0"/>
+              <a:t>- or decorator design pattern </a:t>
+            </a:r>
+          </a:p>
+          <a:p>
+            <a:r>
+              <a:rPr lang="en-US" dirty="0"/>
+              <a:t>- logging, gathering metrics, validation, </a:t>
+            </a:r>
+            <a:r>
+              <a:rPr lang="en-US" dirty="0" err="1"/>
+              <a:t>cacheing</a:t>
+            </a:r>
+            <a:r>
+              <a:rPr lang="en-US" dirty="0"/>
+              <a:t>?</a:t>
+            </a:r>
+          </a:p>
+        </p:txBody>
+      </p:sp>
+      <p:sp>
+        <p:nvSpPr>
+          <p:cNvPr id="4" name="Slide Number Placeholder 3"/>
+          <p:cNvSpPr>
+            <a:spLocks noGrp="1"/>
+          </p:cNvSpPr>
+          <p:nvPr>
+            <p:ph type="sldNum" sz="quarter" idx="5"/>
+          </p:nvPr>
+        </p:nvSpPr>
+        <p:spPr/>
+        <p:txBody>
+          <a:bodyPr/>
+          <a:lstStyle/>
+          <a:p>
+            <a:fld id="{50B2E8CF-7912-5344-9B14-D40B44999E4E}" type="slidenum">
+              <a:rPr lang="en-US" smtClean="0"/>
+              <a:t>12</a:t>
+            </a:fld>
+            <a:endParaRPr lang="en-US"/>
+          </a:p>
+        </p:txBody>
+      </p:sp>
+    </p:spTree>
+    <p:extLst>
+      <p:ext uri="{BB962C8B-B14F-4D97-AF65-F5344CB8AC3E}">
+        <p14:creationId xmlns:p14="http://schemas.microsoft.com/office/powerpoint/2010/main" val="490193664"/>
+      </p:ext>
+    </p:extLst>
+  </p:cSld>
+  <p:clrMapOvr>
+    <a:masterClrMapping/>
+  </p:clrMapOvr>
+</p:notes>
+</file>
+
 <file path=ppt/slideLayouts/slideLayout1.xml><?xml version="1.0" encoding="utf-8"?>
 <p:sldLayout xmlns:a="http://schemas.openxmlformats.org/drawingml/2006/main" xmlns:r="http://schemas.openxmlformats.org/officeDocument/2006/relationships" xmlns:p="http://schemas.openxmlformats.org/presentationml/2006/main" type="title" preserve="1">
   <p:cSld name="Title Slide">
@@ -630,7 +2330,7 @@
           <a:p>
             <a:fld id="{ED291B17-9318-49DB-B28B-6E5994AE9581}" type="datetime1">
               <a:rPr lang="en-US" smtClean="0"/>
-              <a:t>11/21/2021</a:t>
+              <a:t>8/28/23</a:t>
             </a:fld>
             <a:endParaRPr lang="en-US" dirty="0"/>
           </a:p>
@@ -833,7 +2533,7 @@
           <a:p>
             <a:fld id="{2CED4963-E985-44C4-B8C4-FDD613B7C2F8}" type="datetime1">
               <a:rPr lang="en-US" smtClean="0"/>
-              <a:t>11/21/2021</a:t>
+              <a:t>8/28/23</a:t>
             </a:fld>
             <a:endParaRPr lang="en-US" dirty="0"/>
           </a:p>
@@ -1195,7 +2895,7 @@
           <a:p>
             <a:fld id="{ED291B17-9318-49DB-B28B-6E5994AE9581}" type="datetime1">
               <a:rPr lang="en-US" smtClean="0"/>
-              <a:t>11/21/2021</a:t>
+              <a:t>8/28/23</a:t>
             </a:fld>
             <a:endParaRPr lang="en-US" dirty="0"/>
           </a:p>
@@ -1393,7 +3093,7 @@
           <a:p>
             <a:fld id="{78DD82B9-B8EE-4375-B6FF-88FA6ABB15D9}" type="datetime1">
               <a:rPr lang="en-US" smtClean="0"/>
-              <a:t>11/21/2021</a:t>
+              <a:t>8/28/23</a:t>
             </a:fld>
             <a:endParaRPr lang="en-US" dirty="0"/>
           </a:p>
@@ -1705,7 +3405,7 @@
           <a:p>
             <a:fld id="{B2497495-0637-405E-AE64-5CC7506D51F5}" type="datetime1">
               <a:rPr lang="en-US" smtClean="0"/>
-              <a:t>11/21/2021</a:t>
+              <a:t>8/28/23</a:t>
             </a:fld>
             <a:endParaRPr lang="en-US" dirty="0"/>
           </a:p>
@@ -1958,7 +3658,7 @@
           <a:p>
             <a:fld id="{7BFFD690-9426-415D-8B65-26881E07B2D4}" type="datetime1">
               <a:rPr lang="en-US" smtClean="0"/>
-              <a:t>11/21/2021</a:t>
+              <a:t>8/28/23</a:t>
             </a:fld>
             <a:endParaRPr lang="en-US" dirty="0"/>
           </a:p>
@@ -2380,7 +4080,7 @@
           <a:p>
             <a:fld id="{04C4989A-474C-40DE-95B9-011C28B71673}" type="datetime1">
               <a:rPr lang="en-US" smtClean="0"/>
-              <a:t>11/21/2021</a:t>
+              <a:t>8/28/23</a:t>
             </a:fld>
             <a:endParaRPr lang="en-US" dirty="0"/>
           </a:p>
@@ -2503,7 +4203,7 @@
           <a:p>
             <a:fld id="{5DB4ED54-5B5E-4A04-93D3-5772E3CE3818}" type="datetime1">
               <a:rPr lang="en-US" smtClean="0"/>
-              <a:t>11/21/2021</a:t>
+              <a:t>8/28/23</a:t>
             </a:fld>
             <a:endParaRPr lang="en-US" dirty="0"/>
           </a:p>
@@ -2598,7 +4298,7 @@
           <a:p>
             <a:fld id="{4EDE50D6-574B-40AF-946F-D52A04ADE379}" type="datetime1">
               <a:rPr lang="en-US" smtClean="0"/>
-              <a:t>11/21/2021</a:t>
+              <a:t>8/28/23</a:t>
             </a:fld>
             <a:endParaRPr lang="en-US" dirty="0"/>
           </a:p>
@@ -2975,7 +4675,7 @@
           <a:p>
             <a:fld id="{D82884F1-FFEA-405F-9602-3DCA865EDA4E}" type="datetime1">
               <a:rPr lang="en-US" smtClean="0"/>
-              <a:t>11/21/2021</a:t>
+              <a:t>8/28/23</a:t>
             </a:fld>
             <a:endParaRPr lang="en-US" dirty="0"/>
           </a:p>
@@ -3268,7 +4968,7 @@
           <a:p>
             <a:fld id="{7E18DB4A-8810-4A10-AD5C-D5E2C667F5B3}" type="datetime1">
               <a:rPr lang="en-US" smtClean="0"/>
-              <a:t>11/21/2021</a:t>
+              <a:t>8/28/23</a:t>
             </a:fld>
             <a:endParaRPr lang="en-US" dirty="0"/>
           </a:p>
@@ -3483,7 +5183,7 @@
           <a:p>
             <a:fld id="{ED291B17-9318-49DB-B28B-6E5994AE9581}" type="datetime1">
               <a:rPr lang="en-US" smtClean="0"/>
-              <a:t>11/21/2021</a:t>
+              <a:t>8/28/23</a:t>
             </a:fld>
             <a:endParaRPr lang="en-US" dirty="0"/>
           </a:p>
@@ -4213,7 +5913,7 @@
           <a:p>
             <a:r>
               <a:rPr lang="en-US" dirty="0"/>
-              <a:t>How to decouple your code</a:t>
+              <a:t>MEDIATOR DESIGN PATTERN</a:t>
             </a:r>
           </a:p>
         </p:txBody>
@@ -4248,7 +5948,7 @@
           <a:p>
             <a:r>
               <a:rPr lang="en-US" dirty="0"/>
-              <a:t>Using </a:t>
+              <a:t>how to simplify your code and handle cross-cutting concerns using </a:t>
             </a:r>
             <a:r>
               <a:rPr lang="en-US" dirty="0" err="1"/>
@@ -4256,7 +5956,7 @@
             </a:r>
             <a:r>
               <a:rPr lang="en-US" dirty="0"/>
-              <a:t> to implement mediator design pattern</a:t>
+              <a:t> library</a:t>
             </a:r>
           </a:p>
         </p:txBody>
@@ -4488,6 +6188,265 @@
           <a:chExt cx="0" cy="0"/>
         </a:xfrm>
       </p:grpSpPr>
+      <p:sp>
+        <p:nvSpPr>
+          <p:cNvPr id="2" name="Title 1">
+            <a:extLst>
+              <a:ext uri="{FF2B5EF4-FFF2-40B4-BE49-F238E27FC236}">
+                <a16:creationId xmlns:a16="http://schemas.microsoft.com/office/drawing/2014/main" id="{5E562972-3449-42D1-8185-B4BEFD52AB44}"/>
+              </a:ext>
+            </a:extLst>
+          </p:cNvPr>
+          <p:cNvSpPr>
+            <a:spLocks noGrp="1"/>
+          </p:cNvSpPr>
+          <p:nvPr>
+            <p:ph type="title"/>
+          </p:nvPr>
+        </p:nvSpPr>
+        <p:spPr/>
+        <p:txBody>
+          <a:bodyPr/>
+          <a:lstStyle/>
+          <a:p>
+            <a:r>
+              <a:rPr lang="en-US" dirty="0"/>
+              <a:t>Mediator design pattern</a:t>
+            </a:r>
+          </a:p>
+        </p:txBody>
+      </p:sp>
+      <p:pic>
+        <p:nvPicPr>
+          <p:cNvPr id="7" name="Content Placeholder 6">
+            <a:extLst>
+              <a:ext uri="{FF2B5EF4-FFF2-40B4-BE49-F238E27FC236}">
+                <a16:creationId xmlns:a16="http://schemas.microsoft.com/office/drawing/2014/main" id="{42966145-3AF7-4F6A-B8C9-3A1BC227303F}"/>
+              </a:ext>
+            </a:extLst>
+          </p:cNvPr>
+          <p:cNvPicPr>
+            <a:picLocks noGrp="1" noChangeAspect="1"/>
+          </p:cNvPicPr>
+          <p:nvPr>
+            <p:ph idx="1"/>
+          </p:nvPr>
+        </p:nvPicPr>
+        <p:blipFill>
+          <a:blip r:embed="rId3"/>
+          <a:stretch>
+            <a:fillRect/>
+          </a:stretch>
+        </p:blipFill>
+        <p:spPr>
+          <a:xfrm>
+            <a:off x="2949563" y="2341563"/>
+            <a:ext cx="6292874" cy="3633787"/>
+          </a:xfrm>
+        </p:spPr>
+      </p:pic>
+    </p:spTree>
+    <p:extLst>
+      <p:ext uri="{BB962C8B-B14F-4D97-AF65-F5344CB8AC3E}">
+        <p14:creationId xmlns:p14="http://schemas.microsoft.com/office/powerpoint/2010/main" val="263784652"/>
+      </p:ext>
+    </p:extLst>
+  </p:cSld>
+  <p:clrMapOvr>
+    <a:masterClrMapping/>
+  </p:clrMapOvr>
+</p:sld>
+</file>
+
+<file path=ppt/slides/slide11.xml><?xml version="1.0" encoding="utf-8"?>
+<p:sld xmlns:a="http://schemas.openxmlformats.org/drawingml/2006/main" xmlns:r="http://schemas.openxmlformats.org/officeDocument/2006/relationships" xmlns:p="http://schemas.openxmlformats.org/presentationml/2006/main">
+  <p:cSld>
+    <p:spTree>
+      <p:nvGrpSpPr>
+        <p:cNvPr id="1" name=""/>
+        <p:cNvGrpSpPr/>
+        <p:nvPr/>
+      </p:nvGrpSpPr>
+      <p:grpSpPr>
+        <a:xfrm>
+          <a:off x="0" y="0"/>
+          <a:ext cx="0" cy="0"/>
+          <a:chOff x="0" y="0"/>
+          <a:chExt cx="0" cy="0"/>
+        </a:xfrm>
+      </p:grpSpPr>
+      <p:sp>
+        <p:nvSpPr>
+          <p:cNvPr id="2" name="Title 1">
+            <a:extLst>
+              <a:ext uri="{FF2B5EF4-FFF2-40B4-BE49-F238E27FC236}">
+                <a16:creationId xmlns:a16="http://schemas.microsoft.com/office/drawing/2014/main" id="{7B834A27-06C1-4E1E-80D9-0147BA9A1E46}"/>
+              </a:ext>
+            </a:extLst>
+          </p:cNvPr>
+          <p:cNvSpPr>
+            <a:spLocks noGrp="1"/>
+          </p:cNvSpPr>
+          <p:nvPr>
+            <p:ph type="title"/>
+          </p:nvPr>
+        </p:nvSpPr>
+        <p:spPr/>
+        <p:txBody>
+          <a:bodyPr/>
+          <a:lstStyle/>
+          <a:p>
+            <a:r>
+              <a:rPr lang="en-GB" dirty="0"/>
+              <a:t>Simple mediator implementation</a:t>
+            </a:r>
+          </a:p>
+        </p:txBody>
+      </p:sp>
+      <p:sp>
+        <p:nvSpPr>
+          <p:cNvPr id="3" name="Text Placeholder 2">
+            <a:extLst>
+              <a:ext uri="{FF2B5EF4-FFF2-40B4-BE49-F238E27FC236}">
+                <a16:creationId xmlns:a16="http://schemas.microsoft.com/office/drawing/2014/main" id="{4FF1FDFA-D63C-40D4-9725-30BE387A6DFA}"/>
+              </a:ext>
+            </a:extLst>
+          </p:cNvPr>
+          <p:cNvSpPr>
+            <a:spLocks noGrp="1"/>
+          </p:cNvSpPr>
+          <p:nvPr>
+            <p:ph type="body" idx="1"/>
+          </p:nvPr>
+        </p:nvSpPr>
+        <p:spPr/>
+        <p:txBody>
+          <a:bodyPr/>
+          <a:lstStyle/>
+          <a:p>
+            <a:r>
+              <a:rPr lang="en-GB" dirty="0"/>
+              <a:t>Let’s jump into the code</a:t>
+            </a:r>
+          </a:p>
+        </p:txBody>
+      </p:sp>
+    </p:spTree>
+    <p:extLst>
+      <p:ext uri="{BB962C8B-B14F-4D97-AF65-F5344CB8AC3E}">
+        <p14:creationId xmlns:p14="http://schemas.microsoft.com/office/powerpoint/2010/main" val="81978253"/>
+      </p:ext>
+    </p:extLst>
+  </p:cSld>
+  <p:clrMapOvr>
+    <a:masterClrMapping/>
+  </p:clrMapOvr>
+</p:sld>
+</file>
+
+<file path=ppt/slides/slide12.xml><?xml version="1.0" encoding="utf-8"?>
+<p:sld xmlns:a="http://schemas.openxmlformats.org/drawingml/2006/main" xmlns:r="http://schemas.openxmlformats.org/officeDocument/2006/relationships" xmlns:p="http://schemas.openxmlformats.org/presentationml/2006/main">
+  <p:cSld>
+    <p:spTree>
+      <p:nvGrpSpPr>
+        <p:cNvPr id="1" name=""/>
+        <p:cNvGrpSpPr/>
+        <p:nvPr/>
+      </p:nvGrpSpPr>
+      <p:grpSpPr>
+        <a:xfrm>
+          <a:off x="0" y="0"/>
+          <a:ext cx="0" cy="0"/>
+          <a:chOff x="0" y="0"/>
+          <a:chExt cx="0" cy="0"/>
+        </a:xfrm>
+      </p:grpSpPr>
+      <p:sp>
+        <p:nvSpPr>
+          <p:cNvPr id="2" name="Title 1">
+            <a:extLst>
+              <a:ext uri="{FF2B5EF4-FFF2-40B4-BE49-F238E27FC236}">
+                <a16:creationId xmlns:a16="http://schemas.microsoft.com/office/drawing/2014/main" id="{7B834A27-06C1-4E1E-80D9-0147BA9A1E46}"/>
+              </a:ext>
+            </a:extLst>
+          </p:cNvPr>
+          <p:cNvSpPr>
+            <a:spLocks noGrp="1"/>
+          </p:cNvSpPr>
+          <p:nvPr>
+            <p:ph type="title"/>
+          </p:nvPr>
+        </p:nvSpPr>
+        <p:spPr/>
+        <p:txBody>
+          <a:bodyPr/>
+          <a:lstStyle/>
+          <a:p>
+            <a:r>
+              <a:rPr lang="en-GB" dirty="0"/>
+              <a:t>Implementing Cross-cutting concerns</a:t>
+            </a:r>
+          </a:p>
+        </p:txBody>
+      </p:sp>
+      <p:sp>
+        <p:nvSpPr>
+          <p:cNvPr id="3" name="Text Placeholder 2">
+            <a:extLst>
+              <a:ext uri="{FF2B5EF4-FFF2-40B4-BE49-F238E27FC236}">
+                <a16:creationId xmlns:a16="http://schemas.microsoft.com/office/drawing/2014/main" id="{4FF1FDFA-D63C-40D4-9725-30BE387A6DFA}"/>
+              </a:ext>
+            </a:extLst>
+          </p:cNvPr>
+          <p:cNvSpPr>
+            <a:spLocks noGrp="1"/>
+          </p:cNvSpPr>
+          <p:nvPr>
+            <p:ph type="body" idx="1"/>
+          </p:nvPr>
+        </p:nvSpPr>
+        <p:spPr/>
+        <p:txBody>
+          <a:bodyPr/>
+          <a:lstStyle/>
+          <a:p>
+            <a:r>
+              <a:rPr lang="en-GB" dirty="0"/>
+              <a:t>the real game changer – pipeline behaviours</a:t>
+            </a:r>
+          </a:p>
+        </p:txBody>
+      </p:sp>
+    </p:spTree>
+    <p:extLst>
+      <p:ext uri="{BB962C8B-B14F-4D97-AF65-F5344CB8AC3E}">
+        <p14:creationId xmlns:p14="http://schemas.microsoft.com/office/powerpoint/2010/main" val="3579551768"/>
+      </p:ext>
+    </p:extLst>
+  </p:cSld>
+  <p:clrMapOvr>
+    <a:masterClrMapping/>
+  </p:clrMapOvr>
+</p:sld>
+</file>
+
+<file path=ppt/slides/slide13.xml><?xml version="1.0" encoding="utf-8"?>
+<p:sld xmlns:a="http://schemas.openxmlformats.org/drawingml/2006/main" xmlns:r="http://schemas.openxmlformats.org/officeDocument/2006/relationships" xmlns:p="http://schemas.openxmlformats.org/presentationml/2006/main">
+  <p:cSld>
+    <p:spTree>
+      <p:nvGrpSpPr>
+        <p:cNvPr id="1" name=""/>
+        <p:cNvGrpSpPr/>
+        <p:nvPr/>
+      </p:nvGrpSpPr>
+      <p:grpSpPr>
+        <a:xfrm>
+          <a:off x="0" y="0"/>
+          <a:ext cx="0" cy="0"/>
+          <a:chOff x="0" y="0"/>
+          <a:chExt cx="0" cy="0"/>
+        </a:xfrm>
+      </p:grpSpPr>
       <p:pic>
         <p:nvPicPr>
           <p:cNvPr id="3" name="Picture 2">
@@ -4531,7 +6490,461 @@
 </p:sld>
 </file>
 
-<file path=ppt/slides/slide11.xml><?xml version="1.0" encoding="utf-8"?>
+<file path=ppt/slides/slide14.xml><?xml version="1.0" encoding="utf-8"?>
+<p:sld xmlns:a="http://schemas.openxmlformats.org/drawingml/2006/main" xmlns:r="http://schemas.openxmlformats.org/officeDocument/2006/relationships" xmlns:p="http://schemas.openxmlformats.org/presentationml/2006/main">
+  <p:cSld>
+    <p:spTree>
+      <p:nvGrpSpPr>
+        <p:cNvPr id="1" name=""/>
+        <p:cNvGrpSpPr/>
+        <p:nvPr/>
+      </p:nvGrpSpPr>
+      <p:grpSpPr>
+        <a:xfrm>
+          <a:off x="0" y="0"/>
+          <a:ext cx="0" cy="0"/>
+          <a:chOff x="0" y="0"/>
+          <a:chExt cx="0" cy="0"/>
+        </a:xfrm>
+      </p:grpSpPr>
+      <p:sp>
+        <p:nvSpPr>
+          <p:cNvPr id="2" name="Title 1">
+            <a:extLst>
+              <a:ext uri="{FF2B5EF4-FFF2-40B4-BE49-F238E27FC236}">
+                <a16:creationId xmlns:a16="http://schemas.microsoft.com/office/drawing/2014/main" id="{7B834A27-06C1-4E1E-80D9-0147BA9A1E46}"/>
+              </a:ext>
+            </a:extLst>
+          </p:cNvPr>
+          <p:cNvSpPr>
+            <a:spLocks noGrp="1"/>
+          </p:cNvSpPr>
+          <p:nvPr>
+            <p:ph type="title"/>
+          </p:nvPr>
+        </p:nvSpPr>
+        <p:spPr/>
+        <p:txBody>
+          <a:bodyPr/>
+          <a:lstStyle/>
+          <a:p>
+            <a:r>
+              <a:rPr lang="en-GB" dirty="0"/>
+              <a:t>Speed and memory concerns</a:t>
+            </a:r>
+          </a:p>
+        </p:txBody>
+      </p:sp>
+      <p:sp>
+        <p:nvSpPr>
+          <p:cNvPr id="3" name="Text Placeholder 2">
+            <a:extLst>
+              <a:ext uri="{FF2B5EF4-FFF2-40B4-BE49-F238E27FC236}">
+                <a16:creationId xmlns:a16="http://schemas.microsoft.com/office/drawing/2014/main" id="{4FF1FDFA-D63C-40D4-9725-30BE387A6DFA}"/>
+              </a:ext>
+            </a:extLst>
+          </p:cNvPr>
+          <p:cNvSpPr>
+            <a:spLocks noGrp="1"/>
+          </p:cNvSpPr>
+          <p:nvPr>
+            <p:ph type="body" idx="1"/>
+          </p:nvPr>
+        </p:nvSpPr>
+        <p:spPr/>
+        <p:txBody>
+          <a:bodyPr/>
+          <a:lstStyle/>
+          <a:p>
+            <a:r>
+              <a:rPr lang="en-GB" dirty="0"/>
+              <a:t>Is it really that slow? </a:t>
+            </a:r>
+          </a:p>
+        </p:txBody>
+      </p:sp>
+      <p:sp>
+        <p:nvSpPr>
+          <p:cNvPr id="4" name="Text Placeholder 2">
+            <a:extLst>
+              <a:ext uri="{FF2B5EF4-FFF2-40B4-BE49-F238E27FC236}">
+                <a16:creationId xmlns:a16="http://schemas.microsoft.com/office/drawing/2014/main" id="{22809B85-70F2-5451-692B-43845816196B}"/>
+              </a:ext>
+            </a:extLst>
+          </p:cNvPr>
+          <p:cNvSpPr txBox="1">
+            <a:spLocks/>
+          </p:cNvSpPr>
+          <p:nvPr/>
+        </p:nvSpPr>
+        <p:spPr>
+          <a:xfrm>
+            <a:off x="581192" y="5229076"/>
+            <a:ext cx="11029615" cy="600556"/>
+          </a:xfrm>
+          <a:prstGeom prst="rect">
+            <a:avLst/>
+          </a:prstGeom>
+        </p:spPr>
+        <p:txBody>
+          <a:bodyPr vert="horz" lIns="91440" tIns="45720" rIns="91440" bIns="45720" rtlCol="0" anchor="t">
+            <a:normAutofit fontScale="92500"/>
+          </a:bodyPr>
+          <a:lstStyle>
+            <a:lvl1pPr marL="0" indent="0" algn="l" defTabSz="457200" rtl="0" eaLnBrk="1" latinLnBrk="0" hangingPunct="1">
+              <a:lnSpc>
+                <a:spcPct val="110000"/>
+              </a:lnSpc>
+              <a:spcBef>
+                <a:spcPct val="20000"/>
+              </a:spcBef>
+              <a:spcAft>
+                <a:spcPts val="600"/>
+              </a:spcAft>
+              <a:buClr>
+                <a:schemeClr val="accent1"/>
+              </a:buClr>
+              <a:buSzPct val="92000"/>
+              <a:buFont typeface="Wingdings 2" panose="05020102010507070707" pitchFamily="18" charset="2"/>
+              <a:buNone/>
+              <a:defRPr sz="1800" kern="1200" cap="all">
+                <a:solidFill>
+                  <a:schemeClr val="accent1"/>
+                </a:solidFill>
+                <a:latin typeface="+mn-lt"/>
+                <a:ea typeface="+mn-ea"/>
+                <a:cs typeface="+mn-cs"/>
+              </a:defRPr>
+            </a:lvl1pPr>
+            <a:lvl2pPr marL="457200" indent="0" algn="l" defTabSz="457200" rtl="0" eaLnBrk="1" latinLnBrk="0" hangingPunct="1">
+              <a:spcBef>
+                <a:spcPct val="20000"/>
+              </a:spcBef>
+              <a:spcAft>
+                <a:spcPts val="600"/>
+              </a:spcAft>
+              <a:buClr>
+                <a:schemeClr val="accent1"/>
+              </a:buClr>
+              <a:buSzPct val="92000"/>
+              <a:buFont typeface="Wingdings 2" panose="05020102010507070707" pitchFamily="18" charset="2"/>
+              <a:buNone/>
+              <a:defRPr sz="1800" kern="1200">
+                <a:solidFill>
+                  <a:schemeClr val="tx1">
+                    <a:tint val="75000"/>
+                  </a:schemeClr>
+                </a:solidFill>
+                <a:latin typeface="+mn-lt"/>
+                <a:ea typeface="+mn-ea"/>
+                <a:cs typeface="+mn-cs"/>
+              </a:defRPr>
+            </a:lvl2pPr>
+            <a:lvl3pPr marL="914400" indent="0" algn="l" defTabSz="457200" rtl="0" eaLnBrk="1" latinLnBrk="0" hangingPunct="1">
+              <a:spcBef>
+                <a:spcPct val="20000"/>
+              </a:spcBef>
+              <a:spcAft>
+                <a:spcPts val="600"/>
+              </a:spcAft>
+              <a:buClr>
+                <a:schemeClr val="accent1"/>
+              </a:buClr>
+              <a:buSzPct val="92000"/>
+              <a:buFont typeface="Wingdings 2" panose="05020102010507070707" pitchFamily="18" charset="2"/>
+              <a:buNone/>
+              <a:defRPr sz="1600" kern="1200">
+                <a:solidFill>
+                  <a:schemeClr val="tx1">
+                    <a:tint val="75000"/>
+                  </a:schemeClr>
+                </a:solidFill>
+                <a:latin typeface="+mn-lt"/>
+                <a:ea typeface="+mn-ea"/>
+                <a:cs typeface="+mn-cs"/>
+              </a:defRPr>
+            </a:lvl3pPr>
+            <a:lvl4pPr marL="1371600" indent="0" algn="l" defTabSz="457200" rtl="0" eaLnBrk="1" latinLnBrk="0" hangingPunct="1">
+              <a:spcBef>
+                <a:spcPct val="20000"/>
+              </a:spcBef>
+              <a:spcAft>
+                <a:spcPts val="600"/>
+              </a:spcAft>
+              <a:buClr>
+                <a:schemeClr val="accent1"/>
+              </a:buClr>
+              <a:buSzPct val="92000"/>
+              <a:buFont typeface="Wingdings 2" panose="05020102010507070707" pitchFamily="18" charset="2"/>
+              <a:buNone/>
+              <a:defRPr sz="1400" kern="1200">
+                <a:solidFill>
+                  <a:schemeClr val="tx1">
+                    <a:tint val="75000"/>
+                  </a:schemeClr>
+                </a:solidFill>
+                <a:latin typeface="+mn-lt"/>
+                <a:ea typeface="+mn-ea"/>
+                <a:cs typeface="+mn-cs"/>
+              </a:defRPr>
+            </a:lvl4pPr>
+            <a:lvl5pPr marL="1828800" indent="0" algn="l" defTabSz="457200" rtl="0" eaLnBrk="1" latinLnBrk="0" hangingPunct="1">
+              <a:spcBef>
+                <a:spcPct val="20000"/>
+              </a:spcBef>
+              <a:spcAft>
+                <a:spcPts val="600"/>
+              </a:spcAft>
+              <a:buClr>
+                <a:schemeClr val="accent1"/>
+              </a:buClr>
+              <a:buSzPct val="92000"/>
+              <a:buFont typeface="Wingdings 2" panose="05020102010507070707" pitchFamily="18" charset="2"/>
+              <a:buNone/>
+              <a:defRPr sz="1400" kern="1200">
+                <a:solidFill>
+                  <a:schemeClr val="tx1">
+                    <a:tint val="75000"/>
+                  </a:schemeClr>
+                </a:solidFill>
+                <a:latin typeface="+mn-lt"/>
+                <a:ea typeface="+mn-ea"/>
+                <a:cs typeface="+mn-cs"/>
+              </a:defRPr>
+            </a:lvl5pPr>
+            <a:lvl6pPr marL="2286000" indent="0" algn="l" defTabSz="457200" rtl="0" eaLnBrk="1" latinLnBrk="0" hangingPunct="1">
+              <a:spcBef>
+                <a:spcPct val="20000"/>
+              </a:spcBef>
+              <a:spcAft>
+                <a:spcPts val="600"/>
+              </a:spcAft>
+              <a:buClr>
+                <a:schemeClr val="accent2"/>
+              </a:buClr>
+              <a:buSzPct val="92000"/>
+              <a:buFont typeface="Wingdings 2" panose="05020102010507070707" pitchFamily="18" charset="2"/>
+              <a:buNone/>
+              <a:defRPr sz="1400" kern="1200">
+                <a:solidFill>
+                  <a:schemeClr val="tx1">
+                    <a:tint val="75000"/>
+                  </a:schemeClr>
+                </a:solidFill>
+                <a:latin typeface="+mn-lt"/>
+                <a:ea typeface="+mn-ea"/>
+                <a:cs typeface="+mn-cs"/>
+              </a:defRPr>
+            </a:lvl6pPr>
+            <a:lvl7pPr marL="2743200" indent="0" algn="l" defTabSz="457200" rtl="0" eaLnBrk="1" latinLnBrk="0" hangingPunct="1">
+              <a:spcBef>
+                <a:spcPct val="20000"/>
+              </a:spcBef>
+              <a:spcAft>
+                <a:spcPts val="600"/>
+              </a:spcAft>
+              <a:buClr>
+                <a:schemeClr val="accent2"/>
+              </a:buClr>
+              <a:buSzPct val="92000"/>
+              <a:buFont typeface="Wingdings 2" panose="05020102010507070707" pitchFamily="18" charset="2"/>
+              <a:buNone/>
+              <a:defRPr sz="1400" kern="1200">
+                <a:solidFill>
+                  <a:schemeClr val="tx1">
+                    <a:tint val="75000"/>
+                  </a:schemeClr>
+                </a:solidFill>
+                <a:latin typeface="+mn-lt"/>
+                <a:ea typeface="+mn-ea"/>
+                <a:cs typeface="+mn-cs"/>
+              </a:defRPr>
+            </a:lvl7pPr>
+            <a:lvl8pPr marL="3200400" indent="0" algn="l" defTabSz="457200" rtl="0" eaLnBrk="1" latinLnBrk="0" hangingPunct="1">
+              <a:spcBef>
+                <a:spcPct val="20000"/>
+              </a:spcBef>
+              <a:spcAft>
+                <a:spcPts val="600"/>
+              </a:spcAft>
+              <a:buClr>
+                <a:schemeClr val="accent2"/>
+              </a:buClr>
+              <a:buSzPct val="92000"/>
+              <a:buFont typeface="Wingdings 2" panose="05020102010507070707" pitchFamily="18" charset="2"/>
+              <a:buNone/>
+              <a:defRPr sz="1400" kern="1200">
+                <a:solidFill>
+                  <a:schemeClr val="tx1">
+                    <a:tint val="75000"/>
+                  </a:schemeClr>
+                </a:solidFill>
+                <a:latin typeface="+mn-lt"/>
+                <a:ea typeface="+mn-ea"/>
+                <a:cs typeface="+mn-cs"/>
+              </a:defRPr>
+            </a:lvl8pPr>
+            <a:lvl9pPr marL="3657600" indent="0" algn="l" defTabSz="457200" rtl="0" eaLnBrk="1" latinLnBrk="0" hangingPunct="1">
+              <a:spcBef>
+                <a:spcPct val="20000"/>
+              </a:spcBef>
+              <a:spcAft>
+                <a:spcPts val="600"/>
+              </a:spcAft>
+              <a:buClr>
+                <a:schemeClr val="accent2"/>
+              </a:buClr>
+              <a:buSzPct val="92000"/>
+              <a:buFont typeface="Wingdings 2" panose="05020102010507070707" pitchFamily="18" charset="2"/>
+              <a:buNone/>
+              <a:defRPr sz="1400" kern="1200">
+                <a:solidFill>
+                  <a:schemeClr val="tx1">
+                    <a:tint val="75000"/>
+                  </a:schemeClr>
+                </a:solidFill>
+                <a:latin typeface="+mn-lt"/>
+                <a:ea typeface="+mn-ea"/>
+                <a:cs typeface="+mn-cs"/>
+              </a:defRPr>
+            </a:lvl9pPr>
+          </a:lstStyle>
+          <a:p>
+            <a:r>
+              <a:rPr lang="en-GB" dirty="0"/>
+              <a:t>Video to watch for those interested in more stats </a:t>
+            </a:r>
+            <a:r>
+              <a:rPr lang="en-GB" dirty="0">
+                <a:effectLst/>
+                <a:hlinkClick r:id="rId3">
+                  <a:extLst>
+                    <a:ext uri="{A12FA001-AC4F-418D-AE19-62706E023703}">
+                      <ahyp:hlinkClr xmlns:ahyp="http://schemas.microsoft.com/office/drawing/2018/hyperlinkcolor" val="tx"/>
+                    </a:ext>
+                  </a:extLst>
+                </a:hlinkClick>
+              </a:rPr>
+              <a:t>https://www.youtube.com/watch?v=baiH3f_TFfY</a:t>
+            </a:r>
+            <a:r>
+              <a:rPr lang="en-GB" dirty="0">
+                <a:effectLst/>
+              </a:rPr>
+              <a:t> </a:t>
+            </a:r>
+            <a:endParaRPr lang="en-GB" dirty="0"/>
+          </a:p>
+        </p:txBody>
+      </p:sp>
+    </p:spTree>
+    <p:extLst>
+      <p:ext uri="{BB962C8B-B14F-4D97-AF65-F5344CB8AC3E}">
+        <p14:creationId xmlns:p14="http://schemas.microsoft.com/office/powerpoint/2010/main" val="4079769176"/>
+      </p:ext>
+    </p:extLst>
+  </p:cSld>
+  <p:clrMapOvr>
+    <a:masterClrMapping/>
+  </p:clrMapOvr>
+</p:sld>
+</file>
+
+<file path=ppt/slides/slide15.xml><?xml version="1.0" encoding="utf-8"?>
+<p:sld xmlns:a="http://schemas.openxmlformats.org/drawingml/2006/main" xmlns:r="http://schemas.openxmlformats.org/officeDocument/2006/relationships" xmlns:p="http://schemas.openxmlformats.org/presentationml/2006/main">
+  <p:cSld>
+    <p:spTree>
+      <p:nvGrpSpPr>
+        <p:cNvPr id="1" name=""/>
+        <p:cNvGrpSpPr/>
+        <p:nvPr/>
+      </p:nvGrpSpPr>
+      <p:grpSpPr>
+        <a:xfrm>
+          <a:off x="0" y="0"/>
+          <a:ext cx="0" cy="0"/>
+          <a:chOff x="0" y="0"/>
+          <a:chExt cx="0" cy="0"/>
+        </a:xfrm>
+      </p:grpSpPr>
+      <p:sp>
+        <p:nvSpPr>
+          <p:cNvPr id="2" name="Title 1">
+            <a:extLst>
+              <a:ext uri="{FF2B5EF4-FFF2-40B4-BE49-F238E27FC236}">
+                <a16:creationId xmlns:a16="http://schemas.microsoft.com/office/drawing/2014/main" id="{7B834A27-06C1-4E1E-80D9-0147BA9A1E46}"/>
+              </a:ext>
+            </a:extLst>
+          </p:cNvPr>
+          <p:cNvSpPr>
+            <a:spLocks noGrp="1"/>
+          </p:cNvSpPr>
+          <p:nvPr>
+            <p:ph type="title"/>
+          </p:nvPr>
+        </p:nvSpPr>
+        <p:spPr/>
+        <p:txBody>
+          <a:bodyPr/>
+          <a:lstStyle/>
+          <a:p>
+            <a:r>
+              <a:rPr lang="en-GB" dirty="0"/>
+              <a:t>Implementing Out of process solution</a:t>
+            </a:r>
+          </a:p>
+        </p:txBody>
+      </p:sp>
+      <p:sp>
+        <p:nvSpPr>
+          <p:cNvPr id="3" name="Text Placeholder 2">
+            <a:extLst>
+              <a:ext uri="{FF2B5EF4-FFF2-40B4-BE49-F238E27FC236}">
+                <a16:creationId xmlns:a16="http://schemas.microsoft.com/office/drawing/2014/main" id="{4FF1FDFA-D63C-40D4-9725-30BE387A6DFA}"/>
+              </a:ext>
+            </a:extLst>
+          </p:cNvPr>
+          <p:cNvSpPr>
+            <a:spLocks noGrp="1"/>
+          </p:cNvSpPr>
+          <p:nvPr>
+            <p:ph type="body" idx="1"/>
+          </p:nvPr>
+        </p:nvSpPr>
+        <p:spPr/>
+        <p:txBody>
+          <a:bodyPr/>
+          <a:lstStyle/>
+          <a:p>
+            <a:r>
+              <a:rPr lang="en-GB" dirty="0"/>
+              <a:t>Using </a:t>
+            </a:r>
+            <a:r>
+              <a:rPr lang="en-GB" dirty="0" err="1"/>
+              <a:t>hangfire</a:t>
+            </a:r>
+            <a:r>
+              <a:rPr lang="en-GB" dirty="0"/>
+              <a:t> to run tasks outside of http context</a:t>
+            </a:r>
+          </a:p>
+        </p:txBody>
+      </p:sp>
+    </p:spTree>
+    <p:extLst>
+      <p:ext uri="{BB962C8B-B14F-4D97-AF65-F5344CB8AC3E}">
+        <p14:creationId xmlns:p14="http://schemas.microsoft.com/office/powerpoint/2010/main" val="197740015"/>
+      </p:ext>
+    </p:extLst>
+  </p:cSld>
+  <p:clrMapOvr>
+    <a:masterClrMapping/>
+  </p:clrMapOvr>
+</p:sld>
+</file>
+
+<file path=ppt/slides/slide16.xml><?xml version="1.0" encoding="utf-8"?>
 <p:sld xmlns:a="http://schemas.openxmlformats.org/drawingml/2006/main" xmlns:r="http://schemas.openxmlformats.org/officeDocument/2006/relationships" xmlns:p="http://schemas.openxmlformats.org/presentationml/2006/main">
   <p:cSld>
     <p:spTree>
@@ -4636,7 +7049,7 @@
           <p:cNvPr id="2" name="Title 1">
             <a:extLst>
               <a:ext uri="{FF2B5EF4-FFF2-40B4-BE49-F238E27FC236}">
-                <a16:creationId xmlns:a16="http://schemas.microsoft.com/office/drawing/2014/main" id="{09B7239F-899D-4C8E-AEBF-03F73BA538DD}"/>
+                <a16:creationId xmlns:a16="http://schemas.microsoft.com/office/drawing/2014/main" id="{4A99BF40-D26B-4724-9F0C-8387E5E07B0A}"/>
               </a:ext>
             </a:extLst>
           </p:cNvPr>
@@ -4654,7 +7067,7 @@
           <a:p>
             <a:r>
               <a:rPr lang="en-GB" dirty="0"/>
-              <a:t>Agenda</a:t>
+              <a:t>Code and extra materials</a:t>
             </a:r>
           </a:p>
         </p:txBody>
@@ -4664,7 +7077,7 @@
           <p:cNvPr id="3" name="Content Placeholder 2">
             <a:extLst>
               <a:ext uri="{FF2B5EF4-FFF2-40B4-BE49-F238E27FC236}">
-                <a16:creationId xmlns:a16="http://schemas.microsoft.com/office/drawing/2014/main" id="{79DCE112-4BBE-4728-90E7-F773438F903F}"/>
+                <a16:creationId xmlns:a16="http://schemas.microsoft.com/office/drawing/2014/main" id="{3A7CE18B-8BCE-4B77-879B-D04DD0C3891F}"/>
               </a:ext>
             </a:extLst>
           </p:cNvPr>
@@ -4672,40 +7085,193 @@
             <a:spLocks noGrp="1"/>
           </p:cNvSpPr>
           <p:nvPr>
-            <p:ph idx="1"/>
-          </p:nvPr>
-        </p:nvSpPr>
-        <p:spPr/>
+            <p:ph sz="half" idx="1"/>
+          </p:nvPr>
+        </p:nvSpPr>
+        <p:spPr>
+          <a:xfrm>
+            <a:off x="1527717" y="2318087"/>
+            <a:ext cx="5194767" cy="1553483"/>
+          </a:xfrm>
+        </p:spPr>
         <p:txBody>
           <a:bodyPr/>
           <a:lstStyle/>
           <a:p>
             <a:r>
+              <a:rPr lang="en-GB" dirty="0">
+                <a:hlinkClick r:id="rId3"/>
+              </a:rPr>
+              <a:t>https://github.com/vesou/MediatRDemo</a:t>
+            </a:r>
+            <a:endParaRPr lang="en-GB" dirty="0"/>
+          </a:p>
+          <a:p>
+            <a:endParaRPr lang="en-GB" dirty="0"/>
+          </a:p>
+        </p:txBody>
+      </p:sp>
+      <p:sp>
+        <p:nvSpPr>
+          <p:cNvPr id="4" name="Content Placeholder 3">
+            <a:extLst>
+              <a:ext uri="{FF2B5EF4-FFF2-40B4-BE49-F238E27FC236}">
+                <a16:creationId xmlns:a16="http://schemas.microsoft.com/office/drawing/2014/main" id="{02D2D5A4-9C4A-4675-88F2-ABAB610F5093}"/>
+              </a:ext>
+            </a:extLst>
+          </p:cNvPr>
+          <p:cNvSpPr>
+            <a:spLocks noGrp="1"/>
+          </p:cNvSpPr>
+          <p:nvPr>
+            <p:ph sz="half" idx="2"/>
+          </p:nvPr>
+        </p:nvSpPr>
+        <p:spPr/>
+        <p:txBody>
+          <a:bodyPr/>
+          <a:lstStyle/>
+          <a:p>
+            <a:r>
+              <a:rPr lang="en-GB" dirty="0">
+                <a:hlinkClick r:id="rId4"/>
+              </a:rPr>
+              <a:t>https://github.com/jbogard/MediatR/wiki</a:t>
+            </a:r>
+            <a:endParaRPr lang="en-GB" dirty="0"/>
+          </a:p>
+          <a:p>
+            <a:r>
+              <a:rPr lang="en-GB" dirty="0">
+                <a:solidFill>
+                  <a:srgbClr val="6EAC1C"/>
+                </a:solidFill>
+                <a:hlinkClick r:id="rId5">
+                  <a:extLst>
+                    <a:ext uri="{A12FA001-AC4F-418D-AE19-62706E023703}">
+                      <ahyp:hlinkClr xmlns:ahyp="http://schemas.microsoft.com/office/drawing/2018/hyperlinkcolor" val="tx"/>
+                    </a:ext>
+                  </a:extLst>
+                </a:hlinkClick>
+              </a:rPr>
+              <a:t>Code Opinion YT </a:t>
+            </a:r>
+            <a:r>
+              <a:rPr lang="en-GB" dirty="0">
+                <a:solidFill>
+                  <a:srgbClr val="6EAC1C"/>
+                </a:solidFill>
+              </a:rPr>
+              <a:t>- </a:t>
+            </a:r>
+            <a:r>
+              <a:rPr lang="en-GB" dirty="0">
+                <a:solidFill>
+                  <a:srgbClr val="6EAC1C"/>
+                </a:solidFill>
+                <a:hlinkClick r:id="rId6"/>
+              </a:rPr>
+              <a:t>https://www.youtube.com/watch?v=ngeEYUy9hI8</a:t>
+            </a:r>
+            <a:r>
+              <a:rPr lang="en-GB" dirty="0">
+                <a:solidFill>
+                  <a:srgbClr val="6EAC1C"/>
+                </a:solidFill>
+              </a:rPr>
+              <a:t> </a:t>
+            </a:r>
+            <a:endParaRPr lang="en-GB" dirty="0"/>
+          </a:p>
+          <a:p>
+            <a:r>
+              <a:rPr lang="en-GB" dirty="0">
+                <a:hlinkClick r:id="rId7"/>
+              </a:rPr>
+              <a:t>Jonathan Williams YT</a:t>
+            </a:r>
+            <a:r>
               <a:rPr lang="en-GB" dirty="0"/>
-              <a:t>Standard approach and it’s problems</a:t>
-            </a:r>
-          </a:p>
-          <a:p>
+              <a:t> - </a:t>
+            </a:r>
+            <a:r>
+              <a:rPr lang="en-GB" dirty="0">
+                <a:hlinkClick r:id="rId8"/>
+              </a:rPr>
+              <a:t>https://www.youtube.com/watch?v=mdzEKGlH0_Q</a:t>
+            </a:r>
             <a:r>
               <a:rPr lang="en-GB" dirty="0"/>
-              <a:t>Mediator design pattern</a:t>
-            </a:r>
-          </a:p>
-          <a:p>
+              <a:t> </a:t>
+            </a:r>
+          </a:p>
+          <a:p>
+            <a:r>
+              <a:rPr lang="en-GB" dirty="0">
+                <a:hlinkClick r:id="rId9"/>
+              </a:rPr>
+              <a:t>Nick Chapsas YT</a:t>
+            </a:r>
             <a:r>
               <a:rPr lang="en-GB" dirty="0"/>
-              <a:t>Pipelines</a:t>
+              <a:t> - </a:t>
+            </a:r>
+            <a:r>
+              <a:rPr lang="en-GB" dirty="0">
+                <a:hlinkClick r:id="rId9"/>
+              </a:rPr>
+              <a:t>https://www.youtube.com/watch?v=2JzQuIvxIqk</a:t>
+            </a:r>
+            <a:r>
+              <a:rPr lang="en-GB" dirty="0"/>
+              <a:t> </a:t>
             </a:r>
           </a:p>
           <a:p>
             <a:endParaRPr lang="en-GB" dirty="0"/>
           </a:p>
-        </p:txBody>
-      </p:sp>
+          <a:p>
+            <a:endParaRPr lang="en-GB" dirty="0"/>
+          </a:p>
+          <a:p>
+            <a:endParaRPr lang="en-GB" dirty="0"/>
+          </a:p>
+        </p:txBody>
+      </p:sp>
+      <p:pic>
+        <p:nvPicPr>
+          <p:cNvPr id="6" name="Picture 5">
+            <a:extLst>
+              <a:ext uri="{FF2B5EF4-FFF2-40B4-BE49-F238E27FC236}">
+                <a16:creationId xmlns:a16="http://schemas.microsoft.com/office/drawing/2014/main" id="{0044CFE7-1DCA-4692-D4CD-D1ADB9BB921D}"/>
+              </a:ext>
+            </a:extLst>
+          </p:cNvPr>
+          <p:cNvPicPr>
+            <a:picLocks noChangeAspect="1"/>
+          </p:cNvPicPr>
+          <p:nvPr/>
+        </p:nvPicPr>
+        <p:blipFill>
+          <a:blip r:embed="rId10"/>
+          <a:stretch>
+            <a:fillRect/>
+          </a:stretch>
+        </p:blipFill>
+        <p:spPr>
+          <a:xfrm>
+            <a:off x="402773" y="2318087"/>
+            <a:ext cx="1124944" cy="1033732"/>
+          </a:xfrm>
+          <a:prstGeom prst="rect">
+            <a:avLst/>
+          </a:prstGeom>
+        </p:spPr>
+      </p:pic>
     </p:spTree>
     <p:extLst>
       <p:ext uri="{BB962C8B-B14F-4D97-AF65-F5344CB8AC3E}">
-        <p14:creationId xmlns:p14="http://schemas.microsoft.com/office/powerpoint/2010/main" val="1211749030"/>
+        <p14:creationId xmlns:p14="http://schemas.microsoft.com/office/powerpoint/2010/main" val="1629569121"/>
       </p:ext>
     </p:extLst>
   </p:cSld>
@@ -4737,7 +7303,7 @@
           <p:cNvPr id="2" name="Title 1">
             <a:extLst>
               <a:ext uri="{FF2B5EF4-FFF2-40B4-BE49-F238E27FC236}">
-                <a16:creationId xmlns:a16="http://schemas.microsoft.com/office/drawing/2014/main" id="{4A99BF40-D26B-4724-9F0C-8387E5E07B0A}"/>
+                <a16:creationId xmlns:a16="http://schemas.microsoft.com/office/drawing/2014/main" id="{09B7239F-899D-4C8E-AEBF-03F73BA538DD}"/>
               </a:ext>
             </a:extLst>
           </p:cNvPr>
@@ -4755,7 +7321,7 @@
           <a:p>
             <a:r>
               <a:rPr lang="en-GB" dirty="0"/>
-              <a:t>Code and extra materials</a:t>
+              <a:t>Agenda</a:t>
             </a:r>
           </a:p>
         </p:txBody>
@@ -4765,7 +7331,7 @@
           <p:cNvPr id="3" name="Content Placeholder 2">
             <a:extLst>
               <a:ext uri="{FF2B5EF4-FFF2-40B4-BE49-F238E27FC236}">
-                <a16:creationId xmlns:a16="http://schemas.microsoft.com/office/drawing/2014/main" id="{3A7CE18B-8BCE-4B77-879B-D04DD0C3891F}"/>
+                <a16:creationId xmlns:a16="http://schemas.microsoft.com/office/drawing/2014/main" id="{79DCE112-4BBE-4728-90E7-F773438F903F}"/>
               </a:ext>
             </a:extLst>
           </p:cNvPr>
@@ -4773,111 +7339,72 @@
             <a:spLocks noGrp="1"/>
           </p:cNvSpPr>
           <p:nvPr>
-            <p:ph sz="half" idx="1"/>
-          </p:nvPr>
-        </p:nvSpPr>
-        <p:spPr>
-          <a:xfrm>
-            <a:off x="581193" y="2228003"/>
-            <a:ext cx="5194767" cy="1553483"/>
-          </a:xfrm>
-        </p:spPr>
+            <p:ph idx="1"/>
+          </p:nvPr>
+        </p:nvSpPr>
+        <p:spPr/>
         <p:txBody>
           <a:bodyPr/>
           <a:lstStyle/>
           <a:p>
             <a:r>
-              <a:rPr lang="en-GB" dirty="0">
-                <a:hlinkClick r:id="rId2"/>
-              </a:rPr>
-              <a:t>https://github.com/vesou/MediatRDemo</a:t>
-            </a:r>
-            <a:endParaRPr lang="en-GB" dirty="0"/>
-          </a:p>
-          <a:p>
-            <a:endParaRPr lang="en-GB" dirty="0"/>
-          </a:p>
-        </p:txBody>
-      </p:sp>
-      <p:sp>
-        <p:nvSpPr>
-          <p:cNvPr id="4" name="Content Placeholder 3">
-            <a:extLst>
-              <a:ext uri="{FF2B5EF4-FFF2-40B4-BE49-F238E27FC236}">
-                <a16:creationId xmlns:a16="http://schemas.microsoft.com/office/drawing/2014/main" id="{02D2D5A4-9C4A-4675-88F2-ABAB610F5093}"/>
-              </a:ext>
-            </a:extLst>
-          </p:cNvPr>
-          <p:cNvSpPr>
-            <a:spLocks noGrp="1"/>
-          </p:cNvSpPr>
-          <p:nvPr>
-            <p:ph sz="half" idx="2"/>
-          </p:nvPr>
-        </p:nvSpPr>
-        <p:spPr/>
-        <p:txBody>
-          <a:bodyPr/>
-          <a:lstStyle/>
-          <a:p>
-            <a:r>
-              <a:rPr lang="en-GB" dirty="0">
-                <a:hlinkClick r:id="rId3"/>
-              </a:rPr>
-              <a:t>https://github.com/jbogard/MediatR/wiki</a:t>
-            </a:r>
-            <a:endParaRPr lang="en-GB" dirty="0"/>
-          </a:p>
-          <a:p>
-            <a:r>
-              <a:rPr lang="en-GB" dirty="0">
-                <a:hlinkClick r:id="rId4"/>
-              </a:rPr>
-              <a:t>Code Opinion - Why to use </a:t>
-            </a:r>
-            <a:r>
-              <a:rPr lang="en-GB" dirty="0" err="1">
-                <a:hlinkClick r:id="rId4"/>
-              </a:rPr>
-              <a:t>MediatR</a:t>
-            </a:r>
-            <a:endParaRPr lang="en-GB" dirty="0"/>
-          </a:p>
-          <a:p>
-            <a:r>
-              <a:rPr lang="en-GB" dirty="0">
-                <a:hlinkClick r:id="rId5"/>
-              </a:rPr>
-              <a:t>Jonathan Williams YT</a:t>
-            </a:r>
-            <a:endParaRPr lang="en-GB" dirty="0"/>
-          </a:p>
-          <a:p>
-            <a:r>
-              <a:rPr lang="en-GB" dirty="0">
-                <a:hlinkClick r:id="rId6"/>
-              </a:rPr>
-              <a:t>Nick </a:t>
-            </a:r>
-            <a:r>
-              <a:rPr lang="en-GB" dirty="0" err="1">
-                <a:hlinkClick r:id="rId6"/>
-              </a:rPr>
-              <a:t>Chapsas</a:t>
-            </a:r>
-            <a:r>
-              <a:rPr lang="en-GB" dirty="0">
-                <a:hlinkClick r:id="rId6"/>
-              </a:rPr>
-              <a:t> YT</a:t>
-            </a:r>
-            <a:endParaRPr lang="en-GB" dirty="0"/>
-          </a:p>
-          <a:p>
-            <a:endParaRPr lang="en-GB" dirty="0"/>
-          </a:p>
-          <a:p>
-            <a:endParaRPr lang="en-GB" dirty="0"/>
+              <a:rPr lang="en-GB" dirty="0"/>
+              <a:t>problems with a standard way of building </a:t>
+            </a:r>
+            <a:r>
+              <a:rPr lang="en-GB" dirty="0" err="1"/>
+              <a:t>WebApi</a:t>
+            </a:r>
+            <a:r>
+              <a:rPr lang="en-GB" dirty="0"/>
+              <a:t> in .NET</a:t>
+            </a:r>
+          </a:p>
+          <a:p>
+            <a:r>
+              <a:rPr lang="en-GB" dirty="0"/>
+              <a:t>.NET framework way of fixing big and clunky Controllers approach</a:t>
+            </a:r>
+          </a:p>
+          <a:p>
+            <a:r>
+              <a:rPr lang="en-GB" dirty="0"/>
+              <a:t>introduction to Mediator design pattern</a:t>
+            </a:r>
+          </a:p>
+          <a:p>
+            <a:r>
+              <a:rPr lang="en-GB" dirty="0"/>
+              <a:t>handling cross-cutting concerns</a:t>
+            </a:r>
+          </a:p>
+          <a:p>
+            <a:r>
+              <a:rPr lang="en-GB" dirty="0"/>
+              <a:t>speed and memory concerns</a:t>
+            </a:r>
+          </a:p>
+          <a:p>
+            <a:r>
+              <a:rPr lang="en-GB" dirty="0"/>
+              <a:t>Extra – “</a:t>
+            </a:r>
+            <a:r>
+              <a:rPr lang="en-GB" dirty="0" err="1"/>
+              <a:t>outOfProcess</a:t>
+            </a:r>
+            <a:r>
+              <a:rPr lang="en-GB" dirty="0"/>
+              <a:t>” solution – leveraging “</a:t>
+            </a:r>
+            <a:r>
+              <a:rPr lang="en-GB" dirty="0" err="1"/>
+              <a:t>Hangfire</a:t>
+            </a:r>
+            <a:r>
+              <a:rPr lang="en-GB" dirty="0"/>
+              <a:t>” library</a:t>
+            </a:r>
           </a:p>
           <a:p>
             <a:endParaRPr lang="en-GB" dirty="0"/>
@@ -4887,7 +7414,7 @@
     </p:spTree>
     <p:extLst>
       <p:ext uri="{BB962C8B-B14F-4D97-AF65-F5344CB8AC3E}">
-        <p14:creationId xmlns:p14="http://schemas.microsoft.com/office/powerpoint/2010/main" val="1629569121"/>
+        <p14:creationId xmlns:p14="http://schemas.microsoft.com/office/powerpoint/2010/main" val="1211749030"/>
       </p:ext>
     </p:extLst>
   </p:cSld>
@@ -4937,40 +7464,89 @@
           <a:p>
             <a:r>
               <a:rPr lang="en-GB" dirty="0"/>
-              <a:t>Standard approach</a:t>
-            </a:r>
-          </a:p>
-        </p:txBody>
-      </p:sp>
-      <p:pic>
-        <p:nvPicPr>
-          <p:cNvPr id="6" name="Content Placeholder 5">
+              <a:t>What this presentation is not about</a:t>
+            </a:r>
+          </a:p>
+        </p:txBody>
+      </p:sp>
+      <p:sp>
+        <p:nvSpPr>
+          <p:cNvPr id="4" name="Content Placeholder 3">
             <a:extLst>
               <a:ext uri="{FF2B5EF4-FFF2-40B4-BE49-F238E27FC236}">
-                <a16:creationId xmlns:a16="http://schemas.microsoft.com/office/drawing/2014/main" id="{05DE63C4-5846-4CB2-84AF-44852E97AC9D}"/>
+                <a16:creationId xmlns:a16="http://schemas.microsoft.com/office/drawing/2014/main" id="{1774C6BE-7A29-79AB-06BF-3C071246A16D}"/>
               </a:ext>
             </a:extLst>
           </p:cNvPr>
-          <p:cNvPicPr>
-            <a:picLocks noGrp="1" noChangeAspect="1"/>
-          </p:cNvPicPr>
+          <p:cNvSpPr>
+            <a:spLocks noGrp="1"/>
+          </p:cNvSpPr>
           <p:nvPr>
             <p:ph idx="1"/>
           </p:nvPr>
-        </p:nvPicPr>
-        <p:blipFill>
-          <a:blip r:embed="rId2"/>
-          <a:stretch>
-            <a:fillRect/>
-          </a:stretch>
-        </p:blipFill>
-        <p:spPr>
-          <a:xfrm>
-            <a:off x="4900613" y="1963000"/>
-            <a:ext cx="6651625" cy="3092338"/>
-          </a:xfrm>
-        </p:spPr>
-      </p:pic>
+        </p:nvSpPr>
+        <p:spPr/>
+        <p:txBody>
+          <a:bodyPr/>
+          <a:lstStyle/>
+          <a:p>
+            <a:r>
+              <a:rPr lang="en-GB" dirty="0"/>
+              <a:t>Command and Query Responsibility Segregation (CQRS)</a:t>
+            </a:r>
+          </a:p>
+          <a:p>
+            <a:r>
+              <a:rPr lang="en-GB" dirty="0"/>
+              <a:t>Vertical Slices Architecture</a:t>
+            </a:r>
+          </a:p>
+          <a:p>
+            <a:r>
+              <a:rPr lang="en-GB" dirty="0" err="1"/>
+              <a:t>MediatR</a:t>
+            </a:r>
+            <a:r>
+              <a:rPr lang="en-GB" dirty="0"/>
+              <a:t> supports 3 different messaging strategies</a:t>
+            </a:r>
+          </a:p>
+          <a:p>
+            <a:r>
+              <a:rPr lang="en-GB" dirty="0"/>
+              <a:t>Pub/sub approach – .Publish()</a:t>
+            </a:r>
+          </a:p>
+          <a:p>
+            <a:r>
+              <a:rPr lang="en-GB" dirty="0"/>
+              <a:t>Streaming of </a:t>
+            </a:r>
+            <a:r>
+              <a:rPr lang="en-GB" dirty="0" err="1"/>
+              <a:t>IAsyncEnumerable</a:t>
+            </a:r>
+            <a:r>
+              <a:rPr lang="en-GB" dirty="0"/>
+              <a:t> - .</a:t>
+            </a:r>
+            <a:r>
+              <a:rPr lang="en-GB" dirty="0" err="1"/>
+              <a:t>CreateStream</a:t>
+            </a:r>
+            <a:r>
+              <a:rPr lang="en-GB" dirty="0"/>
+              <a:t>()</a:t>
+            </a:r>
+          </a:p>
+          <a:p>
+            <a:endParaRPr lang="en-GB" dirty="0"/>
+          </a:p>
+          <a:p>
+            <a:endParaRPr lang="en-US" dirty="0"/>
+          </a:p>
+        </p:txBody>
+      </p:sp>
     </p:spTree>
     <p:extLst>
       <p:ext uri="{BB962C8B-B14F-4D97-AF65-F5344CB8AC3E}">
@@ -4981,6 +7557,284 @@
   <p:clrMapOvr>
     <a:masterClrMapping/>
   </p:clrMapOvr>
+  <p:timing>
+    <p:tnLst>
+      <p:par>
+        <p:cTn id="1" dur="indefinite" restart="never" nodeType="tmRoot">
+          <p:childTnLst>
+            <p:seq concurrent="1" nextAc="seek">
+              <p:cTn id="2" dur="indefinite" nodeType="mainSeq">
+                <p:childTnLst>
+                  <p:par>
+                    <p:cTn id="3" fill="hold">
+                      <p:stCondLst>
+                        <p:cond delay="indefinite"/>
+                      </p:stCondLst>
+                      <p:childTnLst>
+                        <p:par>
+                          <p:cTn id="4" fill="hold">
+                            <p:stCondLst>
+                              <p:cond delay="0"/>
+                            </p:stCondLst>
+                            <p:childTnLst>
+                              <p:par>
+                                <p:cTn id="5" presetID="1" presetClass="entr" presetSubtype="0" fill="hold" grpId="0" nodeType="clickEffect">
+                                  <p:stCondLst>
+                                    <p:cond delay="0"/>
+                                  </p:stCondLst>
+                                  <p:childTnLst>
+                                    <p:set>
+                                      <p:cBhvr>
+                                        <p:cTn id="6" dur="1" fill="hold">
+                                          <p:stCondLst>
+                                            <p:cond delay="0"/>
+                                          </p:stCondLst>
+                                        </p:cTn>
+                                        <p:tgtEl>
+                                          <p:spTgt spid="4">
+                                            <p:txEl>
+                                              <p:pRg st="0" end="0"/>
+                                            </p:txEl>
+                                          </p:spTgt>
+                                        </p:tgtEl>
+                                        <p:attrNameLst>
+                                          <p:attrName>style.visibility</p:attrName>
+                                        </p:attrNameLst>
+                                      </p:cBhvr>
+                                      <p:to>
+                                        <p:strVal val="visible"/>
+                                      </p:to>
+                                    </p:set>
+                                  </p:childTnLst>
+                                </p:cTn>
+                              </p:par>
+                            </p:childTnLst>
+                          </p:cTn>
+                        </p:par>
+                      </p:childTnLst>
+                    </p:cTn>
+                  </p:par>
+                  <p:par>
+                    <p:cTn id="7" fill="hold">
+                      <p:stCondLst>
+                        <p:cond delay="indefinite"/>
+                      </p:stCondLst>
+                      <p:childTnLst>
+                        <p:par>
+                          <p:cTn id="8" fill="hold">
+                            <p:stCondLst>
+                              <p:cond delay="0"/>
+                            </p:stCondLst>
+                            <p:childTnLst>
+                              <p:par>
+                                <p:cTn id="9" presetID="1" presetClass="entr" presetSubtype="0" fill="hold" grpId="0" nodeType="clickEffect">
+                                  <p:stCondLst>
+                                    <p:cond delay="0"/>
+                                  </p:stCondLst>
+                                  <p:childTnLst>
+                                    <p:set>
+                                      <p:cBhvr>
+                                        <p:cTn id="10" dur="1" fill="hold">
+                                          <p:stCondLst>
+                                            <p:cond delay="0"/>
+                                          </p:stCondLst>
+                                        </p:cTn>
+                                        <p:tgtEl>
+                                          <p:spTgt spid="4">
+                                            <p:txEl>
+                                              <p:pRg st="1" end="1"/>
+                                            </p:txEl>
+                                          </p:spTgt>
+                                        </p:tgtEl>
+                                        <p:attrNameLst>
+                                          <p:attrName>style.visibility</p:attrName>
+                                        </p:attrNameLst>
+                                      </p:cBhvr>
+                                      <p:to>
+                                        <p:strVal val="visible"/>
+                                      </p:to>
+                                    </p:set>
+                                  </p:childTnLst>
+                                </p:cTn>
+                              </p:par>
+                            </p:childTnLst>
+                          </p:cTn>
+                        </p:par>
+                      </p:childTnLst>
+                    </p:cTn>
+                  </p:par>
+                  <p:par>
+                    <p:cTn id="11" fill="hold">
+                      <p:stCondLst>
+                        <p:cond delay="indefinite"/>
+                      </p:stCondLst>
+                      <p:childTnLst>
+                        <p:par>
+                          <p:cTn id="12" fill="hold">
+                            <p:stCondLst>
+                              <p:cond delay="0"/>
+                            </p:stCondLst>
+                            <p:childTnLst>
+                              <p:par>
+                                <p:cTn id="13" presetID="1" presetClass="entr" presetSubtype="0" fill="hold" grpId="0" nodeType="clickEffect">
+                                  <p:stCondLst>
+                                    <p:cond delay="0"/>
+                                  </p:stCondLst>
+                                  <p:childTnLst>
+                                    <p:set>
+                                      <p:cBhvr>
+                                        <p:cTn id="14" dur="1" fill="hold">
+                                          <p:stCondLst>
+                                            <p:cond delay="0"/>
+                                          </p:stCondLst>
+                                        </p:cTn>
+                                        <p:tgtEl>
+                                          <p:spTgt spid="4">
+                                            <p:txEl>
+                                              <p:pRg st="2" end="2"/>
+                                            </p:txEl>
+                                          </p:spTgt>
+                                        </p:tgtEl>
+                                        <p:attrNameLst>
+                                          <p:attrName>style.visibility</p:attrName>
+                                        </p:attrNameLst>
+                                      </p:cBhvr>
+                                      <p:to>
+                                        <p:strVal val="visible"/>
+                                      </p:to>
+                                    </p:set>
+                                  </p:childTnLst>
+                                </p:cTn>
+                              </p:par>
+                            </p:childTnLst>
+                          </p:cTn>
+                        </p:par>
+                      </p:childTnLst>
+                    </p:cTn>
+                  </p:par>
+                  <p:par>
+                    <p:cTn id="15" fill="hold">
+                      <p:stCondLst>
+                        <p:cond delay="indefinite"/>
+                      </p:stCondLst>
+                      <p:childTnLst>
+                        <p:par>
+                          <p:cTn id="16" fill="hold">
+                            <p:stCondLst>
+                              <p:cond delay="0"/>
+                            </p:stCondLst>
+                            <p:childTnLst>
+                              <p:par>
+                                <p:cTn id="17" presetID="1" presetClass="entr" presetSubtype="0" fill="hold" grpId="0" nodeType="clickEffect">
+                                  <p:stCondLst>
+                                    <p:cond delay="0"/>
+                                  </p:stCondLst>
+                                  <p:childTnLst>
+                                    <p:set>
+                                      <p:cBhvr>
+                                        <p:cTn id="18" dur="1" fill="hold">
+                                          <p:stCondLst>
+                                            <p:cond delay="0"/>
+                                          </p:stCondLst>
+                                        </p:cTn>
+                                        <p:tgtEl>
+                                          <p:spTgt spid="4">
+                                            <p:txEl>
+                                              <p:pRg st="3" end="3"/>
+                                            </p:txEl>
+                                          </p:spTgt>
+                                        </p:tgtEl>
+                                        <p:attrNameLst>
+                                          <p:attrName>style.visibility</p:attrName>
+                                        </p:attrNameLst>
+                                      </p:cBhvr>
+                                      <p:to>
+                                        <p:strVal val="visible"/>
+                                      </p:to>
+                                    </p:set>
+                                  </p:childTnLst>
+                                </p:cTn>
+                              </p:par>
+                            </p:childTnLst>
+                          </p:cTn>
+                        </p:par>
+                      </p:childTnLst>
+                    </p:cTn>
+                  </p:par>
+                  <p:par>
+                    <p:cTn id="19" fill="hold">
+                      <p:stCondLst>
+                        <p:cond delay="indefinite"/>
+                      </p:stCondLst>
+                      <p:childTnLst>
+                        <p:par>
+                          <p:cTn id="20" fill="hold">
+                            <p:stCondLst>
+                              <p:cond delay="0"/>
+                            </p:stCondLst>
+                            <p:childTnLst>
+                              <p:par>
+                                <p:cTn id="21" presetID="1" presetClass="entr" presetSubtype="0" fill="hold" grpId="0" nodeType="clickEffect">
+                                  <p:stCondLst>
+                                    <p:cond delay="0"/>
+                                  </p:stCondLst>
+                                  <p:childTnLst>
+                                    <p:set>
+                                      <p:cBhvr>
+                                        <p:cTn id="22" dur="1" fill="hold">
+                                          <p:stCondLst>
+                                            <p:cond delay="0"/>
+                                          </p:stCondLst>
+                                        </p:cTn>
+                                        <p:tgtEl>
+                                          <p:spTgt spid="4">
+                                            <p:txEl>
+                                              <p:pRg st="4" end="4"/>
+                                            </p:txEl>
+                                          </p:spTgt>
+                                        </p:tgtEl>
+                                        <p:attrNameLst>
+                                          <p:attrName>style.visibility</p:attrName>
+                                        </p:attrNameLst>
+                                      </p:cBhvr>
+                                      <p:to>
+                                        <p:strVal val="visible"/>
+                                      </p:to>
+                                    </p:set>
+                                  </p:childTnLst>
+                                </p:cTn>
+                              </p:par>
+                            </p:childTnLst>
+                          </p:cTn>
+                        </p:par>
+                      </p:childTnLst>
+                    </p:cTn>
+                  </p:par>
+                </p:childTnLst>
+              </p:cTn>
+              <p:prevCondLst>
+                <p:cond evt="onPrev" delay="0">
+                  <p:tgtEl>
+                    <p:sldTgt/>
+                  </p:tgtEl>
+                </p:cond>
+              </p:prevCondLst>
+              <p:nextCondLst>
+                <p:cond evt="onNext" delay="0">
+                  <p:tgtEl>
+                    <p:sldTgt/>
+                  </p:tgtEl>
+                </p:cond>
+              </p:nextCondLst>
+            </p:seq>
+          </p:childTnLst>
+        </p:cTn>
+      </p:par>
+    </p:tnLst>
+    <p:bldLst>
+      <p:bldP spid="4" grpId="0" build="p"/>
+    </p:bldLst>
+  </p:timing>
 </p:sld>
 </file>
 
@@ -5006,7 +7860,7 @@
           <p:cNvPr id="2" name="Title 1">
             <a:extLst>
               <a:ext uri="{FF2B5EF4-FFF2-40B4-BE49-F238E27FC236}">
-                <a16:creationId xmlns:a16="http://schemas.microsoft.com/office/drawing/2014/main" id="{84EA4B1D-42C9-458E-B254-E6163A4BE800}"/>
+                <a16:creationId xmlns:a16="http://schemas.microsoft.com/office/drawing/2014/main" id="{3F8AFC43-9CA8-264B-BB41-B199A9F2E5A4}"/>
               </a:ext>
             </a:extLst>
           </p:cNvPr>
@@ -5023,18 +7877,18 @@
           <a:lstStyle/>
           <a:p>
             <a:r>
-              <a:rPr lang="en-GB" dirty="0"/>
-              <a:t>Problems with standard approach</a:t>
-            </a:r>
-          </a:p>
-        </p:txBody>
-      </p:sp>
-      <p:sp>
-        <p:nvSpPr>
-          <p:cNvPr id="3" name="Content Placeholder 2">
+              <a:rPr lang="en-US" dirty="0"/>
+              <a:t>So what is it about?</a:t>
+            </a:r>
+          </a:p>
+        </p:txBody>
+      </p:sp>
+      <p:sp>
+        <p:nvSpPr>
+          <p:cNvPr id="3" name="Text Placeholder 2">
             <a:extLst>
               <a:ext uri="{FF2B5EF4-FFF2-40B4-BE49-F238E27FC236}">
-                <a16:creationId xmlns:a16="http://schemas.microsoft.com/office/drawing/2014/main" id="{E044D8DF-A5F2-48DB-A4AB-F779299F3961}"/>
+                <a16:creationId xmlns:a16="http://schemas.microsoft.com/office/drawing/2014/main" id="{0DFFFA0E-306D-A3D2-0027-E4546FEFB991}"/>
               </a:ext>
             </a:extLst>
           </p:cNvPr>
@@ -5042,7 +7896,7 @@
             <a:spLocks noGrp="1"/>
           </p:cNvSpPr>
           <p:nvPr>
-            <p:ph idx="1"/>
+            <p:ph type="body" idx="1"/>
           </p:nvPr>
         </p:nvSpPr>
         <p:spPr/>
@@ -5051,20 +7905,8 @@
           <a:lstStyle/>
           <a:p>
             <a:r>
-              <a:rPr lang="en-GB" dirty="0"/>
-              <a:t>Extending functionality – Open/Close Principle</a:t>
-            </a:r>
-          </a:p>
-          <a:p>
-            <a:r>
-              <a:rPr lang="en-GB" dirty="0"/>
-              <a:t>Single Responsibility Principle </a:t>
-            </a:r>
-          </a:p>
-          <a:p>
-            <a:r>
-              <a:rPr lang="en-GB" dirty="0"/>
-              <a:t>Interface Segregation Principle</a:t>
+              <a:rPr lang="en-US" dirty="0"/>
+              <a:t>One-to-one mapping - .Send()</a:t>
             </a:r>
           </a:p>
         </p:txBody>
@@ -5072,19 +7914,109 @@
     </p:spTree>
     <p:extLst>
       <p:ext uri="{BB962C8B-B14F-4D97-AF65-F5344CB8AC3E}">
-        <p14:creationId xmlns:p14="http://schemas.microsoft.com/office/powerpoint/2010/main" val="1603285994"/>
+        <p14:creationId xmlns:p14="http://schemas.microsoft.com/office/powerpoint/2010/main" val="2850396089"/>
       </p:ext>
     </p:extLst>
   </p:cSld>
   <p:clrMapOvr>
     <a:masterClrMapping/>
   </p:clrMapOvr>
+  <p:timing>
+    <p:tnLst>
+      <p:par>
+        <p:cTn id="1" dur="indefinite" restart="never" nodeType="tmRoot">
+          <p:childTnLst>
+            <p:seq concurrent="1" nextAc="seek">
+              <p:cTn id="2" dur="indefinite" nodeType="mainSeq">
+                <p:childTnLst>
+                  <p:par>
+                    <p:cTn id="3" fill="hold">
+                      <p:stCondLst>
+                        <p:cond delay="indefinite"/>
+                      </p:stCondLst>
+                      <p:childTnLst>
+                        <p:par>
+                          <p:cTn id="4" fill="hold">
+                            <p:stCondLst>
+                              <p:cond delay="0"/>
+                            </p:stCondLst>
+                            <p:childTnLst>
+                              <p:par>
+                                <p:cTn id="5" presetID="1" presetClass="entr" presetSubtype="0" fill="hold" grpId="0" nodeType="clickEffect">
+                                  <p:stCondLst>
+                                    <p:cond delay="0"/>
+                                  </p:stCondLst>
+                                  <p:childTnLst>
+                                    <p:set>
+                                      <p:cBhvr>
+                                        <p:cTn id="6" dur="1" fill="hold">
+                                          <p:stCondLst>
+                                            <p:cond delay="0"/>
+                                          </p:stCondLst>
+                                        </p:cTn>
+                                        <p:tgtEl>
+                                          <p:spTgt spid="3">
+                                            <p:txEl>
+                                              <p:pRg st="0" end="0"/>
+                                            </p:txEl>
+                                          </p:spTgt>
+                                        </p:tgtEl>
+                                        <p:attrNameLst>
+                                          <p:attrName>style.visibility</p:attrName>
+                                        </p:attrNameLst>
+                                      </p:cBhvr>
+                                      <p:to>
+                                        <p:strVal val="visible"/>
+                                      </p:to>
+                                    </p:set>
+                                  </p:childTnLst>
+                                </p:cTn>
+                              </p:par>
+                            </p:childTnLst>
+                          </p:cTn>
+                        </p:par>
+                      </p:childTnLst>
+                    </p:cTn>
+                  </p:par>
+                </p:childTnLst>
+              </p:cTn>
+              <p:prevCondLst>
+                <p:cond evt="onPrev" delay="0">
+                  <p:tgtEl>
+                    <p:sldTgt/>
+                  </p:tgtEl>
+                </p:cond>
+              </p:prevCondLst>
+              <p:nextCondLst>
+                <p:cond evt="onNext" delay="0">
+                  <p:tgtEl>
+                    <p:sldTgt/>
+                  </p:tgtEl>
+                </p:cond>
+              </p:nextCondLst>
+            </p:seq>
+          </p:childTnLst>
+        </p:cTn>
+      </p:par>
+    </p:tnLst>
+    <p:bldLst>
+      <p:bldP spid="3" grpId="0" build="p"/>
+    </p:bldLst>
+  </p:timing>
 </p:sld>
 </file>
 
 <file path=ppt/slides/slide6.xml><?xml version="1.0" encoding="utf-8"?>
 <p:sld xmlns:a="http://schemas.openxmlformats.org/drawingml/2006/main" xmlns:r="http://schemas.openxmlformats.org/officeDocument/2006/relationships" xmlns:p="http://schemas.openxmlformats.org/presentationml/2006/main">
   <p:cSld>
+    <p:bg>
+      <p:bgPr>
+        <a:solidFill>
+          <a:schemeClr val="bg1"/>
+        </a:solidFill>
+        <a:effectLst/>
+      </p:bgPr>
+    </p:bg>
     <p:spTree>
       <p:nvGrpSpPr>
         <p:cNvPr id="1" name=""/>
@@ -5101,10 +8033,451 @@
       </p:grpSpPr>
       <p:sp>
         <p:nvSpPr>
+          <p:cNvPr id="10" name="Rectangle 9">
+            <a:extLst>
+              <a:ext uri="{FF2B5EF4-FFF2-40B4-BE49-F238E27FC236}">
+                <a16:creationId xmlns:a16="http://schemas.microsoft.com/office/drawing/2014/main" id="{DD651B61-325E-4E73-8445-38B0DE8AAAB6}"/>
+              </a:ext>
+              <a:ext uri="{C183D7F6-B498-43B3-948B-1728B52AA6E4}">
+                <adec:decorative xmlns:adec="http://schemas.microsoft.com/office/drawing/2017/decorative" val="1"/>
+              </a:ext>
+            </a:extLst>
+          </p:cNvPr>
+          <p:cNvSpPr>
+            <a:spLocks noGrp="1" noRot="1" noChangeAspect="1" noMove="1" noResize="1" noEditPoints="1" noAdjustHandles="1" noChangeArrowheads="1" noChangeShapeType="1" noTextEdit="1"/>
+          </p:cNvSpPr>
+          <p:nvPr>
+            <p:extLst>
+              <p:ext uri="{386F3935-93C4-4BCD-93E2-E3B085C9AB24}">
+                <p16:designElem xmlns:p16="http://schemas.microsoft.com/office/powerpoint/2015/main" val="1"/>
+              </p:ext>
+            </p:extLst>
+          </p:nvPr>
+        </p:nvSpPr>
+        <p:spPr>
+          <a:xfrm>
+            <a:off x="446534" y="457200"/>
+            <a:ext cx="3703320" cy="94997"/>
+          </a:xfrm>
+          <a:prstGeom prst="rect">
+            <a:avLst/>
+          </a:prstGeom>
+          <a:solidFill>
+            <a:srgbClr val="465359"/>
+          </a:solidFill>
+          <a:ln>
+            <a:noFill/>
+          </a:ln>
+          <a:effectLst/>
+        </p:spPr>
+        <p:style>
+          <a:lnRef idx="1">
+            <a:schemeClr val="accent1"/>
+          </a:lnRef>
+          <a:fillRef idx="3">
+            <a:schemeClr val="accent1"/>
+          </a:fillRef>
+          <a:effectRef idx="2">
+            <a:schemeClr val="accent1"/>
+          </a:effectRef>
+          <a:fontRef idx="minor">
+            <a:schemeClr val="lt1"/>
+          </a:fontRef>
+        </p:style>
+      </p:sp>
+      <p:sp>
+        <p:nvSpPr>
+          <p:cNvPr id="12" name="Rectangle 11">
+            <a:extLst>
+              <a:ext uri="{FF2B5EF4-FFF2-40B4-BE49-F238E27FC236}">
+                <a16:creationId xmlns:a16="http://schemas.microsoft.com/office/drawing/2014/main" id="{B42E5253-D3AC-4AC2-B766-8B34F13C2F5E}"/>
+              </a:ext>
+              <a:ext uri="{C183D7F6-B498-43B3-948B-1728B52AA6E4}">
+                <adec:decorative xmlns:adec="http://schemas.microsoft.com/office/drawing/2017/decorative" val="1"/>
+              </a:ext>
+            </a:extLst>
+          </p:cNvPr>
+          <p:cNvSpPr>
+            <a:spLocks noGrp="1" noRot="1" noChangeAspect="1" noMove="1" noResize="1" noEditPoints="1" noAdjustHandles="1" noChangeArrowheads="1" noChangeShapeType="1" noTextEdit="1"/>
+          </p:cNvSpPr>
+          <p:nvPr>
+            <p:extLst>
+              <p:ext uri="{386F3935-93C4-4BCD-93E2-E3B085C9AB24}">
+                <p16:designElem xmlns:p16="http://schemas.microsoft.com/office/powerpoint/2015/main" val="1"/>
+              </p:ext>
+            </p:extLst>
+          </p:nvPr>
+        </p:nvSpPr>
+        <p:spPr>
+          <a:xfrm>
+            <a:off x="8042147" y="453643"/>
+            <a:ext cx="3703320" cy="98554"/>
+          </a:xfrm>
+          <a:prstGeom prst="rect">
+            <a:avLst/>
+          </a:prstGeom>
+          <a:solidFill>
+            <a:srgbClr val="969FA7"/>
+          </a:solidFill>
+          <a:ln>
+            <a:noFill/>
+          </a:ln>
+          <a:effectLst/>
+        </p:spPr>
+        <p:style>
+          <a:lnRef idx="1">
+            <a:schemeClr val="accent1"/>
+          </a:lnRef>
+          <a:fillRef idx="3">
+            <a:schemeClr val="accent1"/>
+          </a:fillRef>
+          <a:effectRef idx="2">
+            <a:schemeClr val="accent1"/>
+          </a:effectRef>
+          <a:fontRef idx="minor">
+            <a:schemeClr val="lt1"/>
+          </a:fontRef>
+        </p:style>
+      </p:sp>
+      <p:sp>
+        <p:nvSpPr>
+          <p:cNvPr id="14" name="Rectangle 13">
+            <a:extLst>
+              <a:ext uri="{FF2B5EF4-FFF2-40B4-BE49-F238E27FC236}">
+                <a16:creationId xmlns:a16="http://schemas.microsoft.com/office/drawing/2014/main" id="{10AE8D57-436A-4073-9A75-15BB5949F8B4}"/>
+              </a:ext>
+              <a:ext uri="{C183D7F6-B498-43B3-948B-1728B52AA6E4}">
+                <adec:decorative xmlns:adec="http://schemas.microsoft.com/office/drawing/2017/decorative" val="1"/>
+              </a:ext>
+            </a:extLst>
+          </p:cNvPr>
+          <p:cNvSpPr>
+            <a:spLocks noGrp="1" noRot="1" noChangeAspect="1" noMove="1" noResize="1" noEditPoints="1" noAdjustHandles="1" noChangeArrowheads="1" noChangeShapeType="1" noTextEdit="1"/>
+          </p:cNvSpPr>
+          <p:nvPr>
+            <p:extLst>
+              <p:ext uri="{386F3935-93C4-4BCD-93E2-E3B085C9AB24}">
+                <p16:designElem xmlns:p16="http://schemas.microsoft.com/office/powerpoint/2015/main" val="1"/>
+              </p:ext>
+            </p:extLst>
+          </p:nvPr>
+        </p:nvSpPr>
+        <p:spPr>
+          <a:xfrm>
+            <a:off x="4241830" y="457200"/>
+            <a:ext cx="3703320" cy="91440"/>
+          </a:xfrm>
+          <a:prstGeom prst="rect">
+            <a:avLst/>
+          </a:prstGeom>
+          <a:solidFill>
+            <a:schemeClr val="accent1"/>
+          </a:solidFill>
+          <a:ln>
+            <a:noFill/>
+          </a:ln>
+          <a:effectLst/>
+        </p:spPr>
+        <p:style>
+          <a:lnRef idx="1">
+            <a:schemeClr val="accent1"/>
+          </a:lnRef>
+          <a:fillRef idx="3">
+            <a:schemeClr val="accent1"/>
+          </a:fillRef>
+          <a:effectRef idx="2">
+            <a:schemeClr val="accent1"/>
+          </a:effectRef>
+          <a:fontRef idx="minor">
+            <a:schemeClr val="lt1"/>
+          </a:fontRef>
+        </p:style>
+      </p:sp>
+      <p:sp>
+        <p:nvSpPr>
+          <p:cNvPr id="16" name="Rectangle 15">
+            <a:extLst>
+              <a:ext uri="{FF2B5EF4-FFF2-40B4-BE49-F238E27FC236}">
+                <a16:creationId xmlns:a16="http://schemas.microsoft.com/office/drawing/2014/main" id="{E9751CB9-7B25-4EB8-9A6F-82F822549F12}"/>
+              </a:ext>
+              <a:ext uri="{C183D7F6-B498-43B3-948B-1728B52AA6E4}">
+                <adec:decorative xmlns:adec="http://schemas.microsoft.com/office/drawing/2017/decorative" val="1"/>
+              </a:ext>
+            </a:extLst>
+          </p:cNvPr>
+          <p:cNvSpPr>
+            <a:spLocks noGrp="1" noRot="1" noChangeAspect="1" noMove="1" noResize="1" noEditPoints="1" noAdjustHandles="1" noChangeArrowheads="1" noChangeShapeType="1" noTextEdit="1"/>
+          </p:cNvSpPr>
+          <p:nvPr>
+            <p:extLst>
+              <p:ext uri="{386F3935-93C4-4BCD-93E2-E3B085C9AB24}">
+                <p16:designElem xmlns:p16="http://schemas.microsoft.com/office/powerpoint/2015/main" val="1"/>
+              </p:ext>
+            </p:extLst>
+          </p:nvPr>
+        </p:nvSpPr>
+        <p:spPr>
+          <a:xfrm>
+            <a:off x="0" y="0"/>
+            <a:ext cx="12192000" cy="6858000"/>
+          </a:xfrm>
+          <a:prstGeom prst="rect">
+            <a:avLst/>
+          </a:prstGeom>
+          <a:solidFill>
+            <a:srgbClr val="FFFFFF"/>
+          </a:solidFill>
+          <a:ln>
+            <a:noFill/>
+          </a:ln>
+        </p:spPr>
+        <p:style>
+          <a:lnRef idx="2">
+            <a:schemeClr val="accent1">
+              <a:shade val="50000"/>
+            </a:schemeClr>
+          </a:lnRef>
+          <a:fillRef idx="1">
+            <a:schemeClr val="accent1"/>
+          </a:fillRef>
+          <a:effectRef idx="0">
+            <a:schemeClr val="accent1"/>
+          </a:effectRef>
+          <a:fontRef idx="minor">
+            <a:schemeClr val="lt1"/>
+          </a:fontRef>
+        </p:style>
+        <p:txBody>
+          <a:bodyPr rtlCol="0" anchor="ctr"/>
+          <a:lstStyle/>
+          <a:p>
+            <a:pPr algn="ctr"/>
+            <a:endParaRPr lang="en-US"/>
+          </a:p>
+        </p:txBody>
+      </p:sp>
+      <p:sp>
+        <p:nvSpPr>
+          <p:cNvPr id="18" name="Rectangle 17">
+            <a:extLst>
+              <a:ext uri="{FF2B5EF4-FFF2-40B4-BE49-F238E27FC236}">
+                <a16:creationId xmlns:a16="http://schemas.microsoft.com/office/drawing/2014/main" id="{E1317383-CF3B-4B02-9512-BECBEF6362A4}"/>
+              </a:ext>
+              <a:ext uri="{C183D7F6-B498-43B3-948B-1728B52AA6E4}">
+                <adec:decorative xmlns:adec="http://schemas.microsoft.com/office/drawing/2017/decorative" val="1"/>
+              </a:ext>
+            </a:extLst>
+          </p:cNvPr>
+          <p:cNvSpPr>
+            <a:spLocks noGrp="1" noRot="1" noChangeAspect="1" noMove="1" noResize="1" noEditPoints="1" noAdjustHandles="1" noChangeArrowheads="1" noChangeShapeType="1" noTextEdit="1"/>
+          </p:cNvSpPr>
+          <p:nvPr>
+            <p:extLst>
+              <p:ext uri="{386F3935-93C4-4BCD-93E2-E3B085C9AB24}">
+                <p16:designElem xmlns:p16="http://schemas.microsoft.com/office/powerpoint/2015/main" val="1"/>
+              </p:ext>
+            </p:extLst>
+          </p:nvPr>
+        </p:nvSpPr>
+        <p:spPr>
+          <a:xfrm>
+            <a:off x="446534" y="457200"/>
+            <a:ext cx="3703320" cy="94997"/>
+          </a:xfrm>
+          <a:prstGeom prst="rect">
+            <a:avLst/>
+          </a:prstGeom>
+          <a:solidFill>
+            <a:srgbClr val="465359"/>
+          </a:solidFill>
+          <a:ln>
+            <a:noFill/>
+          </a:ln>
+          <a:effectLst/>
+        </p:spPr>
+        <p:style>
+          <a:lnRef idx="1">
+            <a:schemeClr val="accent1"/>
+          </a:lnRef>
+          <a:fillRef idx="3">
+            <a:schemeClr val="accent1"/>
+          </a:fillRef>
+          <a:effectRef idx="2">
+            <a:schemeClr val="accent1"/>
+          </a:effectRef>
+          <a:fontRef idx="minor">
+            <a:schemeClr val="lt1"/>
+          </a:fontRef>
+        </p:style>
+      </p:sp>
+      <p:sp>
+        <p:nvSpPr>
+          <p:cNvPr id="20" name="Rectangle 19">
+            <a:extLst>
+              <a:ext uri="{FF2B5EF4-FFF2-40B4-BE49-F238E27FC236}">
+                <a16:creationId xmlns:a16="http://schemas.microsoft.com/office/drawing/2014/main" id="{B1D4C7A0-6DF2-4F2D-A45D-F111582974C7}"/>
+              </a:ext>
+              <a:ext uri="{C183D7F6-B498-43B3-948B-1728B52AA6E4}">
+                <adec:decorative xmlns:adec="http://schemas.microsoft.com/office/drawing/2017/decorative" val="1"/>
+              </a:ext>
+            </a:extLst>
+          </p:cNvPr>
+          <p:cNvSpPr>
+            <a:spLocks noGrp="1" noRot="1" noChangeAspect="1" noMove="1" noResize="1" noEditPoints="1" noAdjustHandles="1" noChangeArrowheads="1" noChangeShapeType="1" noTextEdit="1"/>
+          </p:cNvSpPr>
+          <p:nvPr>
+            <p:extLst>
+              <p:ext uri="{386F3935-93C4-4BCD-93E2-E3B085C9AB24}">
+                <p16:designElem xmlns:p16="http://schemas.microsoft.com/office/powerpoint/2015/main" val="1"/>
+              </p:ext>
+            </p:extLst>
+          </p:nvPr>
+        </p:nvSpPr>
+        <p:spPr>
+          <a:xfrm>
+            <a:off x="4241830" y="457200"/>
+            <a:ext cx="3703320" cy="91440"/>
+          </a:xfrm>
+          <a:prstGeom prst="rect">
+            <a:avLst/>
+          </a:prstGeom>
+          <a:solidFill>
+            <a:schemeClr val="accent1"/>
+          </a:solidFill>
+          <a:ln>
+            <a:noFill/>
+          </a:ln>
+          <a:effectLst/>
+        </p:spPr>
+        <p:style>
+          <a:lnRef idx="1">
+            <a:schemeClr val="accent1"/>
+          </a:lnRef>
+          <a:fillRef idx="3">
+            <a:schemeClr val="accent1"/>
+          </a:fillRef>
+          <a:effectRef idx="2">
+            <a:schemeClr val="accent1"/>
+          </a:effectRef>
+          <a:fontRef idx="minor">
+            <a:schemeClr val="lt1"/>
+          </a:fontRef>
+        </p:style>
+      </p:sp>
+      <p:sp>
+        <p:nvSpPr>
+          <p:cNvPr id="22" name="Rectangle 21">
+            <a:extLst>
+              <a:ext uri="{FF2B5EF4-FFF2-40B4-BE49-F238E27FC236}">
+                <a16:creationId xmlns:a16="http://schemas.microsoft.com/office/drawing/2014/main" id="{DBF3943D-BCB6-4B31-809D-A005686483B4}"/>
+              </a:ext>
+              <a:ext uri="{C183D7F6-B498-43B3-948B-1728B52AA6E4}">
+                <adec:decorative xmlns:adec="http://schemas.microsoft.com/office/drawing/2017/decorative" val="1"/>
+              </a:ext>
+            </a:extLst>
+          </p:cNvPr>
+          <p:cNvSpPr>
+            <a:spLocks noGrp="1" noRot="1" noChangeAspect="1" noMove="1" noResize="1" noEditPoints="1" noAdjustHandles="1" noChangeArrowheads="1" noChangeShapeType="1" noTextEdit="1"/>
+          </p:cNvSpPr>
+          <p:nvPr>
+            <p:extLst>
+              <p:ext uri="{386F3935-93C4-4BCD-93E2-E3B085C9AB24}">
+                <p16:designElem xmlns:p16="http://schemas.microsoft.com/office/powerpoint/2015/main" val="1"/>
+              </p:ext>
+            </p:extLst>
+          </p:nvPr>
+        </p:nvSpPr>
+        <p:spPr>
+          <a:xfrm>
+            <a:off x="8042147" y="453643"/>
+            <a:ext cx="3703320" cy="98554"/>
+          </a:xfrm>
+          <a:prstGeom prst="rect">
+            <a:avLst/>
+          </a:prstGeom>
+          <a:solidFill>
+            <a:srgbClr val="969FA7"/>
+          </a:solidFill>
+          <a:ln>
+            <a:noFill/>
+          </a:ln>
+          <a:effectLst/>
+        </p:spPr>
+        <p:style>
+          <a:lnRef idx="1">
+            <a:schemeClr val="accent1"/>
+          </a:lnRef>
+          <a:fillRef idx="3">
+            <a:schemeClr val="accent1"/>
+          </a:fillRef>
+          <a:effectRef idx="2">
+            <a:schemeClr val="accent1"/>
+          </a:effectRef>
+          <a:fontRef idx="minor">
+            <a:schemeClr val="lt1"/>
+          </a:fontRef>
+        </p:style>
+      </p:sp>
+      <p:sp>
+        <p:nvSpPr>
+          <p:cNvPr id="24" name="Rectangle 23">
+            <a:extLst>
+              <a:ext uri="{FF2B5EF4-FFF2-40B4-BE49-F238E27FC236}">
+                <a16:creationId xmlns:a16="http://schemas.microsoft.com/office/drawing/2014/main" id="{39373A6F-2E1F-4613-8E1D-D68057D29F31}"/>
+              </a:ext>
+              <a:ext uri="{C183D7F6-B498-43B3-948B-1728B52AA6E4}">
+                <adec:decorative xmlns:adec="http://schemas.microsoft.com/office/drawing/2017/decorative" val="1"/>
+              </a:ext>
+            </a:extLst>
+          </p:cNvPr>
+          <p:cNvSpPr>
+            <a:spLocks noGrp="1" noRot="1" noChangeAspect="1" noMove="1" noResize="1" noEditPoints="1" noAdjustHandles="1" noChangeArrowheads="1" noChangeShapeType="1" noTextEdit="1"/>
+          </p:cNvSpPr>
+          <p:nvPr>
+            <p:extLst>
+              <p:ext uri="{386F3935-93C4-4BCD-93E2-E3B085C9AB24}">
+                <p16:designElem xmlns:p16="http://schemas.microsoft.com/office/powerpoint/2015/main" val="1"/>
+              </p:ext>
+            </p:extLst>
+          </p:nvPr>
+        </p:nvSpPr>
+        <p:spPr>
+          <a:xfrm>
+            <a:off x="442377" y="601200"/>
+            <a:ext cx="3707477" cy="5624979"/>
+          </a:xfrm>
+          <a:prstGeom prst="rect">
+            <a:avLst/>
+          </a:prstGeom>
+          <a:solidFill>
+            <a:srgbClr val="465359"/>
+          </a:solidFill>
+          <a:ln>
+            <a:noFill/>
+          </a:ln>
+          <a:effectLst/>
+        </p:spPr>
+        <p:style>
+          <a:lnRef idx="1">
+            <a:schemeClr val="accent1"/>
+          </a:lnRef>
+          <a:fillRef idx="3">
+            <a:schemeClr val="accent1"/>
+          </a:fillRef>
+          <a:effectRef idx="2">
+            <a:schemeClr val="accent1"/>
+          </a:effectRef>
+          <a:fontRef idx="minor">
+            <a:schemeClr val="lt1"/>
+          </a:fontRef>
+        </p:style>
+      </p:sp>
+      <p:sp>
+        <p:nvSpPr>
           <p:cNvPr id="2" name="Title 1">
             <a:extLst>
               <a:ext uri="{FF2B5EF4-FFF2-40B4-BE49-F238E27FC236}">
-                <a16:creationId xmlns:a16="http://schemas.microsoft.com/office/drawing/2014/main" id="{D8054547-6F02-4CBF-9E65-F357E0ED0DDD}"/>
+                <a16:creationId xmlns:a16="http://schemas.microsoft.com/office/drawing/2014/main" id="{BA7641F2-1934-43C1-B040-C36288CA19FF}"/>
               </a:ext>
             </a:extLst>
           </p:cNvPr>
@@ -5112,27 +8485,34 @@
             <a:spLocks noGrp="1"/>
           </p:cNvSpPr>
           <p:nvPr>
-            <p:ph type="ctrTitle"/>
-          </p:nvPr>
-        </p:nvSpPr>
-        <p:spPr/>
-        <p:txBody>
-          <a:bodyPr/>
+            <p:ph type="title"/>
+          </p:nvPr>
+        </p:nvSpPr>
+        <p:spPr>
+          <a:xfrm>
+            <a:off x="601255" y="702155"/>
+            <a:ext cx="3409783" cy="1300365"/>
+          </a:xfrm>
+        </p:spPr>
+        <p:txBody>
+          <a:bodyPr vert="horz" lIns="91440" tIns="45720" rIns="91440" bIns="45720" rtlCol="0" anchor="b">
+            <a:normAutofit/>
+          </a:bodyPr>
           <a:lstStyle/>
           <a:p>
             <a:r>
-              <a:rPr lang="en-GB" dirty="0"/>
-              <a:t>Solution…</a:t>
-            </a:r>
-          </a:p>
-        </p:txBody>
-      </p:sp>
-      <p:sp>
-        <p:nvSpPr>
-          <p:cNvPr id="3" name="Subtitle 2">
+              <a:rPr lang="en-US" sz="2800"/>
+              <a:t>Standard approach</a:t>
+            </a:r>
+          </a:p>
+        </p:txBody>
+      </p:sp>
+      <p:sp>
+        <p:nvSpPr>
+          <p:cNvPr id="4" name="Content Placeholder 3">
             <a:extLst>
               <a:ext uri="{FF2B5EF4-FFF2-40B4-BE49-F238E27FC236}">
-                <a16:creationId xmlns:a16="http://schemas.microsoft.com/office/drawing/2014/main" id="{1B1B27A5-23B0-450F-A0D2-1C8B3E5D664C}"/>
+                <a16:creationId xmlns:a16="http://schemas.microsoft.com/office/drawing/2014/main" id="{B9319B30-DBB8-E143-5188-34E7C38E6D2E}"/>
               </a:ext>
             </a:extLst>
           </p:cNvPr>
@@ -5140,28 +8520,199 @@
             <a:spLocks noGrp="1"/>
           </p:cNvSpPr>
           <p:nvPr>
-            <p:ph type="subTitle" idx="1"/>
-          </p:nvPr>
-        </p:nvSpPr>
-        <p:spPr/>
-        <p:txBody>
-          <a:bodyPr/>
+            <p:ph idx="1"/>
+          </p:nvPr>
+        </p:nvSpPr>
+        <p:spPr>
+          <a:xfrm>
+            <a:off x="601255" y="2177142"/>
+            <a:ext cx="3409782" cy="3823607"/>
+          </a:xfrm>
+        </p:spPr>
+        <p:txBody>
+          <a:bodyPr vert="horz" lIns="91440" tIns="45720" rIns="91440" bIns="45720" rtlCol="0" anchor="ctr">
+            <a:normAutofit/>
+          </a:bodyPr>
           <a:lstStyle/>
           <a:p>
-            <a:endParaRPr lang="en-GB"/>
-          </a:p>
-        </p:txBody>
-      </p:sp>
+            <a:r>
+              <a:rPr lang="en-US" dirty="0">
+                <a:solidFill>
+                  <a:srgbClr val="FFFFFF"/>
+                </a:solidFill>
+              </a:rPr>
+              <a:t>Domain Driven Design dictates how well this approach will work over the coming months of developing new solution</a:t>
+            </a:r>
+          </a:p>
+        </p:txBody>
+      </p:sp>
+      <p:pic>
+        <p:nvPicPr>
+          <p:cNvPr id="5" name="Picture 4">
+            <a:extLst>
+              <a:ext uri="{FF2B5EF4-FFF2-40B4-BE49-F238E27FC236}">
+                <a16:creationId xmlns:a16="http://schemas.microsoft.com/office/drawing/2014/main" id="{A6530D88-A026-89A7-D697-B90F7E987774}"/>
+              </a:ext>
+            </a:extLst>
+          </p:cNvPr>
+          <p:cNvPicPr>
+            <a:picLocks noChangeAspect="1"/>
+          </p:cNvPicPr>
+          <p:nvPr/>
+        </p:nvPicPr>
+        <p:blipFill>
+          <a:blip r:embed="rId3"/>
+          <a:stretch>
+            <a:fillRect/>
+          </a:stretch>
+        </p:blipFill>
+        <p:spPr>
+          <a:xfrm>
+            <a:off x="4592231" y="1311067"/>
+            <a:ext cx="6831503" cy="4218453"/>
+          </a:xfrm>
+          <a:prstGeom prst="rect">
+            <a:avLst/>
+          </a:prstGeom>
+        </p:spPr>
+      </p:pic>
     </p:spTree>
     <p:extLst>
       <p:ext uri="{BB962C8B-B14F-4D97-AF65-F5344CB8AC3E}">
-        <p14:creationId xmlns:p14="http://schemas.microsoft.com/office/powerpoint/2010/main" val="4206507385"/>
+        <p14:creationId xmlns:p14="http://schemas.microsoft.com/office/powerpoint/2010/main" val="3274996403"/>
       </p:ext>
     </p:extLst>
   </p:cSld>
   <p:clrMapOvr>
-    <a:masterClrMapping/>
+    <a:overrideClrMapping bg1="dk1" tx1="lt1" bg2="dk2" tx2="lt2" accent1="accent1" accent2="accent2" accent3="accent3" accent4="accent4" accent5="accent5" accent6="accent6" hlink="hlink" folHlink="folHlink"/>
   </p:clrMapOvr>
+  <p:timing>
+    <p:tnLst>
+      <p:par>
+        <p:cTn id="1" dur="indefinite" restart="never" nodeType="tmRoot">
+          <p:childTnLst>
+            <p:seq concurrent="1" nextAc="seek">
+              <p:cTn id="2" dur="indefinite" nodeType="mainSeq">
+                <p:childTnLst>
+                  <p:par>
+                    <p:cTn id="3" fill="hold">
+                      <p:stCondLst>
+                        <p:cond delay="indefinite"/>
+                      </p:stCondLst>
+                      <p:childTnLst>
+                        <p:par>
+                          <p:cTn id="4" fill="hold">
+                            <p:stCondLst>
+                              <p:cond delay="0"/>
+                            </p:stCondLst>
+                            <p:childTnLst>
+                              <p:par>
+                                <p:cTn id="5" presetID="1" presetClass="entr" presetSubtype="0" fill="hold" nodeType="clickEffect">
+                                  <p:stCondLst>
+                                    <p:cond delay="0"/>
+                                  </p:stCondLst>
+                                  <p:childTnLst>
+                                    <p:set>
+                                      <p:cBhvr>
+                                        <p:cTn id="6" dur="1" fill="hold">
+                                          <p:stCondLst>
+                                            <p:cond delay="0"/>
+                                          </p:stCondLst>
+                                        </p:cTn>
+                                        <p:tgtEl>
+                                          <p:spTgt spid="5"/>
+                                        </p:tgtEl>
+                                        <p:attrNameLst>
+                                          <p:attrName>style.visibility</p:attrName>
+                                        </p:attrNameLst>
+                                      </p:cBhvr>
+                                      <p:to>
+                                        <p:strVal val="visible"/>
+                                      </p:to>
+                                    </p:set>
+                                  </p:childTnLst>
+                                </p:cTn>
+                              </p:par>
+                            </p:childTnLst>
+                          </p:cTn>
+                        </p:par>
+                      </p:childTnLst>
+                    </p:cTn>
+                  </p:par>
+                  <p:par>
+                    <p:cTn id="7" fill="hold">
+                      <p:stCondLst>
+                        <p:cond delay="indefinite"/>
+                      </p:stCondLst>
+                      <p:childTnLst>
+                        <p:par>
+                          <p:cTn id="8" fill="hold">
+                            <p:stCondLst>
+                              <p:cond delay="0"/>
+                            </p:stCondLst>
+                            <p:childTnLst>
+                              <p:par>
+                                <p:cTn id="9" presetID="1" presetClass="entr" presetSubtype="0" fill="hold" grpId="0" nodeType="clickEffect">
+                                  <p:stCondLst>
+                                    <p:cond delay="0"/>
+                                  </p:stCondLst>
+                                  <p:childTnLst>
+                                    <p:set>
+                                      <p:cBhvr>
+                                        <p:cTn id="10" dur="1" fill="hold">
+                                          <p:stCondLst>
+                                            <p:cond delay="0"/>
+                                          </p:stCondLst>
+                                        </p:cTn>
+                                        <p:tgtEl>
+                                          <p:spTgt spid="4">
+                                            <p:txEl>
+                                              <p:pRg st="0" end="0"/>
+                                            </p:txEl>
+                                          </p:spTgt>
+                                        </p:tgtEl>
+                                        <p:attrNameLst>
+                                          <p:attrName>style.visibility</p:attrName>
+                                        </p:attrNameLst>
+                                      </p:cBhvr>
+                                      <p:to>
+                                        <p:strVal val="visible"/>
+                                      </p:to>
+                                    </p:set>
+                                  </p:childTnLst>
+                                </p:cTn>
+                              </p:par>
+                            </p:childTnLst>
+                          </p:cTn>
+                        </p:par>
+                      </p:childTnLst>
+                    </p:cTn>
+                  </p:par>
+                </p:childTnLst>
+              </p:cTn>
+              <p:prevCondLst>
+                <p:cond evt="onPrev" delay="0">
+                  <p:tgtEl>
+                    <p:sldTgt/>
+                  </p:tgtEl>
+                </p:cond>
+              </p:prevCondLst>
+              <p:nextCondLst>
+                <p:cond evt="onNext" delay="0">
+                  <p:tgtEl>
+                    <p:sldTgt/>
+                  </p:tgtEl>
+                </p:cond>
+              </p:nextCondLst>
+            </p:seq>
+          </p:childTnLst>
+        </p:cTn>
+      </p:par>
+    </p:tnLst>
+    <p:bldLst>
+      <p:bldP spid="4" grpId="0" build="p"/>
+    </p:bldLst>
+  </p:timing>
 </p:sld>
 </file>
 
@@ -5187,7 +8738,7 @@
           <p:cNvPr id="2" name="Title 1">
             <a:extLst>
               <a:ext uri="{FF2B5EF4-FFF2-40B4-BE49-F238E27FC236}">
-                <a16:creationId xmlns:a16="http://schemas.microsoft.com/office/drawing/2014/main" id="{5E562972-3449-42D1-8185-B4BEFD52AB44}"/>
+                <a16:creationId xmlns:a16="http://schemas.microsoft.com/office/drawing/2014/main" id="{84EA4B1D-42C9-458E-B254-E6163A4BE800}"/>
               </a:ext>
             </a:extLst>
           </p:cNvPr>
@@ -5204,51 +8755,245 @@
           <a:lstStyle/>
           <a:p>
             <a:r>
-              <a:rPr lang="en-US" dirty="0"/>
-              <a:t>Mediator design pattern</a:t>
-            </a:r>
-          </a:p>
-        </p:txBody>
-      </p:sp>
-      <p:pic>
-        <p:nvPicPr>
-          <p:cNvPr id="7" name="Content Placeholder 6">
+              <a:rPr lang="en-GB" dirty="0"/>
+              <a:t>Problems with standard approach</a:t>
+            </a:r>
+          </a:p>
+        </p:txBody>
+      </p:sp>
+      <p:sp>
+        <p:nvSpPr>
+          <p:cNvPr id="3" name="Content Placeholder 2">
             <a:extLst>
               <a:ext uri="{FF2B5EF4-FFF2-40B4-BE49-F238E27FC236}">
-                <a16:creationId xmlns:a16="http://schemas.microsoft.com/office/drawing/2014/main" id="{42966145-3AF7-4F6A-B8C9-3A1BC227303F}"/>
+                <a16:creationId xmlns:a16="http://schemas.microsoft.com/office/drawing/2014/main" id="{E044D8DF-A5F2-48DB-A4AB-F779299F3961}"/>
               </a:ext>
             </a:extLst>
           </p:cNvPr>
-          <p:cNvPicPr>
-            <a:picLocks noGrp="1" noChangeAspect="1"/>
-          </p:cNvPicPr>
+          <p:cNvSpPr>
+            <a:spLocks noGrp="1"/>
+          </p:cNvSpPr>
           <p:nvPr>
             <p:ph idx="1"/>
           </p:nvPr>
-        </p:nvPicPr>
-        <p:blipFill>
-          <a:blip r:embed="rId2"/>
-          <a:stretch>
-            <a:fillRect/>
-          </a:stretch>
-        </p:blipFill>
-        <p:spPr>
-          <a:xfrm>
-            <a:off x="2949563" y="2341563"/>
-            <a:ext cx="6292874" cy="3633787"/>
-          </a:xfrm>
-        </p:spPr>
-      </p:pic>
+        </p:nvSpPr>
+        <p:spPr/>
+        <p:txBody>
+          <a:bodyPr/>
+          <a:lstStyle/>
+          <a:p>
+            <a:r>
+              <a:rPr lang="en-GB" dirty="0"/>
+              <a:t>Extending functionality – Open/Close Principle</a:t>
+            </a:r>
+          </a:p>
+          <a:p>
+            <a:r>
+              <a:rPr lang="en-GB" dirty="0"/>
+              <a:t>Interface Segregation Principle</a:t>
+            </a:r>
+          </a:p>
+          <a:p>
+            <a:r>
+              <a:rPr lang="en-GB" dirty="0"/>
+              <a:t>Single Responsibility Principle </a:t>
+            </a:r>
+          </a:p>
+          <a:p>
+            <a:endParaRPr lang="en-GB" dirty="0"/>
+          </a:p>
+        </p:txBody>
+      </p:sp>
     </p:spTree>
     <p:extLst>
       <p:ext uri="{BB962C8B-B14F-4D97-AF65-F5344CB8AC3E}">
-        <p14:creationId xmlns:p14="http://schemas.microsoft.com/office/powerpoint/2010/main" val="263784652"/>
+        <p14:creationId xmlns:p14="http://schemas.microsoft.com/office/powerpoint/2010/main" val="1603285994"/>
       </p:ext>
     </p:extLst>
   </p:cSld>
   <p:clrMapOvr>
     <a:masterClrMapping/>
   </p:clrMapOvr>
+  <p:timing>
+    <p:tnLst>
+      <p:par>
+        <p:cTn id="1" dur="indefinite" restart="never" nodeType="tmRoot">
+          <p:childTnLst>
+            <p:seq concurrent="1" nextAc="seek">
+              <p:cTn id="2" dur="indefinite" nodeType="mainSeq">
+                <p:childTnLst>
+                  <p:par>
+                    <p:cTn id="3" fill="hold">
+                      <p:stCondLst>
+                        <p:cond delay="indefinite"/>
+                      </p:stCondLst>
+                      <p:childTnLst>
+                        <p:par>
+                          <p:cTn id="4" fill="hold">
+                            <p:stCondLst>
+                              <p:cond delay="0"/>
+                            </p:stCondLst>
+                            <p:childTnLst>
+                              <p:par>
+                                <p:cTn id="5" presetID="1" presetClass="entr" presetSubtype="0" fill="hold" grpId="0" nodeType="clickEffect">
+                                  <p:stCondLst>
+                                    <p:cond delay="0"/>
+                                  </p:stCondLst>
+                                  <p:childTnLst>
+                                    <p:set>
+                                      <p:cBhvr>
+                                        <p:cTn id="6" dur="1" fill="hold">
+                                          <p:stCondLst>
+                                            <p:cond delay="0"/>
+                                          </p:stCondLst>
+                                        </p:cTn>
+                                        <p:tgtEl>
+                                          <p:spTgt spid="3">
+                                            <p:txEl>
+                                              <p:pRg st="0" end="0"/>
+                                            </p:txEl>
+                                          </p:spTgt>
+                                        </p:tgtEl>
+                                        <p:attrNameLst>
+                                          <p:attrName>style.visibility</p:attrName>
+                                        </p:attrNameLst>
+                                      </p:cBhvr>
+                                      <p:to>
+                                        <p:strVal val="visible"/>
+                                      </p:to>
+                                    </p:set>
+                                  </p:childTnLst>
+                                </p:cTn>
+                              </p:par>
+                            </p:childTnLst>
+                          </p:cTn>
+                        </p:par>
+                      </p:childTnLst>
+                    </p:cTn>
+                  </p:par>
+                  <p:par>
+                    <p:cTn id="7" fill="hold">
+                      <p:stCondLst>
+                        <p:cond delay="indefinite"/>
+                      </p:stCondLst>
+                      <p:childTnLst>
+                        <p:par>
+                          <p:cTn id="8" fill="hold">
+                            <p:stCondLst>
+                              <p:cond delay="0"/>
+                            </p:stCondLst>
+                            <p:childTnLst>
+                              <p:par>
+                                <p:cTn id="9" presetID="1" presetClass="entr" presetSubtype="0" fill="hold" grpId="0" nodeType="clickEffect">
+                                  <p:stCondLst>
+                                    <p:cond delay="0"/>
+                                  </p:stCondLst>
+                                  <p:childTnLst>
+                                    <p:set>
+                                      <p:cBhvr>
+                                        <p:cTn id="10" dur="1" fill="hold">
+                                          <p:stCondLst>
+                                            <p:cond delay="0"/>
+                                          </p:stCondLst>
+                                        </p:cTn>
+                                        <p:tgtEl>
+                                          <p:spTgt spid="3">
+                                            <p:txEl>
+                                              <p:pRg st="1" end="1"/>
+                                            </p:txEl>
+                                          </p:spTgt>
+                                        </p:tgtEl>
+                                        <p:attrNameLst>
+                                          <p:attrName>style.visibility</p:attrName>
+                                        </p:attrNameLst>
+                                      </p:cBhvr>
+                                      <p:to>
+                                        <p:strVal val="visible"/>
+                                      </p:to>
+                                    </p:set>
+                                  </p:childTnLst>
+                                </p:cTn>
+                              </p:par>
+                            </p:childTnLst>
+                          </p:cTn>
+                        </p:par>
+                      </p:childTnLst>
+                    </p:cTn>
+                  </p:par>
+                  <p:par>
+                    <p:cTn id="11" fill="hold">
+                      <p:stCondLst>
+                        <p:cond delay="indefinite"/>
+                      </p:stCondLst>
+                      <p:childTnLst>
+                        <p:par>
+                          <p:cTn id="12" fill="hold">
+                            <p:stCondLst>
+                              <p:cond delay="0"/>
+                            </p:stCondLst>
+                            <p:childTnLst>
+                              <p:par>
+                                <p:cTn id="13" presetID="1" presetClass="entr" presetSubtype="0" fill="hold" grpId="0" nodeType="clickEffect">
+                                  <p:stCondLst>
+                                    <p:cond delay="0"/>
+                                  </p:stCondLst>
+                                  <p:childTnLst>
+                                    <p:set>
+                                      <p:cBhvr>
+                                        <p:cTn id="14" dur="1" fill="hold">
+                                          <p:stCondLst>
+                                            <p:cond delay="0"/>
+                                          </p:stCondLst>
+                                        </p:cTn>
+                                        <p:tgtEl>
+                                          <p:spTgt spid="3">
+                                            <p:txEl>
+                                              <p:pRg st="2" end="2"/>
+                                            </p:txEl>
+                                          </p:spTgt>
+                                        </p:tgtEl>
+                                        <p:attrNameLst>
+                                          <p:attrName>style.visibility</p:attrName>
+                                        </p:attrNameLst>
+                                      </p:cBhvr>
+                                      <p:to>
+                                        <p:strVal val="visible"/>
+                                      </p:to>
+                                    </p:set>
+                                  </p:childTnLst>
+                                </p:cTn>
+                              </p:par>
+                            </p:childTnLst>
+                          </p:cTn>
+                        </p:par>
+                      </p:childTnLst>
+                    </p:cTn>
+                  </p:par>
+                </p:childTnLst>
+              </p:cTn>
+              <p:prevCondLst>
+                <p:cond evt="onPrev" delay="0">
+                  <p:tgtEl>
+                    <p:sldTgt/>
+                  </p:tgtEl>
+                </p:cond>
+              </p:prevCondLst>
+              <p:nextCondLst>
+                <p:cond evt="onNext" delay="0">
+                  <p:tgtEl>
+                    <p:sldTgt/>
+                  </p:tgtEl>
+                </p:cond>
+              </p:nextCondLst>
+            </p:seq>
+          </p:childTnLst>
+        </p:cTn>
+      </p:par>
+    </p:tnLst>
+    <p:bldLst>
+      <p:bldP spid="3" grpId="0" build="p"/>
+    </p:bldLst>
+  </p:timing>
 </p:sld>
 </file>
 
@@ -5274,7 +9019,7 @@
           <p:cNvPr id="2" name="Title 1">
             <a:extLst>
               <a:ext uri="{FF2B5EF4-FFF2-40B4-BE49-F238E27FC236}">
-                <a16:creationId xmlns:a16="http://schemas.microsoft.com/office/drawing/2014/main" id="{7B834A27-06C1-4E1E-80D9-0147BA9A1E46}"/>
+                <a16:creationId xmlns:a16="http://schemas.microsoft.com/office/drawing/2014/main" id="{84EA4B1D-42C9-458E-B254-E6163A4BE800}"/>
               </a:ext>
             </a:extLst>
           </p:cNvPr>
@@ -5285,24 +9030,29 @@
             <p:ph type="title"/>
           </p:nvPr>
         </p:nvSpPr>
-        <p:spPr/>
+        <p:spPr>
+          <a:xfrm>
+            <a:off x="581192" y="254700"/>
+            <a:ext cx="11029616" cy="988332"/>
+          </a:xfrm>
+        </p:spPr>
         <p:txBody>
           <a:bodyPr/>
           <a:lstStyle/>
           <a:p>
             <a:r>
               <a:rPr lang="en-GB" dirty="0"/>
-              <a:t>Simple mediator implementation</a:t>
-            </a:r>
-          </a:p>
-        </p:txBody>
-      </p:sp>
-      <p:sp>
-        <p:nvSpPr>
-          <p:cNvPr id="3" name="Text Placeholder 2">
+              <a:t>Current framework solution</a:t>
+            </a:r>
+          </a:p>
+        </p:txBody>
+      </p:sp>
+      <p:sp>
+        <p:nvSpPr>
+          <p:cNvPr id="3" name="Content Placeholder 2">
             <a:extLst>
               <a:ext uri="{FF2B5EF4-FFF2-40B4-BE49-F238E27FC236}">
-                <a16:creationId xmlns:a16="http://schemas.microsoft.com/office/drawing/2014/main" id="{4FF1FDFA-D63C-40D4-9725-30BE387A6DFA}"/>
+                <a16:creationId xmlns:a16="http://schemas.microsoft.com/office/drawing/2014/main" id="{E044D8DF-A5F2-48DB-A4AB-F779299F3961}"/>
               </a:ext>
             </a:extLst>
           </p:cNvPr>
@@ -5310,28 +9060,497 @@
             <a:spLocks noGrp="1"/>
           </p:cNvSpPr>
           <p:nvPr>
-            <p:ph type="body" idx="1"/>
-          </p:nvPr>
-        </p:nvSpPr>
-        <p:spPr/>
+            <p:ph sz="half" idx="1"/>
+          </p:nvPr>
+        </p:nvSpPr>
+        <p:spPr>
+          <a:xfrm>
+            <a:off x="581193" y="2228003"/>
+            <a:ext cx="5194767" cy="1200997"/>
+          </a:xfrm>
+        </p:spPr>
         <p:txBody>
           <a:bodyPr/>
           <a:lstStyle/>
           <a:p>
-            <a:endParaRPr lang="en-GB"/>
-          </a:p>
-        </p:txBody>
-      </p:sp>
+            <a:r>
+              <a:rPr lang="en-GB" dirty="0"/>
+              <a:t>Single file approach</a:t>
+            </a:r>
+          </a:p>
+          <a:p>
+            <a:endParaRPr lang="en-GB" dirty="0"/>
+          </a:p>
+          <a:p>
+            <a:endParaRPr lang="en-GB" dirty="0"/>
+          </a:p>
+        </p:txBody>
+      </p:sp>
+      <p:sp>
+        <p:nvSpPr>
+          <p:cNvPr id="4" name="Content Placeholder 3">
+            <a:extLst>
+              <a:ext uri="{FF2B5EF4-FFF2-40B4-BE49-F238E27FC236}">
+                <a16:creationId xmlns:a16="http://schemas.microsoft.com/office/drawing/2014/main" id="{0F295A5B-35E4-5D39-D03B-C987B9924D03}"/>
+              </a:ext>
+            </a:extLst>
+          </p:cNvPr>
+          <p:cNvSpPr>
+            <a:spLocks noGrp="1"/>
+          </p:cNvSpPr>
+          <p:nvPr>
+            <p:ph sz="half" idx="2"/>
+          </p:nvPr>
+        </p:nvSpPr>
+        <p:spPr>
+          <a:xfrm>
+            <a:off x="6416038" y="2045068"/>
+            <a:ext cx="5194769" cy="682464"/>
+          </a:xfrm>
+        </p:spPr>
+        <p:txBody>
+          <a:bodyPr/>
+          <a:lstStyle/>
+          <a:p>
+            <a:r>
+              <a:rPr lang="en-US" dirty="0"/>
+              <a:t>File per route / endpoint approach</a:t>
+            </a:r>
+          </a:p>
+        </p:txBody>
+      </p:sp>
+      <p:sp>
+        <p:nvSpPr>
+          <p:cNvPr id="5" name="Title 1">
+            <a:extLst>
+              <a:ext uri="{FF2B5EF4-FFF2-40B4-BE49-F238E27FC236}">
+                <a16:creationId xmlns:a16="http://schemas.microsoft.com/office/drawing/2014/main" id="{F8370C04-41F6-BC44-4B30-5D4F78A9C04F}"/>
+              </a:ext>
+            </a:extLst>
+          </p:cNvPr>
+          <p:cNvSpPr txBox="1">
+            <a:spLocks/>
+          </p:cNvSpPr>
+          <p:nvPr/>
+        </p:nvSpPr>
+        <p:spPr>
+          <a:xfrm>
+            <a:off x="581192" y="996950"/>
+            <a:ext cx="11029616" cy="988332"/>
+          </a:xfrm>
+          <a:prstGeom prst="rect">
+            <a:avLst/>
+          </a:prstGeom>
+        </p:spPr>
+        <p:txBody>
+          <a:bodyPr vert="horz" lIns="91440" tIns="45720" rIns="91440" bIns="45720" rtlCol="0" anchor="b">
+            <a:normAutofit/>
+          </a:bodyPr>
+          <a:lstStyle>
+            <a:lvl1pPr algn="l" defTabSz="457200" rtl="0" eaLnBrk="1" latinLnBrk="0" hangingPunct="1">
+              <a:lnSpc>
+                <a:spcPct val="100000"/>
+              </a:lnSpc>
+              <a:spcBef>
+                <a:spcPct val="0"/>
+              </a:spcBef>
+              <a:buNone/>
+              <a:defRPr sz="2800" b="0" kern="1200" cap="all">
+                <a:solidFill>
+                  <a:schemeClr val="tx1">
+                    <a:lumMod val="75000"/>
+                    <a:lumOff val="25000"/>
+                  </a:schemeClr>
+                </a:solidFill>
+                <a:latin typeface="+mj-lt"/>
+                <a:ea typeface="+mj-ea"/>
+                <a:cs typeface="+mj-cs"/>
+              </a:defRPr>
+            </a:lvl1pPr>
+            <a:lvl2pPr eaLnBrk="1" hangingPunct="1">
+              <a:defRPr>
+                <a:solidFill>
+                  <a:schemeClr val="tx2"/>
+                </a:solidFill>
+              </a:defRPr>
+            </a:lvl2pPr>
+            <a:lvl3pPr eaLnBrk="1" hangingPunct="1">
+              <a:defRPr>
+                <a:solidFill>
+                  <a:schemeClr val="tx2"/>
+                </a:solidFill>
+              </a:defRPr>
+            </a:lvl3pPr>
+            <a:lvl4pPr eaLnBrk="1" hangingPunct="1">
+              <a:defRPr>
+                <a:solidFill>
+                  <a:schemeClr val="tx2"/>
+                </a:solidFill>
+              </a:defRPr>
+            </a:lvl4pPr>
+            <a:lvl5pPr eaLnBrk="1" hangingPunct="1">
+              <a:defRPr>
+                <a:solidFill>
+                  <a:schemeClr val="tx2"/>
+                </a:solidFill>
+              </a:defRPr>
+            </a:lvl5pPr>
+            <a:lvl6pPr eaLnBrk="1" hangingPunct="1">
+              <a:defRPr>
+                <a:solidFill>
+                  <a:schemeClr val="tx2"/>
+                </a:solidFill>
+              </a:defRPr>
+            </a:lvl6pPr>
+            <a:lvl7pPr eaLnBrk="1" hangingPunct="1">
+              <a:defRPr>
+                <a:solidFill>
+                  <a:schemeClr val="tx2"/>
+                </a:solidFill>
+              </a:defRPr>
+            </a:lvl7pPr>
+            <a:lvl8pPr eaLnBrk="1" hangingPunct="1">
+              <a:defRPr>
+                <a:solidFill>
+                  <a:schemeClr val="tx2"/>
+                </a:solidFill>
+              </a:defRPr>
+            </a:lvl8pPr>
+            <a:lvl9pPr eaLnBrk="1" hangingPunct="1">
+              <a:defRPr>
+                <a:solidFill>
+                  <a:schemeClr val="tx2"/>
+                </a:solidFill>
+              </a:defRPr>
+            </a:lvl9pPr>
+          </a:lstStyle>
+          <a:p>
+            <a:r>
+              <a:rPr lang="en-GB" sz="2400" dirty="0">
+                <a:solidFill>
+                  <a:schemeClr val="accent1"/>
+                </a:solidFill>
+              </a:rPr>
+              <a:t>Minimal </a:t>
+            </a:r>
+            <a:r>
+              <a:rPr lang="en-GB" sz="2400" dirty="0" err="1">
+                <a:solidFill>
+                  <a:schemeClr val="accent1"/>
+                </a:solidFill>
+              </a:rPr>
+              <a:t>api’s</a:t>
+            </a:r>
+            <a:endParaRPr lang="en-GB" sz="2400" dirty="0">
+              <a:solidFill>
+                <a:schemeClr val="accent1"/>
+              </a:solidFill>
+            </a:endParaRPr>
+          </a:p>
+        </p:txBody>
+      </p:sp>
+      <p:pic>
+        <p:nvPicPr>
+          <p:cNvPr id="6" name="Picture 5">
+            <a:extLst>
+              <a:ext uri="{FF2B5EF4-FFF2-40B4-BE49-F238E27FC236}">
+                <a16:creationId xmlns:a16="http://schemas.microsoft.com/office/drawing/2014/main" id="{E5C3179B-E7D6-837D-ED74-D7A9B54176F9}"/>
+              </a:ext>
+            </a:extLst>
+          </p:cNvPr>
+          <p:cNvPicPr>
+            <a:picLocks noChangeAspect="1"/>
+          </p:cNvPicPr>
+          <p:nvPr/>
+        </p:nvPicPr>
+        <p:blipFill>
+          <a:blip r:embed="rId3"/>
+          <a:stretch>
+            <a:fillRect/>
+          </a:stretch>
+        </p:blipFill>
+        <p:spPr>
+          <a:xfrm>
+            <a:off x="201478" y="2727532"/>
+            <a:ext cx="6047068" cy="3048800"/>
+          </a:xfrm>
+          <a:prstGeom prst="rect">
+            <a:avLst/>
+          </a:prstGeom>
+        </p:spPr>
+      </p:pic>
+      <p:pic>
+        <p:nvPicPr>
+          <p:cNvPr id="7" name="Picture 6">
+            <a:extLst>
+              <a:ext uri="{FF2B5EF4-FFF2-40B4-BE49-F238E27FC236}">
+                <a16:creationId xmlns:a16="http://schemas.microsoft.com/office/drawing/2014/main" id="{71DF4200-C095-6524-439E-8AA78E090E92}"/>
+              </a:ext>
+            </a:extLst>
+          </p:cNvPr>
+          <p:cNvPicPr>
+            <a:picLocks noChangeAspect="1"/>
+          </p:cNvPicPr>
+          <p:nvPr/>
+        </p:nvPicPr>
+        <p:blipFill>
+          <a:blip r:embed="rId4"/>
+          <a:stretch>
+            <a:fillRect/>
+          </a:stretch>
+        </p:blipFill>
+        <p:spPr>
+          <a:xfrm>
+            <a:off x="6254246" y="2727532"/>
+            <a:ext cx="5937754" cy="2836927"/>
+          </a:xfrm>
+          <a:prstGeom prst="rect">
+            <a:avLst/>
+          </a:prstGeom>
+        </p:spPr>
+      </p:pic>
     </p:spTree>
     <p:extLst>
       <p:ext uri="{BB962C8B-B14F-4D97-AF65-F5344CB8AC3E}">
-        <p14:creationId xmlns:p14="http://schemas.microsoft.com/office/powerpoint/2010/main" val="81978253"/>
+        <p14:creationId xmlns:p14="http://schemas.microsoft.com/office/powerpoint/2010/main" val="3098373867"/>
       </p:ext>
     </p:extLst>
   </p:cSld>
   <p:clrMapOvr>
     <a:masterClrMapping/>
   </p:clrMapOvr>
+  <p:timing>
+    <p:tnLst>
+      <p:par>
+        <p:cTn id="1" dur="indefinite" restart="never" nodeType="tmRoot">
+          <p:childTnLst>
+            <p:seq concurrent="1" nextAc="seek">
+              <p:cTn id="2" dur="indefinite" nodeType="mainSeq">
+                <p:childTnLst>
+                  <p:par>
+                    <p:cTn id="3" fill="hold">
+                      <p:stCondLst>
+                        <p:cond delay="indefinite"/>
+                      </p:stCondLst>
+                      <p:childTnLst>
+                        <p:par>
+                          <p:cTn id="4" fill="hold">
+                            <p:stCondLst>
+                              <p:cond delay="0"/>
+                            </p:stCondLst>
+                            <p:childTnLst>
+                              <p:par>
+                                <p:cTn id="5" presetID="1" presetClass="entr" presetSubtype="0" fill="hold" grpId="0" nodeType="clickEffect">
+                                  <p:stCondLst>
+                                    <p:cond delay="0"/>
+                                  </p:stCondLst>
+                                  <p:childTnLst>
+                                    <p:set>
+                                      <p:cBhvr>
+                                        <p:cTn id="6" dur="1" fill="hold">
+                                          <p:stCondLst>
+                                            <p:cond delay="0"/>
+                                          </p:stCondLst>
+                                        </p:cTn>
+                                        <p:tgtEl>
+                                          <p:spTgt spid="5"/>
+                                        </p:tgtEl>
+                                        <p:attrNameLst>
+                                          <p:attrName>style.visibility</p:attrName>
+                                        </p:attrNameLst>
+                                      </p:cBhvr>
+                                      <p:to>
+                                        <p:strVal val="visible"/>
+                                      </p:to>
+                                    </p:set>
+                                  </p:childTnLst>
+                                </p:cTn>
+                              </p:par>
+                            </p:childTnLst>
+                          </p:cTn>
+                        </p:par>
+                      </p:childTnLst>
+                    </p:cTn>
+                  </p:par>
+                  <p:par>
+                    <p:cTn id="7" fill="hold">
+                      <p:stCondLst>
+                        <p:cond delay="indefinite"/>
+                      </p:stCondLst>
+                      <p:childTnLst>
+                        <p:par>
+                          <p:cTn id="8" fill="hold">
+                            <p:stCondLst>
+                              <p:cond delay="0"/>
+                            </p:stCondLst>
+                            <p:childTnLst>
+                              <p:par>
+                                <p:cTn id="9" presetID="1" presetClass="entr" presetSubtype="0" fill="hold" grpId="0" nodeType="clickEffect">
+                                  <p:stCondLst>
+                                    <p:cond delay="0"/>
+                                  </p:stCondLst>
+                                  <p:childTnLst>
+                                    <p:set>
+                                      <p:cBhvr>
+                                        <p:cTn id="10" dur="1" fill="hold">
+                                          <p:stCondLst>
+                                            <p:cond delay="0"/>
+                                          </p:stCondLst>
+                                        </p:cTn>
+                                        <p:tgtEl>
+                                          <p:spTgt spid="3">
+                                            <p:txEl>
+                                              <p:pRg st="0" end="0"/>
+                                            </p:txEl>
+                                          </p:spTgt>
+                                        </p:tgtEl>
+                                        <p:attrNameLst>
+                                          <p:attrName>style.visibility</p:attrName>
+                                        </p:attrNameLst>
+                                      </p:cBhvr>
+                                      <p:to>
+                                        <p:strVal val="visible"/>
+                                      </p:to>
+                                    </p:set>
+                                  </p:childTnLst>
+                                </p:cTn>
+                              </p:par>
+                              <p:par>
+                                <p:cTn id="11" presetID="1" presetClass="entr" presetSubtype="0" fill="hold" nodeType="withEffect">
+                                  <p:stCondLst>
+                                    <p:cond delay="0"/>
+                                  </p:stCondLst>
+                                  <p:childTnLst>
+                                    <p:set>
+                                      <p:cBhvr>
+                                        <p:cTn id="12" dur="1" fill="hold">
+                                          <p:stCondLst>
+                                            <p:cond delay="0"/>
+                                          </p:stCondLst>
+                                        </p:cTn>
+                                        <p:tgtEl>
+                                          <p:spTgt spid="6"/>
+                                        </p:tgtEl>
+                                        <p:attrNameLst>
+                                          <p:attrName>style.visibility</p:attrName>
+                                        </p:attrNameLst>
+                                      </p:cBhvr>
+                                      <p:to>
+                                        <p:strVal val="visible"/>
+                                      </p:to>
+                                    </p:set>
+                                  </p:childTnLst>
+                                </p:cTn>
+                              </p:par>
+                            </p:childTnLst>
+                          </p:cTn>
+                        </p:par>
+                      </p:childTnLst>
+                    </p:cTn>
+                  </p:par>
+                  <p:par>
+                    <p:cTn id="13" fill="hold">
+                      <p:stCondLst>
+                        <p:cond delay="indefinite"/>
+                      </p:stCondLst>
+                      <p:childTnLst>
+                        <p:par>
+                          <p:cTn id="14" fill="hold">
+                            <p:stCondLst>
+                              <p:cond delay="0"/>
+                            </p:stCondLst>
+                            <p:childTnLst>
+                              <p:par>
+                                <p:cTn id="15" presetID="1" presetClass="entr" presetSubtype="0" fill="hold" grpId="0" nodeType="clickEffect">
+                                  <p:stCondLst>
+                                    <p:cond delay="0"/>
+                                  </p:stCondLst>
+                                  <p:childTnLst>
+                                    <p:set>
+                                      <p:cBhvr>
+                                        <p:cTn id="16" dur="1" fill="hold">
+                                          <p:stCondLst>
+                                            <p:cond delay="0"/>
+                                          </p:stCondLst>
+                                        </p:cTn>
+                                        <p:tgtEl>
+                                          <p:spTgt spid="4">
+                                            <p:txEl>
+                                              <p:pRg st="0" end="0"/>
+                                            </p:txEl>
+                                          </p:spTgt>
+                                        </p:tgtEl>
+                                        <p:attrNameLst>
+                                          <p:attrName>style.visibility</p:attrName>
+                                        </p:attrNameLst>
+                                      </p:cBhvr>
+                                      <p:to>
+                                        <p:strVal val="visible"/>
+                                      </p:to>
+                                    </p:set>
+                                  </p:childTnLst>
+                                </p:cTn>
+                              </p:par>
+                              <p:par>
+                                <p:cTn id="17" presetID="1" presetClass="entr" presetSubtype="0" fill="hold" nodeType="withEffect">
+                                  <p:stCondLst>
+                                    <p:cond delay="0"/>
+                                  </p:stCondLst>
+                                  <p:childTnLst>
+                                    <p:set>
+                                      <p:cBhvr>
+                                        <p:cTn id="18" dur="1" fill="hold">
+                                          <p:stCondLst>
+                                            <p:cond delay="0"/>
+                                          </p:stCondLst>
+                                        </p:cTn>
+                                        <p:tgtEl>
+                                          <p:spTgt spid="7"/>
+                                        </p:tgtEl>
+                                        <p:attrNameLst>
+                                          <p:attrName>style.visibility</p:attrName>
+                                        </p:attrNameLst>
+                                      </p:cBhvr>
+                                      <p:to>
+                                        <p:strVal val="visible"/>
+                                      </p:to>
+                                    </p:set>
+                                  </p:childTnLst>
+                                </p:cTn>
+                              </p:par>
+                            </p:childTnLst>
+                          </p:cTn>
+                        </p:par>
+                      </p:childTnLst>
+                    </p:cTn>
+                  </p:par>
+                </p:childTnLst>
+              </p:cTn>
+              <p:prevCondLst>
+                <p:cond evt="onPrev" delay="0">
+                  <p:tgtEl>
+                    <p:sldTgt/>
+                  </p:tgtEl>
+                </p:cond>
+              </p:prevCondLst>
+              <p:nextCondLst>
+                <p:cond evt="onNext" delay="0">
+                  <p:tgtEl>
+                    <p:sldTgt/>
+                  </p:tgtEl>
+                </p:cond>
+              </p:nextCondLst>
+            </p:seq>
+          </p:childTnLst>
+        </p:cTn>
+      </p:par>
+    </p:tnLst>
+    <p:bldLst>
+      <p:bldP spid="3" grpId="0" build="p"/>
+      <p:bldP spid="4" grpId="0" build="p"/>
+      <p:bldP spid="5" grpId="0"/>
+    </p:bldLst>
+  </p:timing>
 </p:sld>
 </file>
 
@@ -5357,7 +9576,7 @@
           <p:cNvPr id="2" name="Title 1">
             <a:extLst>
               <a:ext uri="{FF2B5EF4-FFF2-40B4-BE49-F238E27FC236}">
-                <a16:creationId xmlns:a16="http://schemas.microsoft.com/office/drawing/2014/main" id="{7B834A27-06C1-4E1E-80D9-0147BA9A1E46}"/>
+                <a16:creationId xmlns:a16="http://schemas.microsoft.com/office/drawing/2014/main" id="{D8054547-6F02-4CBF-9E65-F357E0ED0DDD}"/>
               </a:ext>
             </a:extLst>
           </p:cNvPr>
@@ -5365,7 +9584,7 @@
             <a:spLocks noGrp="1"/>
           </p:cNvSpPr>
           <p:nvPr>
-            <p:ph type="title"/>
+            <p:ph type="ctrTitle"/>
           </p:nvPr>
         </p:nvSpPr>
         <p:spPr/>
@@ -5375,17 +9594,17 @@
           <a:p>
             <a:r>
               <a:rPr lang="en-GB" dirty="0"/>
-              <a:t>Pipeline behaviour</a:t>
-            </a:r>
-          </a:p>
-        </p:txBody>
-      </p:sp>
-      <p:sp>
-        <p:nvSpPr>
-          <p:cNvPr id="3" name="Text Placeholder 2">
+              <a:t>Solution…</a:t>
+            </a:r>
+          </a:p>
+        </p:txBody>
+      </p:sp>
+      <p:sp>
+        <p:nvSpPr>
+          <p:cNvPr id="3" name="Subtitle 2">
             <a:extLst>
               <a:ext uri="{FF2B5EF4-FFF2-40B4-BE49-F238E27FC236}">
-                <a16:creationId xmlns:a16="http://schemas.microsoft.com/office/drawing/2014/main" id="{4FF1FDFA-D63C-40D4-9725-30BE387A6DFA}"/>
+                <a16:creationId xmlns:a16="http://schemas.microsoft.com/office/drawing/2014/main" id="{1B1B27A5-23B0-450F-A0D2-1C8B3E5D664C}"/>
               </a:ext>
             </a:extLst>
           </p:cNvPr>
@@ -5393,7 +9612,7 @@
             <a:spLocks noGrp="1"/>
           </p:cNvSpPr>
           <p:nvPr>
-            <p:ph type="body" idx="1"/>
+            <p:ph type="subTitle" idx="1"/>
           </p:nvPr>
         </p:nvSpPr>
         <p:spPr/>
@@ -5408,7 +9627,7 @@
     </p:spTree>
     <p:extLst>
       <p:ext uri="{BB962C8B-B14F-4D97-AF65-F5344CB8AC3E}">
-        <p14:creationId xmlns:p14="http://schemas.microsoft.com/office/powerpoint/2010/main" val="3579551768"/>
+        <p14:creationId xmlns:p14="http://schemas.microsoft.com/office/powerpoint/2010/main" val="4206507385"/>
       </p:ext>
     </p:extLst>
   </p:cSld>
@@ -5687,25 +9906,302 @@
 </a:theme>
 </file>
 
-<file path=customXml/item1.xml><?xml version="1.0" encoding="utf-8"?>
-<p:properties xmlns:p="http://schemas.microsoft.com/office/2006/metadata/properties" xmlns:xsi="http://www.w3.org/2001/XMLSchema-instance" xmlns:pc="http://schemas.microsoft.com/office/infopath/2007/PartnerControls">
-  <documentManagement>
-    <Status xmlns="71af3243-3dd4-4a8d-8c0d-dd76da1f02a5">Not started</Status>
-    <MediaServiceKeyPoints xmlns="71af3243-3dd4-4a8d-8c0d-dd76da1f02a5" xsi:nil="true"/>
-  </documentManagement>
-</p:properties>
+<file path=ppt/theme/theme2.xml><?xml version="1.0" encoding="utf-8"?>
+<a:theme xmlns:a="http://schemas.openxmlformats.org/drawingml/2006/main" name="Office Theme">
+  <a:themeElements>
+    <a:clrScheme name="Office">
+      <a:dk1>
+        <a:sysClr val="windowText" lastClr="000000"/>
+      </a:dk1>
+      <a:lt1>
+        <a:sysClr val="window" lastClr="FFFFFF"/>
+      </a:lt1>
+      <a:dk2>
+        <a:srgbClr val="44546A"/>
+      </a:dk2>
+      <a:lt2>
+        <a:srgbClr val="E7E6E6"/>
+      </a:lt2>
+      <a:accent1>
+        <a:srgbClr val="4472C4"/>
+      </a:accent1>
+      <a:accent2>
+        <a:srgbClr val="ED7D31"/>
+      </a:accent2>
+      <a:accent3>
+        <a:srgbClr val="A5A5A5"/>
+      </a:accent3>
+      <a:accent4>
+        <a:srgbClr val="FFC000"/>
+      </a:accent4>
+      <a:accent5>
+        <a:srgbClr val="5B9BD5"/>
+      </a:accent5>
+      <a:accent6>
+        <a:srgbClr val="70AD47"/>
+      </a:accent6>
+      <a:hlink>
+        <a:srgbClr val="0563C1"/>
+      </a:hlink>
+      <a:folHlink>
+        <a:srgbClr val="954F72"/>
+      </a:folHlink>
+    </a:clrScheme>
+    <a:fontScheme name="Office">
+      <a:majorFont>
+        <a:latin typeface="Calibri Light" panose="020F0302020204030204"/>
+        <a:ea typeface=""/>
+        <a:cs typeface=""/>
+        <a:font script="Jpan" typeface="游ゴシック Light"/>
+        <a:font script="Hang" typeface="맑은 고딕"/>
+        <a:font script="Hans" typeface="等线 Light"/>
+        <a:font script="Hant" typeface="新細明體"/>
+        <a:font script="Arab" typeface="Times New Roman"/>
+        <a:font script="Hebr" typeface="Times New Roman"/>
+        <a:font script="Thai" typeface="Angsana New"/>
+        <a:font script="Ethi" typeface="Nyala"/>
+        <a:font script="Beng" typeface="Vrinda"/>
+        <a:font script="Gujr" typeface="Shruti"/>
+        <a:font script="Khmr" typeface="MoolBoran"/>
+        <a:font script="Knda" typeface="Tunga"/>
+        <a:font script="Guru" typeface="Raavi"/>
+        <a:font script="Cans" typeface="Euphemia"/>
+        <a:font script="Cher" typeface="Plantagenet Cherokee"/>
+        <a:font script="Yiii" typeface="Microsoft Yi Baiti"/>
+        <a:font script="Tibt" typeface="Microsoft Himalaya"/>
+        <a:font script="Thaa" typeface="MV Boli"/>
+        <a:font script="Deva" typeface="Mangal"/>
+        <a:font script="Telu" typeface="Gautami"/>
+        <a:font script="Taml" typeface="Latha"/>
+        <a:font script="Syrc" typeface="Estrangelo Edessa"/>
+        <a:font script="Orya" typeface="Kalinga"/>
+        <a:font script="Mlym" typeface="Kartika"/>
+        <a:font script="Laoo" typeface="DokChampa"/>
+        <a:font script="Sinh" typeface="Iskoola Pota"/>
+        <a:font script="Mong" typeface="Mongolian Baiti"/>
+        <a:font script="Viet" typeface="Times New Roman"/>
+        <a:font script="Uigh" typeface="Microsoft Uighur"/>
+        <a:font script="Geor" typeface="Sylfaen"/>
+        <a:font script="Armn" typeface="Arial"/>
+        <a:font script="Bugi" typeface="Leelawadee UI"/>
+        <a:font script="Bopo" typeface="Microsoft JhengHei"/>
+        <a:font script="Java" typeface="Javanese Text"/>
+        <a:font script="Lisu" typeface="Segoe UI"/>
+        <a:font script="Mymr" typeface="Myanmar Text"/>
+        <a:font script="Nkoo" typeface="Ebrima"/>
+        <a:font script="Olck" typeface="Nirmala UI"/>
+        <a:font script="Osma" typeface="Ebrima"/>
+        <a:font script="Phag" typeface="Phagspa"/>
+        <a:font script="Syrn" typeface="Estrangelo Edessa"/>
+        <a:font script="Syrj" typeface="Estrangelo Edessa"/>
+        <a:font script="Syre" typeface="Estrangelo Edessa"/>
+        <a:font script="Sora" typeface="Nirmala UI"/>
+        <a:font script="Tale" typeface="Microsoft Tai Le"/>
+        <a:font script="Talu" typeface="Microsoft New Tai Lue"/>
+        <a:font script="Tfng" typeface="Ebrima"/>
+      </a:majorFont>
+      <a:minorFont>
+        <a:latin typeface="Calibri" panose="020F0502020204030204"/>
+        <a:ea typeface=""/>
+        <a:cs typeface=""/>
+        <a:font script="Jpan" typeface="游ゴシック"/>
+        <a:font script="Hang" typeface="맑은 고딕"/>
+        <a:font script="Hans" typeface="等线"/>
+        <a:font script="Hant" typeface="新細明體"/>
+        <a:font script="Arab" typeface="Arial"/>
+        <a:font script="Hebr" typeface="Arial"/>
+        <a:font script="Thai" typeface="Cordia New"/>
+        <a:font script="Ethi" typeface="Nyala"/>
+        <a:font script="Beng" typeface="Vrinda"/>
+        <a:font script="Gujr" typeface="Shruti"/>
+        <a:font script="Khmr" typeface="DaunPenh"/>
+        <a:font script="Knda" typeface="Tunga"/>
+        <a:font script="Guru" typeface="Raavi"/>
+        <a:font script="Cans" typeface="Euphemia"/>
+        <a:font script="Cher" typeface="Plantagenet Cherokee"/>
+        <a:font script="Yiii" typeface="Microsoft Yi Baiti"/>
+        <a:font script="Tibt" typeface="Microsoft Himalaya"/>
+        <a:font script="Thaa" typeface="MV Boli"/>
+        <a:font script="Deva" typeface="Mangal"/>
+        <a:font script="Telu" typeface="Gautami"/>
+        <a:font script="Taml" typeface="Latha"/>
+        <a:font script="Syrc" typeface="Estrangelo Edessa"/>
+        <a:font script="Orya" typeface="Kalinga"/>
+        <a:font script="Mlym" typeface="Kartika"/>
+        <a:font script="Laoo" typeface="DokChampa"/>
+        <a:font script="Sinh" typeface="Iskoola Pota"/>
+        <a:font script="Mong" typeface="Mongolian Baiti"/>
+        <a:font script="Viet" typeface="Arial"/>
+        <a:font script="Uigh" typeface="Microsoft Uighur"/>
+        <a:font script="Geor" typeface="Sylfaen"/>
+        <a:font script="Armn" typeface="Arial"/>
+        <a:font script="Bugi" typeface="Leelawadee UI"/>
+        <a:font script="Bopo" typeface="Microsoft JhengHei"/>
+        <a:font script="Java" typeface="Javanese Text"/>
+        <a:font script="Lisu" typeface="Segoe UI"/>
+        <a:font script="Mymr" typeface="Myanmar Text"/>
+        <a:font script="Nkoo" typeface="Ebrima"/>
+        <a:font script="Olck" typeface="Nirmala UI"/>
+        <a:font script="Osma" typeface="Ebrima"/>
+        <a:font script="Phag" typeface="Phagspa"/>
+        <a:font script="Syrn" typeface="Estrangelo Edessa"/>
+        <a:font script="Syrj" typeface="Estrangelo Edessa"/>
+        <a:font script="Syre" typeface="Estrangelo Edessa"/>
+        <a:font script="Sora" typeface="Nirmala UI"/>
+        <a:font script="Tale" typeface="Microsoft Tai Le"/>
+        <a:font script="Talu" typeface="Microsoft New Tai Lue"/>
+        <a:font script="Tfng" typeface="Ebrima"/>
+      </a:minorFont>
+    </a:fontScheme>
+    <a:fmtScheme name="Office">
+      <a:fillStyleLst>
+        <a:solidFill>
+          <a:schemeClr val="phClr"/>
+        </a:solidFill>
+        <a:gradFill rotWithShape="1">
+          <a:gsLst>
+            <a:gs pos="0">
+              <a:schemeClr val="phClr">
+                <a:lumMod val="110000"/>
+                <a:satMod val="105000"/>
+                <a:tint val="67000"/>
+              </a:schemeClr>
+            </a:gs>
+            <a:gs pos="50000">
+              <a:schemeClr val="phClr">
+                <a:lumMod val="105000"/>
+                <a:satMod val="103000"/>
+                <a:tint val="73000"/>
+              </a:schemeClr>
+            </a:gs>
+            <a:gs pos="100000">
+              <a:schemeClr val="phClr">
+                <a:lumMod val="105000"/>
+                <a:satMod val="109000"/>
+                <a:tint val="81000"/>
+              </a:schemeClr>
+            </a:gs>
+          </a:gsLst>
+          <a:lin ang="5400000" scaled="0"/>
+        </a:gradFill>
+        <a:gradFill rotWithShape="1">
+          <a:gsLst>
+            <a:gs pos="0">
+              <a:schemeClr val="phClr">
+                <a:satMod val="103000"/>
+                <a:lumMod val="102000"/>
+                <a:tint val="94000"/>
+              </a:schemeClr>
+            </a:gs>
+            <a:gs pos="50000">
+              <a:schemeClr val="phClr">
+                <a:satMod val="110000"/>
+                <a:lumMod val="100000"/>
+                <a:shade val="100000"/>
+              </a:schemeClr>
+            </a:gs>
+            <a:gs pos="100000">
+              <a:schemeClr val="phClr">
+                <a:lumMod val="99000"/>
+                <a:satMod val="120000"/>
+                <a:shade val="78000"/>
+              </a:schemeClr>
+            </a:gs>
+          </a:gsLst>
+          <a:lin ang="5400000" scaled="0"/>
+        </a:gradFill>
+      </a:fillStyleLst>
+      <a:lnStyleLst>
+        <a:ln w="6350" cap="flat" cmpd="sng" algn="ctr">
+          <a:solidFill>
+            <a:schemeClr val="phClr"/>
+          </a:solidFill>
+          <a:prstDash val="solid"/>
+          <a:miter lim="800000"/>
+        </a:ln>
+        <a:ln w="12700" cap="flat" cmpd="sng" algn="ctr">
+          <a:solidFill>
+            <a:schemeClr val="phClr"/>
+          </a:solidFill>
+          <a:prstDash val="solid"/>
+          <a:miter lim="800000"/>
+        </a:ln>
+        <a:ln w="19050" cap="flat" cmpd="sng" algn="ctr">
+          <a:solidFill>
+            <a:schemeClr val="phClr"/>
+          </a:solidFill>
+          <a:prstDash val="solid"/>
+          <a:miter lim="800000"/>
+        </a:ln>
+      </a:lnStyleLst>
+      <a:effectStyleLst>
+        <a:effectStyle>
+          <a:effectLst/>
+        </a:effectStyle>
+        <a:effectStyle>
+          <a:effectLst/>
+        </a:effectStyle>
+        <a:effectStyle>
+          <a:effectLst>
+            <a:outerShdw blurRad="57150" dist="19050" dir="5400000" algn="ctr" rotWithShape="0">
+              <a:srgbClr val="000000">
+                <a:alpha val="63000"/>
+              </a:srgbClr>
+            </a:outerShdw>
+          </a:effectLst>
+        </a:effectStyle>
+      </a:effectStyleLst>
+      <a:bgFillStyleLst>
+        <a:solidFill>
+          <a:schemeClr val="phClr"/>
+        </a:solidFill>
+        <a:solidFill>
+          <a:schemeClr val="phClr">
+            <a:tint val="95000"/>
+            <a:satMod val="170000"/>
+          </a:schemeClr>
+        </a:solidFill>
+        <a:gradFill rotWithShape="1">
+          <a:gsLst>
+            <a:gs pos="0">
+              <a:schemeClr val="phClr">
+                <a:tint val="93000"/>
+                <a:satMod val="150000"/>
+                <a:shade val="98000"/>
+                <a:lumMod val="102000"/>
+              </a:schemeClr>
+            </a:gs>
+            <a:gs pos="50000">
+              <a:schemeClr val="phClr">
+                <a:tint val="98000"/>
+                <a:satMod val="130000"/>
+                <a:shade val="90000"/>
+                <a:lumMod val="103000"/>
+              </a:schemeClr>
+            </a:gs>
+            <a:gs pos="100000">
+              <a:schemeClr val="phClr">
+                <a:shade val="63000"/>
+                <a:satMod val="120000"/>
+              </a:schemeClr>
+            </a:gs>
+          </a:gsLst>
+          <a:lin ang="5400000" scaled="0"/>
+        </a:gradFill>
+      </a:bgFillStyleLst>
+    </a:fmtScheme>
+  </a:themeElements>
+  <a:objectDefaults/>
+  <a:extraClrSchemeLst/>
+  <a:extLst>
+    <a:ext uri="{05A4C25C-085E-4340-85A3-A5531E510DB2}">
+      <thm15:themeFamily xmlns:thm15="http://schemas.microsoft.com/office/thememl/2012/main" name="Office Theme" id="{62F939B6-93AF-4DB8-9C6B-D6C7DFDC589F}" vid="{4A3C46E8-61CC-4603-A589-7422A47A8E4A}"/>
+    </a:ext>
+  </a:extLst>
+</a:theme>
 </file>
 
-<file path=customXml/item2.xml><?xml version="1.0" encoding="utf-8"?>
-<?mso-contentType ?>
-<FormTemplates xmlns="http://schemas.microsoft.com/sharepoint/v3/contenttype/forms">
-  <Display>DocumentLibraryForm</Display>
-  <Edit>DocumentLibraryForm</Edit>
-  <New>DocumentLibraryForm</New>
-</FormTemplates>
-</file>
-
-<file path=customXml/item3.xml><?xml version="1.0" encoding="utf-8"?>
+<file path=customXml/item1.xml><?xml version="1.0" encoding="utf-8"?>
 <ct:contentTypeSchema xmlns:ct="http://schemas.microsoft.com/office/2006/metadata/contentType" xmlns:ma="http://schemas.microsoft.com/office/2006/metadata/properties/metaAttributes" ct:_="" ma:_="" ma:contentTypeName="Document" ma:contentTypeID="0x01010079F111ED35F8CC479449609E8A0923A6" ma:contentTypeVersion="12" ma:contentTypeDescription="Create a new document." ma:contentTypeScope="" ma:versionID="a410dd7f93c95333ffa1b60ed6adedd1">
   <xsd:schema xmlns:xsd="http://www.w3.org/2001/XMLSchema" xmlns:xs="http://www.w3.org/2001/XMLSchema" xmlns:p="http://schemas.microsoft.com/office/2006/metadata/properties" xmlns:ns2="71af3243-3dd4-4a8d-8c0d-dd76da1f02a5" xmlns:ns3="16c05727-aa75-4e4a-9b5f-8a80a1165891" targetNamespace="http://schemas.microsoft.com/office/2006/metadata/properties" ma:root="true" ma:fieldsID="a936d9baba76aa3866493feff160faab" ns2:_="" ns3:_="">
     <xsd:import namespace="71af3243-3dd4-4a8d-8c0d-dd76da1f02a5"/>
@@ -5926,25 +10422,25 @@
 </ct:contentTypeSchema>
 </file>
 
-<file path=customXml/itemProps1.xml><?xml version="1.0" encoding="utf-8"?>
-<ds:datastoreItem xmlns:ds="http://schemas.openxmlformats.org/officeDocument/2006/customXml" ds:itemID="{8D289AE2-D2AE-49D1-AFAC-3A79F6794255}">
-  <ds:schemaRefs>
-    <ds:schemaRef ds:uri="http://schemas.microsoft.com/office/2006/metadata/properties"/>
-    <ds:schemaRef ds:uri="http://schemas.microsoft.com/office/infopath/2007/PartnerControls"/>
-    <ds:schemaRef ds:uri="71af3243-3dd4-4a8d-8c0d-dd76da1f02a5"/>
-  </ds:schemaRefs>
-</ds:datastoreItem>
+<file path=customXml/item2.xml><?xml version="1.0" encoding="utf-8"?>
+<?mso-contentType ?>
+<FormTemplates xmlns="http://schemas.microsoft.com/sharepoint/v3/contenttype/forms">
+  <Display>DocumentLibraryForm</Display>
+  <Edit>DocumentLibraryForm</Edit>
+  <New>DocumentLibraryForm</New>
+</FormTemplates>
 </file>
 
-<file path=customXml/itemProps2.xml><?xml version="1.0" encoding="utf-8"?>
-<ds:datastoreItem xmlns:ds="http://schemas.openxmlformats.org/officeDocument/2006/customXml" ds:itemID="{927BD4C1-B6B1-4715-ABF9-E660A51A4EA0}">
-  <ds:schemaRefs>
-    <ds:schemaRef ds:uri="http://schemas.microsoft.com/sharepoint/v3/contenttype/forms"/>
-  </ds:schemaRefs>
-</ds:datastoreItem>
+<file path=customXml/item3.xml><?xml version="1.0" encoding="utf-8"?>
+<p:properties xmlns:p="http://schemas.microsoft.com/office/2006/metadata/properties" xmlns:xsi="http://www.w3.org/2001/XMLSchema-instance" xmlns:pc="http://schemas.microsoft.com/office/infopath/2007/PartnerControls">
+  <documentManagement>
+    <Status xmlns="71af3243-3dd4-4a8d-8c0d-dd76da1f02a5">Not started</Status>
+    <MediaServiceKeyPoints xmlns="71af3243-3dd4-4a8d-8c0d-dd76da1f02a5" xsi:nil="true"/>
+  </documentManagement>
+</p:properties>
 </file>
 
-<file path=customXml/itemProps3.xml><?xml version="1.0" encoding="utf-8"?>
+<file path=customXml/itemProps1.xml><?xml version="1.0" encoding="utf-8"?>
 <ds:datastoreItem xmlns:ds="http://schemas.openxmlformats.org/officeDocument/2006/customXml" ds:itemID="{41E7CA09-9778-4414-AE97-8064B12DA30E}">
   <ds:schemaRefs>
     <ds:schemaRef ds:uri="http://schemas.microsoft.com/office/2006/metadata/contentType"/>
@@ -5961,4 +10457,22 @@
     <ds:schemaRef ds:uri="http://schemas.microsoft.com/internal/obd"/>
   </ds:schemaRefs>
 </ds:datastoreItem>
+</file>
+
+<file path=customXml/itemProps2.xml><?xml version="1.0" encoding="utf-8"?>
+<ds:datastoreItem xmlns:ds="http://schemas.openxmlformats.org/officeDocument/2006/customXml" ds:itemID="{927BD4C1-B6B1-4715-ABF9-E660A51A4EA0}">
+  <ds:schemaRefs>
+    <ds:schemaRef ds:uri="http://schemas.microsoft.com/sharepoint/v3/contenttype/forms"/>
+  </ds:schemaRefs>
+</ds:datastoreItem>
+</file>
+
+<file path=customXml/itemProps3.xml><?xml version="1.0" encoding="utf-8"?>
+<ds:datastoreItem xmlns:ds="http://schemas.openxmlformats.org/officeDocument/2006/customXml" ds:itemID="{8D289AE2-D2AE-49D1-AFAC-3A79F6794255}">
+  <ds:schemaRefs>
+    <ds:schemaRef ds:uri="http://schemas.microsoft.com/office/2006/metadata/properties"/>
+    <ds:schemaRef ds:uri="http://schemas.microsoft.com/office/infopath/2007/PartnerControls"/>
+    <ds:schemaRef ds:uri="71af3243-3dd4-4a8d-8c0d-dd76da1f02a5"/>
+  </ds:schemaRefs>
+</ds:datastoreItem>
 </file>
--- a/How to decouple your code.pptx
+++ b/How to decouple your code.pptx
@@ -5,7 +5,7 @@
     <p:sldMasterId id="2147483712" r:id="rId4"/>
   </p:sldMasterIdLst>
   <p:notesMasterIdLst>
-    <p:notesMasterId r:id="rId21"/>
+    <p:notesMasterId r:id="rId22"/>
   </p:notesMasterIdLst>
   <p:sldIdLst>
     <p:sldId id="257" r:id="rId5"/>
@@ -21,9 +21,10 @@
     <p:sldId id="272" r:id="rId15"/>
     <p:sldId id="271" r:id="rId16"/>
     <p:sldId id="262" r:id="rId17"/>
-    <p:sldId id="276" r:id="rId18"/>
-    <p:sldId id="277" r:id="rId19"/>
-    <p:sldId id="270" r:id="rId20"/>
+    <p:sldId id="278" r:id="rId18"/>
+    <p:sldId id="276" r:id="rId19"/>
+    <p:sldId id="277" r:id="rId20"/>
+    <p:sldId id="270" r:id="rId21"/>
   </p:sldIdLst>
   <p:sldSz cx="12192000" cy="6858000"/>
   <p:notesSz cx="6858000" cy="9144000"/>
@@ -881,22 +882,7 @@
           <a:bodyPr/>
           <a:lstStyle/>
           <a:p>
-            <a:r>
-              <a:rPr lang="en-US" dirty="0"/>
-              <a:t>- the speed impact is negligible in most of the cases when looking at a real world API</a:t>
-            </a:r>
-          </a:p>
-          <a:p>
-            <a:r>
-              <a:rPr lang="en-US" dirty="0"/>
-              <a:t>- the higher memory consumption is more impactful in a highly memory restricted scenario as it causes more often GC</a:t>
-            </a:r>
-          </a:p>
-          <a:p>
-            <a:r>
-              <a:rPr lang="en-US" dirty="0"/>
-              <a:t> – like inside a Kubernetes pod, but still negligible in my opinion</a:t>
-            </a:r>
+            <a:endParaRPr lang="en-US" dirty="0"/>
           </a:p>
         </p:txBody>
       </p:sp>
@@ -926,7 +912,7 @@
     </p:spTree>
     <p:extLst>
       <p:ext uri="{BB962C8B-B14F-4D97-AF65-F5344CB8AC3E}">
-        <p14:creationId xmlns:p14="http://schemas.microsoft.com/office/powerpoint/2010/main" val="4006947244"/>
+        <p14:creationId xmlns:p14="http://schemas.microsoft.com/office/powerpoint/2010/main" val="1999791494"/>
       </p:ext>
     </p:extLst>
   </p:cSld>
@@ -982,49 +968,19 @@
           <a:p>
             <a:r>
               <a:rPr lang="en-US" dirty="0"/>
-              <a:t>- did you ever had to add a common functionality between a set of endpoints?</a:t>
+              <a:t>- the speed impact is negligible in most of the cases when looking at a real world API</a:t>
             </a:r>
           </a:p>
           <a:p>
             <a:r>
               <a:rPr lang="en-US" dirty="0"/>
-              <a:t>- </a:t>
-            </a:r>
-            <a:r>
-              <a:rPr lang="en-US" dirty="0" err="1"/>
-              <a:t>.net</a:t>
-            </a:r>
+              <a:t>- the higher memory consumption is more impactful in a highly memory restricted scenario as it causes more often GC</a:t>
+            </a:r>
+          </a:p>
+          <a:p>
             <a:r>
               <a:rPr lang="en-US" dirty="0"/>
-              <a:t> </a:t>
-            </a:r>
-            <a:r>
-              <a:rPr lang="en-US" dirty="0" err="1"/>
-              <a:t>middlewares</a:t>
-            </a:r>
-            <a:r>
-              <a:rPr lang="en-US" dirty="0"/>
-              <a:t> </a:t>
-            </a:r>
-          </a:p>
-          <a:p>
-            <a:r>
-              <a:rPr lang="en-US" dirty="0"/>
-              <a:t>- or decorator design pattern </a:t>
-            </a:r>
-          </a:p>
-          <a:p>
-            <a:r>
-              <a:rPr lang="en-US" dirty="0"/>
-              <a:t>- logging, gathering metrics, validation, </a:t>
-            </a:r>
-            <a:r>
-              <a:rPr lang="en-US" dirty="0" err="1"/>
-              <a:t>cacheing</a:t>
-            </a:r>
-            <a:r>
-              <a:rPr lang="en-US" dirty="0"/>
-              <a:t>?</a:t>
+              <a:t> – like inside a Kubernetes pod, but still negligible in my opinion</a:t>
             </a:r>
           </a:p>
         </p:txBody>
@@ -1047,6 +1003,135 @@
             <a:fld id="{50B2E8CF-7912-5344-9B14-D40B44999E4E}" type="slidenum">
               <a:rPr lang="en-US" smtClean="0"/>
               <a:t>15</a:t>
+            </a:fld>
+            <a:endParaRPr lang="en-US"/>
+          </a:p>
+        </p:txBody>
+      </p:sp>
+    </p:spTree>
+    <p:extLst>
+      <p:ext uri="{BB962C8B-B14F-4D97-AF65-F5344CB8AC3E}">
+        <p14:creationId xmlns:p14="http://schemas.microsoft.com/office/powerpoint/2010/main" val="4006947244"/>
+      </p:ext>
+    </p:extLst>
+  </p:cSld>
+  <p:clrMapOvr>
+    <a:masterClrMapping/>
+  </p:clrMapOvr>
+</p:notes>
+</file>
+
+<file path=ppt/notesSlides/notesSlide12.xml><?xml version="1.0" encoding="utf-8"?>
+<p:notes xmlns:a="http://schemas.openxmlformats.org/drawingml/2006/main" xmlns:r="http://schemas.openxmlformats.org/officeDocument/2006/relationships" xmlns:p="http://schemas.openxmlformats.org/presentationml/2006/main">
+  <p:cSld>
+    <p:spTree>
+      <p:nvGrpSpPr>
+        <p:cNvPr id="1" name=""/>
+        <p:cNvGrpSpPr/>
+        <p:nvPr/>
+      </p:nvGrpSpPr>
+      <p:grpSpPr>
+        <a:xfrm>
+          <a:off x="0" y="0"/>
+          <a:ext cx="0" cy="0"/>
+          <a:chOff x="0" y="0"/>
+          <a:chExt cx="0" cy="0"/>
+        </a:xfrm>
+      </p:grpSpPr>
+      <p:sp>
+        <p:nvSpPr>
+          <p:cNvPr id="2" name="Slide Image Placeholder 1"/>
+          <p:cNvSpPr>
+            <a:spLocks noGrp="1" noRot="1" noChangeAspect="1"/>
+          </p:cNvSpPr>
+          <p:nvPr>
+            <p:ph type="sldImg"/>
+          </p:nvPr>
+        </p:nvSpPr>
+        <p:spPr/>
+      </p:sp>
+      <p:sp>
+        <p:nvSpPr>
+          <p:cNvPr id="3" name="Notes Placeholder 2"/>
+          <p:cNvSpPr>
+            <a:spLocks noGrp="1"/>
+          </p:cNvSpPr>
+          <p:nvPr>
+            <p:ph type="body" idx="1"/>
+          </p:nvPr>
+        </p:nvSpPr>
+        <p:spPr/>
+        <p:txBody>
+          <a:bodyPr/>
+          <a:lstStyle/>
+          <a:p>
+            <a:r>
+              <a:rPr lang="en-US" dirty="0"/>
+              <a:t>- did you ever had to add a common functionality between a set of endpoints?</a:t>
+            </a:r>
+          </a:p>
+          <a:p>
+            <a:r>
+              <a:rPr lang="en-US" dirty="0"/>
+              <a:t>- </a:t>
+            </a:r>
+            <a:r>
+              <a:rPr lang="en-US" dirty="0" err="1"/>
+              <a:t>.net</a:t>
+            </a:r>
+            <a:r>
+              <a:rPr lang="en-US" dirty="0"/>
+              <a:t> </a:t>
+            </a:r>
+            <a:r>
+              <a:rPr lang="en-US" dirty="0" err="1"/>
+              <a:t>middlewares</a:t>
+            </a:r>
+            <a:r>
+              <a:rPr lang="en-US" dirty="0"/>
+              <a:t> </a:t>
+            </a:r>
+          </a:p>
+          <a:p>
+            <a:r>
+              <a:rPr lang="en-US" dirty="0"/>
+              <a:t>- or decorator design pattern </a:t>
+            </a:r>
+          </a:p>
+          <a:p>
+            <a:r>
+              <a:rPr lang="en-US" dirty="0"/>
+              <a:t>- logging, gathering metrics, validation, </a:t>
+            </a:r>
+            <a:r>
+              <a:rPr lang="en-US" dirty="0" err="1"/>
+              <a:t>cacheing</a:t>
+            </a:r>
+            <a:r>
+              <a:rPr lang="en-US" dirty="0"/>
+              <a:t>?</a:t>
+            </a:r>
+          </a:p>
+        </p:txBody>
+      </p:sp>
+      <p:sp>
+        <p:nvSpPr>
+          <p:cNvPr id="4" name="Slide Number Placeholder 3"/>
+          <p:cNvSpPr>
+            <a:spLocks noGrp="1"/>
+          </p:cNvSpPr>
+          <p:nvPr>
+            <p:ph type="sldNum" sz="quarter" idx="5"/>
+          </p:nvPr>
+        </p:nvSpPr>
+        <p:spPr/>
+        <p:txBody>
+          <a:bodyPr/>
+          <a:lstStyle/>
+          <a:p>
+            <a:fld id="{50B2E8CF-7912-5344-9B14-D40B44999E4E}" type="slidenum">
+              <a:rPr lang="en-US" smtClean="0"/>
+              <a:t>16</a:t>
             </a:fld>
             <a:endParaRPr lang="en-US"/>
           </a:p>
@@ -6530,6 +6615,92 @@
           <a:p>
             <a:r>
               <a:rPr lang="en-GB" dirty="0"/>
+              <a:t>Pipeline Behaviour implementation</a:t>
+            </a:r>
+          </a:p>
+        </p:txBody>
+      </p:sp>
+      <p:sp>
+        <p:nvSpPr>
+          <p:cNvPr id="3" name="Text Placeholder 2">
+            <a:extLst>
+              <a:ext uri="{FF2B5EF4-FFF2-40B4-BE49-F238E27FC236}">
+                <a16:creationId xmlns:a16="http://schemas.microsoft.com/office/drawing/2014/main" id="{4FF1FDFA-D63C-40D4-9725-30BE387A6DFA}"/>
+              </a:ext>
+            </a:extLst>
+          </p:cNvPr>
+          <p:cNvSpPr>
+            <a:spLocks noGrp="1"/>
+          </p:cNvSpPr>
+          <p:nvPr>
+            <p:ph type="body" idx="1"/>
+          </p:nvPr>
+        </p:nvSpPr>
+        <p:spPr/>
+        <p:txBody>
+          <a:bodyPr/>
+          <a:lstStyle/>
+          <a:p>
+            <a:r>
+              <a:rPr lang="en-GB" dirty="0"/>
+              <a:t>Let’s jump into the code</a:t>
+            </a:r>
+          </a:p>
+        </p:txBody>
+      </p:sp>
+    </p:spTree>
+    <p:extLst>
+      <p:ext uri="{BB962C8B-B14F-4D97-AF65-F5344CB8AC3E}">
+        <p14:creationId xmlns:p14="http://schemas.microsoft.com/office/powerpoint/2010/main" val="2437674952"/>
+      </p:ext>
+    </p:extLst>
+  </p:cSld>
+  <p:clrMapOvr>
+    <a:masterClrMapping/>
+  </p:clrMapOvr>
+</p:sld>
+</file>
+
+<file path=ppt/slides/slide15.xml><?xml version="1.0" encoding="utf-8"?>
+<p:sld xmlns:a="http://schemas.openxmlformats.org/drawingml/2006/main" xmlns:r="http://schemas.openxmlformats.org/officeDocument/2006/relationships" xmlns:p="http://schemas.openxmlformats.org/presentationml/2006/main">
+  <p:cSld>
+    <p:spTree>
+      <p:nvGrpSpPr>
+        <p:cNvPr id="1" name=""/>
+        <p:cNvGrpSpPr/>
+        <p:nvPr/>
+      </p:nvGrpSpPr>
+      <p:grpSpPr>
+        <a:xfrm>
+          <a:off x="0" y="0"/>
+          <a:ext cx="0" cy="0"/>
+          <a:chOff x="0" y="0"/>
+          <a:chExt cx="0" cy="0"/>
+        </a:xfrm>
+      </p:grpSpPr>
+      <p:sp>
+        <p:nvSpPr>
+          <p:cNvPr id="2" name="Title 1">
+            <a:extLst>
+              <a:ext uri="{FF2B5EF4-FFF2-40B4-BE49-F238E27FC236}">
+                <a16:creationId xmlns:a16="http://schemas.microsoft.com/office/drawing/2014/main" id="{7B834A27-06C1-4E1E-80D9-0147BA9A1E46}"/>
+              </a:ext>
+            </a:extLst>
+          </p:cNvPr>
+          <p:cNvSpPr>
+            <a:spLocks noGrp="1"/>
+          </p:cNvSpPr>
+          <p:nvPr>
+            <p:ph type="title"/>
+          </p:nvPr>
+        </p:nvSpPr>
+        <p:spPr/>
+        <p:txBody>
+          <a:bodyPr/>
+          <a:lstStyle/>
+          <a:p>
+            <a:r>
+              <a:rPr lang="en-GB" dirty="0"/>
               <a:t>Speed and memory concerns</a:t>
             </a:r>
           </a:p>
@@ -6850,7 +7021,7 @@
 </p:sld>
 </file>
 
-<file path=ppt/slides/slide15.xml><?xml version="1.0" encoding="utf-8"?>
+<file path=ppt/slides/slide16.xml><?xml version="1.0" encoding="utf-8"?>
 <p:sld xmlns:a="http://schemas.openxmlformats.org/drawingml/2006/main" xmlns:r="http://schemas.openxmlformats.org/officeDocument/2006/relationships" xmlns:p="http://schemas.openxmlformats.org/presentationml/2006/main">
   <p:cSld>
     <p:spTree>
@@ -6944,7 +7115,7 @@
 </p:sld>
 </file>
 
-<file path=ppt/slides/slide16.xml><?xml version="1.0" encoding="utf-8"?>
+<file path=ppt/slides/slide17.xml><?xml version="1.0" encoding="utf-8"?>
 <p:sld xmlns:a="http://schemas.openxmlformats.org/drawingml/2006/main" xmlns:r="http://schemas.openxmlformats.org/officeDocument/2006/relationships" xmlns:p="http://schemas.openxmlformats.org/presentationml/2006/main">
   <p:cSld>
     <p:spTree>
@@ -8756,7 +8927,7 @@
           <a:p>
             <a:r>
               <a:rPr lang="en-GB" dirty="0"/>
-              <a:t>Problems with standard approach</a:t>
+              <a:t>Design Problems with standard approach</a:t>
             </a:r>
           </a:p>
         </p:txBody>

--- a/How to decouple your code.pptx
+++ b/How to decouple your code.pptx
@@ -483,7 +483,7 @@
           <a:p>
             <a:fld id="{5092873D-3F98-7244-B4CF-9FA71F58EC87}" type="datetimeFigureOut">
               <a:rPr lang="en-US" smtClean="0"/>
-              <a:t>8/28/23</a:t>
+              <a:t>9/3/2023</a:t>
             </a:fld>
             <a:endParaRPr lang="en-US"/>
           </a:p>
@@ -797,7 +797,7 @@
           <a:p>
             <a:r>
               <a:rPr lang="en-US" dirty="0"/>
-              <a:t>- strongly suggest to follow some of those YouTube channels as it's a really good place to get the latest info from</a:t>
+              <a:t>- strongly suggest to follow some of those YouTube channels as it's a decent place to get the latest info from</a:t>
             </a:r>
           </a:p>
         </p:txBody>
@@ -1065,52 +1065,72 @@
           <a:bodyPr/>
           <a:lstStyle/>
           <a:p>
+            <a:pPr marL="171450" indent="-171450">
+              <a:buFontTx/>
+              <a:buChar char="-"/>
+            </a:pPr>
             <a:r>
               <a:rPr lang="en-US" dirty="0"/>
-              <a:t>- did you ever had to add a common functionality between a set of endpoints?</a:t>
-            </a:r>
-          </a:p>
-          <a:p>
+              <a:t>If you need a simple way of returning to the user quickly and processing in the background</a:t>
+            </a:r>
+          </a:p>
+          <a:p>
+            <a:pPr marL="171450" indent="-171450">
+              <a:buFontTx/>
+              <a:buChar char="-"/>
+            </a:pPr>
+            <a:r>
+              <a:rPr lang="en-US" dirty="0" err="1"/>
+              <a:t>Hangfire</a:t>
+            </a:r>
             <a:r>
               <a:rPr lang="en-US" dirty="0"/>
-              <a:t>- </a:t>
-            </a:r>
-            <a:r>
-              <a:rPr lang="en-US" dirty="0" err="1"/>
-              <a:t>.net</a:t>
-            </a:r>
+              <a:t> is a very simple to use library helping with running tasks </a:t>
+            </a:r>
+          </a:p>
+          <a:p>
+            <a:pPr marL="628650" lvl="1" indent="-171450">
+              <a:buFontTx/>
+              <a:buChar char="-"/>
+            </a:pPr>
             <a:r>
               <a:rPr lang="en-US" dirty="0"/>
-              <a:t> </a:t>
-            </a:r>
-            <a:r>
-              <a:rPr lang="en-US" dirty="0" err="1"/>
-              <a:t>middlewares</a:t>
-            </a:r>
+              <a:t>Automatic retry and back-off</a:t>
+            </a:r>
+          </a:p>
+          <a:p>
+            <a:pPr marL="628650" lvl="1" indent="-171450">
+              <a:buFontTx/>
+              <a:buChar char="-"/>
+            </a:pPr>
             <a:r>
               <a:rPr lang="en-US" dirty="0"/>
-              <a:t> </a:t>
-            </a:r>
-          </a:p>
-          <a:p>
+              <a:t>Able to select specific runners</a:t>
+            </a:r>
+          </a:p>
+          <a:p>
+            <a:pPr marL="628650" lvl="1" indent="-171450">
+              <a:buFontTx/>
+              <a:buChar char="-"/>
+            </a:pPr>
             <a:r>
               <a:rPr lang="en-US" dirty="0"/>
-              <a:t>- or decorator design pattern </a:t>
-            </a:r>
-          </a:p>
-          <a:p>
-            <a:r>
-              <a:rPr lang="en-US" dirty="0"/>
-              <a:t>- logging, gathering metrics, validation, </a:t>
-            </a:r>
-            <a:r>
-              <a:rPr lang="en-US" dirty="0" err="1"/>
-              <a:t>cacheing</a:t>
-            </a:r>
-            <a:r>
-              <a:rPr lang="en-US" dirty="0"/>
-              <a:t>?</a:t>
-            </a:r>
+              <a:t>Nice UI out of the box</a:t>
+            </a:r>
+          </a:p>
+          <a:p>
+            <a:pPr marL="628650" lvl="1" indent="-171450">
+              <a:buFontTx/>
+              <a:buChar char="-"/>
+            </a:pPr>
+            <a:endParaRPr lang="en-US" dirty="0"/>
+          </a:p>
+          <a:p>
+            <a:pPr marL="628650" lvl="1" indent="-171450">
+              <a:buFontTx/>
+              <a:buChar char="-"/>
+            </a:pPr>
+            <a:endParaRPr lang="en-US" dirty="0"/>
           </a:p>
         </p:txBody>
       </p:sp>
@@ -1202,7 +1222,7 @@
           <a:p>
             <a:r>
               <a:rPr lang="en-US" dirty="0"/>
-              <a:t>- Vertical Slices – similarly it is fully supported</a:t>
+              <a:t>- Vertical Slices – similarly it is fully supported, but that focuses more on separation of concerns between whole slice and not between layers</a:t>
             </a:r>
           </a:p>
           <a:p>
@@ -1222,7 +1242,7 @@
           <a:p>
             <a:r>
               <a:rPr lang="en-US" dirty="0"/>
-              <a:t>- Streaming – really good but not part of this talk</a:t>
+              <a:t>- Streaming – very good but not part of this talk</a:t>
             </a:r>
           </a:p>
         </p:txBody>
@@ -1841,9 +1861,23 @@
           <a:bodyPr/>
           <a:lstStyle/>
           <a:p>
+            <a:pPr marL="171450" indent="-171450">
+              <a:buFontTx/>
+              <a:buChar char="-"/>
+            </a:pPr>
             <a:r>
               <a:rPr lang="en-US" dirty="0"/>
-              <a:t>- kind of a big dictionary that maps the request to a selected handler</a:t>
+              <a:t>kind of a big dictionary that maps the request to a selected handler</a:t>
+            </a:r>
+          </a:p>
+          <a:p>
+            <a:pPr marL="171450" indent="-171450">
+              <a:buFontTx/>
+              <a:buChar char="-"/>
+            </a:pPr>
+            <a:r>
+              <a:rPr lang="en-US" dirty="0"/>
+              <a:t>Any one can use mediator to send requests to others</a:t>
             </a:r>
           </a:p>
         </p:txBody>
@@ -2415,7 +2449,7 @@
           <a:p>
             <a:fld id="{ED291B17-9318-49DB-B28B-6E5994AE9581}" type="datetime1">
               <a:rPr lang="en-US" smtClean="0"/>
-              <a:t>8/28/23</a:t>
+              <a:t>9/3/2023</a:t>
             </a:fld>
             <a:endParaRPr lang="en-US" dirty="0"/>
           </a:p>
@@ -2618,7 +2652,7 @@
           <a:p>
             <a:fld id="{2CED4963-E985-44C4-B8C4-FDD613B7C2F8}" type="datetime1">
               <a:rPr lang="en-US" smtClean="0"/>
-              <a:t>8/28/23</a:t>
+              <a:t>9/3/2023</a:t>
             </a:fld>
             <a:endParaRPr lang="en-US" dirty="0"/>
           </a:p>
@@ -2980,7 +3014,7 @@
           <a:p>
             <a:fld id="{ED291B17-9318-49DB-B28B-6E5994AE9581}" type="datetime1">
               <a:rPr lang="en-US" smtClean="0"/>
-              <a:t>8/28/23</a:t>
+              <a:t>9/3/2023</a:t>
             </a:fld>
             <a:endParaRPr lang="en-US" dirty="0"/>
           </a:p>
@@ -3178,7 +3212,7 @@
           <a:p>
             <a:fld id="{78DD82B9-B8EE-4375-B6FF-88FA6ABB15D9}" type="datetime1">
               <a:rPr lang="en-US" smtClean="0"/>
-              <a:t>8/28/23</a:t>
+              <a:t>9/3/2023</a:t>
             </a:fld>
             <a:endParaRPr lang="en-US" dirty="0"/>
           </a:p>
@@ -3490,7 +3524,7 @@
           <a:p>
             <a:fld id="{B2497495-0637-405E-AE64-5CC7506D51F5}" type="datetime1">
               <a:rPr lang="en-US" smtClean="0"/>
-              <a:t>8/28/23</a:t>
+              <a:t>9/3/2023</a:t>
             </a:fld>
             <a:endParaRPr lang="en-US" dirty="0"/>
           </a:p>
@@ -3743,7 +3777,7 @@
           <a:p>
             <a:fld id="{7BFFD690-9426-415D-8B65-26881E07B2D4}" type="datetime1">
               <a:rPr lang="en-US" smtClean="0"/>
-              <a:t>8/28/23</a:t>
+              <a:t>9/3/2023</a:t>
             </a:fld>
             <a:endParaRPr lang="en-US" dirty="0"/>
           </a:p>
@@ -4165,7 +4199,7 @@
           <a:p>
             <a:fld id="{04C4989A-474C-40DE-95B9-011C28B71673}" type="datetime1">
               <a:rPr lang="en-US" smtClean="0"/>
-              <a:t>8/28/23</a:t>
+              <a:t>9/3/2023</a:t>
             </a:fld>
             <a:endParaRPr lang="en-US" dirty="0"/>
           </a:p>
@@ -4288,7 +4322,7 @@
           <a:p>
             <a:fld id="{5DB4ED54-5B5E-4A04-93D3-5772E3CE3818}" type="datetime1">
               <a:rPr lang="en-US" smtClean="0"/>
-              <a:t>8/28/23</a:t>
+              <a:t>9/3/2023</a:t>
             </a:fld>
             <a:endParaRPr lang="en-US" dirty="0"/>
           </a:p>
@@ -4383,7 +4417,7 @@
           <a:p>
             <a:fld id="{4EDE50D6-574B-40AF-946F-D52A04ADE379}" type="datetime1">
               <a:rPr lang="en-US" smtClean="0"/>
-              <a:t>8/28/23</a:t>
+              <a:t>9/3/2023</a:t>
             </a:fld>
             <a:endParaRPr lang="en-US" dirty="0"/>
           </a:p>
@@ -4760,7 +4794,7 @@
           <a:p>
             <a:fld id="{D82884F1-FFEA-405F-9602-3DCA865EDA4E}" type="datetime1">
               <a:rPr lang="en-US" smtClean="0"/>
-              <a:t>8/28/23</a:t>
+              <a:t>9/3/2023</a:t>
             </a:fld>
             <a:endParaRPr lang="en-US" dirty="0"/>
           </a:p>
@@ -5053,7 +5087,7 @@
           <a:p>
             <a:fld id="{7E18DB4A-8810-4A10-AD5C-D5E2C667F5B3}" type="datetime1">
               <a:rPr lang="en-US" smtClean="0"/>
-              <a:t>8/28/23</a:t>
+              <a:t>9/3/2023</a:t>
             </a:fld>
             <a:endParaRPr lang="en-US" dirty="0"/>
           </a:p>
@@ -5268,7 +5302,7 @@
           <a:p>
             <a:fld id="{ED291B17-9318-49DB-B28B-6E5994AE9581}" type="datetime1">
               <a:rPr lang="en-US" smtClean="0"/>
-              <a:t>8/28/23</a:t>
+              <a:t>9/3/2023</a:t>
             </a:fld>
             <a:endParaRPr lang="en-US" dirty="0"/>
           </a:p>
@@ -6099,6 +6133,13 @@
             <a:schemeClr val="lt1"/>
           </a:fontRef>
         </p:style>
+        <p:txBody>
+          <a:bodyPr/>
+          <a:lstStyle/>
+          <a:p>
+            <a:endParaRPr lang="en-GB"/>
+          </a:p>
+        </p:txBody>
       </p:sp>
       <p:sp>
         <p:nvSpPr>
@@ -6153,6 +6194,13 @@
             <a:schemeClr val="lt1"/>
           </a:fontRef>
         </p:style>
+        <p:txBody>
+          <a:bodyPr/>
+          <a:lstStyle/>
+          <a:p>
+            <a:endParaRPr lang="en-GB"/>
+          </a:p>
+        </p:txBody>
       </p:sp>
       <p:sp>
         <p:nvSpPr>
@@ -6207,6 +6255,13 @@
             <a:schemeClr val="lt1"/>
           </a:fontRef>
         </p:style>
+        <p:txBody>
+          <a:bodyPr/>
+          <a:lstStyle/>
+          <a:p>
+            <a:endParaRPr lang="en-GB"/>
+          </a:p>
+        </p:txBody>
       </p:sp>
       <p:pic>
         <p:nvPicPr>
@@ -7534,7 +7589,7 @@
           <a:p>
             <a:r>
               <a:rPr lang="en-GB" dirty="0"/>
-              <a:t>.NET framework way of fixing big and clunky Controllers approach</a:t>
+              <a:t>.NET framework approach to fixing big and clunky Controllers</a:t>
             </a:r>
           </a:p>
           <a:p>
@@ -8077,7 +8132,7 @@
           <a:p>
             <a:r>
               <a:rPr lang="en-US" dirty="0"/>
-              <a:t>One-to-one mapping - .Send()</a:t>
+              <a:t>One-to-one mapping – Request/response – using “.Send()” method</a:t>
             </a:r>
           </a:p>
         </p:txBody>
@@ -8255,6 +8310,13 @@
             <a:schemeClr val="lt1"/>
           </a:fontRef>
         </p:style>
+        <p:txBody>
+          <a:bodyPr/>
+          <a:lstStyle/>
+          <a:p>
+            <a:endParaRPr lang="en-GB"/>
+          </a:p>
+        </p:txBody>
       </p:sp>
       <p:sp>
         <p:nvSpPr>
@@ -8309,6 +8371,13 @@
             <a:schemeClr val="lt1"/>
           </a:fontRef>
         </p:style>
+        <p:txBody>
+          <a:bodyPr/>
+          <a:lstStyle/>
+          <a:p>
+            <a:endParaRPr lang="en-GB"/>
+          </a:p>
+        </p:txBody>
       </p:sp>
       <p:sp>
         <p:nvSpPr>
@@ -8363,6 +8432,13 @@
             <a:schemeClr val="lt1"/>
           </a:fontRef>
         </p:style>
+        <p:txBody>
+          <a:bodyPr/>
+          <a:lstStyle/>
+          <a:p>
+            <a:endParaRPr lang="en-GB"/>
+          </a:p>
+        </p:txBody>
       </p:sp>
       <p:sp>
         <p:nvSpPr>
@@ -8480,6 +8556,13 @@
             <a:schemeClr val="lt1"/>
           </a:fontRef>
         </p:style>
+        <p:txBody>
+          <a:bodyPr/>
+          <a:lstStyle/>
+          <a:p>
+            <a:endParaRPr lang="en-GB"/>
+          </a:p>
+        </p:txBody>
       </p:sp>
       <p:sp>
         <p:nvSpPr>
@@ -8534,6 +8617,13 @@
             <a:schemeClr val="lt1"/>
           </a:fontRef>
         </p:style>
+        <p:txBody>
+          <a:bodyPr/>
+          <a:lstStyle/>
+          <a:p>
+            <a:endParaRPr lang="en-GB"/>
+          </a:p>
+        </p:txBody>
       </p:sp>
       <p:sp>
         <p:nvSpPr>
@@ -8588,6 +8678,13 @@
             <a:schemeClr val="lt1"/>
           </a:fontRef>
         </p:style>
+        <p:txBody>
+          <a:bodyPr/>
+          <a:lstStyle/>
+          <a:p>
+            <a:endParaRPr lang="en-GB"/>
+          </a:p>
+        </p:txBody>
       </p:sp>
       <p:sp>
         <p:nvSpPr>
@@ -8642,6 +8739,13 @@
             <a:schemeClr val="lt1"/>
           </a:fontRef>
         </p:style>
+        <p:txBody>
+          <a:bodyPr/>
+          <a:lstStyle/>
+          <a:p>
+            <a:endParaRPr lang="en-GB"/>
+          </a:p>
+        </p:txBody>
       </p:sp>
       <p:sp>
         <p:nvSpPr>
@@ -8712,7 +8816,7 @@
                   <a:srgbClr val="FFFFFF"/>
                 </a:solidFill>
               </a:rPr>
-              <a:t>Domain Driven Design dictates how well this approach will work over the coming months of developing new solution</a:t>
+              <a:t>Domain Driven Design dictates how well this approach will work over the coming months of developing a new solution</a:t>
             </a:r>
           </a:p>
         </p:txBody>
@@ -9791,7 +9895,10 @@
           <a:bodyPr/>
           <a:lstStyle/>
           <a:p>
-            <a:endParaRPr lang="en-GB"/>
+            <a:r>
+              <a:rPr lang="en-GB" dirty="0"/>
+              <a:t>Let’s add an intermediary</a:t>
+            </a:r>
           </a:p>
         </p:txBody>
       </p:sp>
@@ -9805,6 +9912,88 @@
   <p:clrMapOvr>
     <a:masterClrMapping/>
   </p:clrMapOvr>
+  <p:timing>
+    <p:tnLst>
+      <p:par>
+        <p:cTn id="1" dur="indefinite" restart="never" nodeType="tmRoot">
+          <p:childTnLst>
+            <p:seq concurrent="1" nextAc="seek">
+              <p:cTn id="2" dur="indefinite" nodeType="mainSeq">
+                <p:childTnLst>
+                  <p:par>
+                    <p:cTn id="3" fill="hold">
+                      <p:stCondLst>
+                        <p:cond delay="indefinite"/>
+                      </p:stCondLst>
+                      <p:childTnLst>
+                        <p:par>
+                          <p:cTn id="4" fill="hold">
+                            <p:stCondLst>
+                              <p:cond delay="0"/>
+                            </p:stCondLst>
+                            <p:childTnLst>
+                              <p:par>
+                                <p:cTn id="5" presetID="1" presetClass="entr" presetSubtype="0" fill="hold" grpId="0" nodeType="clickEffect">
+                                  <p:stCondLst>
+                                    <p:cond delay="0"/>
+                                  </p:stCondLst>
+                                  <p:childTnLst>
+                                    <p:set>
+                                      <p:cBhvr>
+                                        <p:cTn id="6" dur="1" fill="hold">
+                                          <p:stCondLst>
+                                            <p:cond delay="0"/>
+                                          </p:stCondLst>
+                                        </p:cTn>
+                                        <p:tgtEl>
+                                          <p:spTgt spid="3">
+                                            <p:txEl>
+                                              <p:pRg st="0" end="0"/>
+                                            </p:txEl>
+                                          </p:spTgt>
+                                        </p:tgtEl>
+                                        <p:attrNameLst>
+                                          <p:attrName>style.visibility</p:attrName>
+                                        </p:attrNameLst>
+                                      </p:cBhvr>
+                                      <p:to>
+                                        <p:strVal val="visible"/>
+                                      </p:to>
+                                    </p:set>
+                                  </p:childTnLst>
+                                </p:cTn>
+                              </p:par>
+                            </p:childTnLst>
+                          </p:cTn>
+                        </p:par>
+                      </p:childTnLst>
+                    </p:cTn>
+                  </p:par>
+                </p:childTnLst>
+              </p:cTn>
+              <p:prevCondLst>
+                <p:cond evt="onPrev" delay="0">
+                  <p:tgtEl>
+                    <p:sldTgt/>
+                  </p:tgtEl>
+                </p:cond>
+              </p:prevCondLst>
+              <p:nextCondLst>
+                <p:cond evt="onNext" delay="0">
+                  <p:tgtEl>
+                    <p:sldTgt/>
+                  </p:tgtEl>
+                </p:cond>
+              </p:nextCondLst>
+            </p:seq>
+          </p:childTnLst>
+        </p:cTn>
+      </p:par>
+    </p:tnLst>
+    <p:bldLst>
+      <p:bldP spid="3" grpId="0" build="p"/>
+    </p:bldLst>
+  </p:timing>
 </p:sld>
 </file>
 
@@ -10373,6 +10562,15 @@
 </file>
 
 <file path=customXml/item1.xml><?xml version="1.0" encoding="utf-8"?>
+<?mso-contentType ?>
+<FormTemplates xmlns="http://schemas.microsoft.com/sharepoint/v3/contenttype/forms">
+  <Display>DocumentLibraryForm</Display>
+  <Edit>DocumentLibraryForm</Edit>
+  <New>DocumentLibraryForm</New>
+</FormTemplates>
+</file>
+
+<file path=customXml/item2.xml><?xml version="1.0" encoding="utf-8"?>
 <ct:contentTypeSchema xmlns:ct="http://schemas.microsoft.com/office/2006/metadata/contentType" xmlns:ma="http://schemas.microsoft.com/office/2006/metadata/properties/metaAttributes" ct:_="" ma:_="" ma:contentTypeName="Document" ma:contentTypeID="0x01010079F111ED35F8CC479449609E8A0923A6" ma:contentTypeVersion="12" ma:contentTypeDescription="Create a new document." ma:contentTypeScope="" ma:versionID="a410dd7f93c95333ffa1b60ed6adedd1">
   <xsd:schema xmlns:xsd="http://www.w3.org/2001/XMLSchema" xmlns:xs="http://www.w3.org/2001/XMLSchema" xmlns:p="http://schemas.microsoft.com/office/2006/metadata/properties" xmlns:ns2="71af3243-3dd4-4a8d-8c0d-dd76da1f02a5" xmlns:ns3="16c05727-aa75-4e4a-9b5f-8a80a1165891" targetNamespace="http://schemas.microsoft.com/office/2006/metadata/properties" ma:root="true" ma:fieldsID="a936d9baba76aa3866493feff160faab" ns2:_="" ns3:_="">
     <xsd:import namespace="71af3243-3dd4-4a8d-8c0d-dd76da1f02a5"/>
@@ -10593,15 +10791,6 @@
 </ct:contentTypeSchema>
 </file>
 
-<file path=customXml/item2.xml><?xml version="1.0" encoding="utf-8"?>
-<?mso-contentType ?>
-<FormTemplates xmlns="http://schemas.microsoft.com/sharepoint/v3/contenttype/forms">
-  <Display>DocumentLibraryForm</Display>
-  <Edit>DocumentLibraryForm</Edit>
-  <New>DocumentLibraryForm</New>
-</FormTemplates>
-</file>
-
 <file path=customXml/item3.xml><?xml version="1.0" encoding="utf-8"?>
 <p:properties xmlns:p="http://schemas.microsoft.com/office/2006/metadata/properties" xmlns:xsi="http://www.w3.org/2001/XMLSchema-instance" xmlns:pc="http://schemas.microsoft.com/office/infopath/2007/PartnerControls">
   <documentManagement>
@@ -10612,6 +10801,14 @@
 </file>
 
 <file path=customXml/itemProps1.xml><?xml version="1.0" encoding="utf-8"?>
+<ds:datastoreItem xmlns:ds="http://schemas.openxmlformats.org/officeDocument/2006/customXml" ds:itemID="{927BD4C1-B6B1-4715-ABF9-E660A51A4EA0}">
+  <ds:schemaRefs>
+    <ds:schemaRef ds:uri="http://schemas.microsoft.com/sharepoint/v3/contenttype/forms"/>
+  </ds:schemaRefs>
+</ds:datastoreItem>
+</file>
+
+<file path=customXml/itemProps2.xml><?xml version="1.0" encoding="utf-8"?>
 <ds:datastoreItem xmlns:ds="http://schemas.openxmlformats.org/officeDocument/2006/customXml" ds:itemID="{41E7CA09-9778-4414-AE97-8064B12DA30E}">
   <ds:schemaRefs>
     <ds:schemaRef ds:uri="http://schemas.microsoft.com/office/2006/metadata/contentType"/>
@@ -10630,14 +10827,6 @@
 </ds:datastoreItem>
 </file>
 
-<file path=customXml/itemProps2.xml><?xml version="1.0" encoding="utf-8"?>
-<ds:datastoreItem xmlns:ds="http://schemas.openxmlformats.org/officeDocument/2006/customXml" ds:itemID="{927BD4C1-B6B1-4715-ABF9-E660A51A4EA0}">
-  <ds:schemaRefs>
-    <ds:schemaRef ds:uri="http://schemas.microsoft.com/sharepoint/v3/contenttype/forms"/>
-  </ds:schemaRefs>
-</ds:datastoreItem>
-</file>
-
 <file path=customXml/itemProps3.xml><?xml version="1.0" encoding="utf-8"?>
 <ds:datastoreItem xmlns:ds="http://schemas.openxmlformats.org/officeDocument/2006/customXml" ds:itemID="{8D289AE2-D2AE-49D1-AFAC-3A79F6794255}">
   <ds:schemaRefs>
